--- a/_posts/2023/08/开放接口API安全性.pptx
+++ b/_posts/2023/08/开放接口API安全性.pptx
@@ -6,34 +6,40 @@
     <p:sldMasterId id="2147483665" r:id="rId3"/>
   </p:sldMasterIdLst>
   <p:notesMasterIdLst>
-    <p:notesMasterId r:id="rId18"/>
+    <p:notesMasterId r:id="rId24"/>
   </p:notesMasterIdLst>
   <p:sldIdLst>
     <p:sldId id="256" r:id="rId4"/>
     <p:sldId id="257" r:id="rId5"/>
-    <p:sldId id="258" r:id="rId6"/>
-    <p:sldId id="259" r:id="rId7"/>
-    <p:sldId id="286" r:id="rId8"/>
-    <p:sldId id="287" r:id="rId9"/>
-    <p:sldId id="288" r:id="rId10"/>
-    <p:sldId id="289" r:id="rId11"/>
-    <p:sldId id="290" r:id="rId12"/>
-    <p:sldId id="270" r:id="rId13"/>
-    <p:sldId id="291" r:id="rId14"/>
-    <p:sldId id="271" r:id="rId15"/>
-    <p:sldId id="292" r:id="rId16"/>
-    <p:sldId id="280" r:id="rId17"/>
+    <p:sldId id="296" r:id="rId6"/>
+    <p:sldId id="297" r:id="rId7"/>
+    <p:sldId id="298" r:id="rId8"/>
+    <p:sldId id="299" r:id="rId9"/>
+    <p:sldId id="300" r:id="rId10"/>
+    <p:sldId id="301" r:id="rId11"/>
+    <p:sldId id="258" r:id="rId12"/>
+    <p:sldId id="259" r:id="rId13"/>
+    <p:sldId id="286" r:id="rId14"/>
+    <p:sldId id="287" r:id="rId15"/>
+    <p:sldId id="288" r:id="rId16"/>
+    <p:sldId id="289" r:id="rId17"/>
+    <p:sldId id="290" r:id="rId18"/>
+    <p:sldId id="270" r:id="rId19"/>
+    <p:sldId id="291" r:id="rId20"/>
+    <p:sldId id="271" r:id="rId21"/>
+    <p:sldId id="292" r:id="rId22"/>
+    <p:sldId id="280" r:id="rId23"/>
   </p:sldIdLst>
   <p:sldSz cx="12192000" cy="6858000"/>
   <p:notesSz cx="6858000" cy="9144000"/>
   <p:embeddedFontLst>
     <p:embeddedFont>
       <p:font typeface="Calibri" panose="020F0502020204030204" charset="0"/>
-      <p:regular r:id="rId22"/>
+      <p:regular r:id="rId28"/>
     </p:embeddedFont>
   </p:embeddedFontLst>
   <p:custDataLst>
-    <p:tags r:id="rId23"/>
+    <p:tags r:id="rId29"/>
   </p:custDataLst>
   <p:defaultTextStyle>
     <a:defPPr>
@@ -6574,40 +6580,7 @@
                   <a:ea typeface="江城圆体 600W" panose="020B0800000000000000" charset="-122"/>
                   <a:sym typeface="+mn-ea"/>
                 </a:rPr>
-                <a:t>2023</a:t>
-              </a:r>
-              <a:r>
-                <a:rPr lang="zh-CN" altLang="en-US">
-                  <a:solidFill>
-                    <a:srgbClr val="1E83D5"/>
-                  </a:solidFill>
-                  <a:latin typeface="江城圆体 600W" panose="020B0800000000000000" charset="-122"/>
-                  <a:ea typeface="江城圆体 600W" panose="020B0800000000000000" charset="-122"/>
-                  <a:sym typeface="+mn-ea"/>
-                </a:rPr>
-                <a:t>年</a:t>
-              </a:r>
-              <a:r>
-                <a:rPr lang="en-US" altLang="zh-CN">
-                  <a:solidFill>
-                    <a:srgbClr val="1E83D5"/>
-                  </a:solidFill>
-                  <a:latin typeface="江城圆体 600W" panose="020B0800000000000000" charset="-122"/>
-                  <a:ea typeface="江城圆体 600W" panose="020B0800000000000000" charset="-122"/>
-                  <a:sym typeface="+mn-ea"/>
-                </a:rPr>
-                <a:t>8</a:t>
-              </a:r>
-              <a:r>
-                <a:rPr lang="zh-CN" altLang="en-US">
-                  <a:solidFill>
-                    <a:srgbClr val="1E83D5"/>
-                  </a:solidFill>
-                  <a:latin typeface="江城圆体 600W" panose="020B0800000000000000" charset="-122"/>
-                  <a:ea typeface="江城圆体 600W" panose="020B0800000000000000" charset="-122"/>
-                  <a:sym typeface="+mn-ea"/>
-                </a:rPr>
-                <a:t>月</a:t>
+                <a:t>2023-08</a:t>
               </a:r>
               <a:endParaRPr lang="zh-CN" altLang="en-US">
                 <a:solidFill>
@@ -6864,6 +6837,3406 @@
         </p:nvGrpSpPr>
         <p:grpSpPr>
           <a:xfrm>
+            <a:off x="2309495" y="530860"/>
+            <a:ext cx="7476490" cy="768350"/>
+            <a:chOff x="3709" y="957"/>
+            <a:chExt cx="11774" cy="1210"/>
+          </a:xfrm>
+        </p:grpSpPr>
+        <p:cxnSp>
+          <p:nvCxnSpPr>
+            <p:cNvPr id="2" name="直接连接符 1"/>
+            <p:cNvCxnSpPr/>
+            <p:nvPr/>
+          </p:nvCxnSpPr>
+          <p:spPr>
+            <a:xfrm>
+              <a:off x="3709" y="1605"/>
+              <a:ext cx="2705" cy="0"/>
+            </a:xfrm>
+            <a:prstGeom prst="line">
+              <a:avLst/>
+            </a:prstGeom>
+            <a:ln>
+              <a:gradFill>
+                <a:gsLst>
+                  <a:gs pos="0">
+                    <a:srgbClr val="C2E0F7">
+                      <a:alpha val="80000"/>
+                    </a:srgbClr>
+                  </a:gs>
+                  <a:gs pos="100000">
+                    <a:srgbClr val="1E83D5"/>
+                  </a:gs>
+                </a:gsLst>
+                <a:path path="circle">
+                  <a:fillToRect t="100000" r="100000"/>
+                </a:path>
+                <a:tileRect l="-100000" b="-100000"/>
+              </a:gradFill>
+            </a:ln>
+          </p:spPr>
+          <p:style>
+            <a:lnRef idx="1">
+              <a:schemeClr val="accent1"/>
+            </a:lnRef>
+            <a:fillRef idx="0">
+              <a:schemeClr val="accent1"/>
+            </a:fillRef>
+            <a:effectRef idx="0">
+              <a:schemeClr val="accent1"/>
+            </a:effectRef>
+            <a:fontRef idx="minor">
+              <a:schemeClr val="tx1"/>
+            </a:fontRef>
+          </p:style>
+        </p:cxnSp>
+        <p:sp>
+          <p:nvSpPr>
+            <p:cNvPr id="12" name="文本框 11"/>
+            <p:cNvSpPr txBox="1"/>
+            <p:nvPr/>
+          </p:nvSpPr>
+          <p:spPr>
+            <a:xfrm>
+              <a:off x="7189" y="957"/>
+              <a:ext cx="8294" cy="1210"/>
+            </a:xfrm>
+            <a:prstGeom prst="rect">
+              <a:avLst/>
+            </a:prstGeom>
+            <a:noFill/>
+          </p:spPr>
+          <p:txBody>
+            <a:bodyPr wrap="square" rtlCol="0">
+              <a:spAutoFit/>
+            </a:bodyPr>
+            <a:p>
+              <a:pPr algn="just"/>
+              <a:r>
+                <a:rPr lang="zh-CN" altLang="en-US" sz="4400">
+                  <a:solidFill>
+                    <a:srgbClr val="1E83D5"/>
+                  </a:solidFill>
+                  <a:latin typeface="思源黑体 CN Bold" panose="020B0800000000000000" charset="-122"/>
+                  <a:ea typeface="思源黑体 CN Bold" panose="020B0800000000000000" charset="-122"/>
+                </a:rPr>
+                <a:t>安全考量</a:t>
+              </a:r>
+              <a:r>
+                <a:rPr lang="zh-CN" altLang="en-US" sz="4400">
+                  <a:solidFill>
+                    <a:srgbClr val="1E83D5"/>
+                  </a:solidFill>
+                  <a:latin typeface="思源黑体 CN Bold" panose="020B0800000000000000" charset="-122"/>
+                  <a:ea typeface="思源黑体 CN Bold" panose="020B0800000000000000" charset="-122"/>
+                </a:rPr>
+                <a:t>点</a:t>
+              </a:r>
+              <a:endParaRPr lang="zh-CN" altLang="en-US" sz="4400">
+                <a:solidFill>
+                  <a:srgbClr val="1E83D5"/>
+                </a:solidFill>
+                <a:latin typeface="思源黑体 CN Bold" panose="020B0800000000000000" charset="-122"/>
+                <a:ea typeface="思源黑体 CN Bold" panose="020B0800000000000000" charset="-122"/>
+              </a:endParaRPr>
+            </a:p>
+          </p:txBody>
+        </p:sp>
+        <p:cxnSp>
+          <p:nvCxnSpPr>
+            <p:cNvPr id="8" name="直接连接符 7"/>
+            <p:cNvCxnSpPr/>
+            <p:nvPr/>
+          </p:nvCxnSpPr>
+          <p:spPr>
+            <a:xfrm flipH="1">
+              <a:off x="12604" y="1562"/>
+              <a:ext cx="2705" cy="0"/>
+            </a:xfrm>
+            <a:prstGeom prst="line">
+              <a:avLst/>
+            </a:prstGeom>
+            <a:ln>
+              <a:gradFill>
+                <a:gsLst>
+                  <a:gs pos="0">
+                    <a:srgbClr val="C2E0F7">
+                      <a:alpha val="80000"/>
+                    </a:srgbClr>
+                  </a:gs>
+                  <a:gs pos="100000">
+                    <a:srgbClr val="1E83D5"/>
+                  </a:gs>
+                </a:gsLst>
+                <a:path path="circle">
+                  <a:fillToRect t="100000" r="100000"/>
+                </a:path>
+                <a:tileRect l="-100000" b="-100000"/>
+              </a:gradFill>
+            </a:ln>
+          </p:spPr>
+          <p:style>
+            <a:lnRef idx="1">
+              <a:schemeClr val="accent1"/>
+            </a:lnRef>
+            <a:fillRef idx="0">
+              <a:schemeClr val="accent1"/>
+            </a:fillRef>
+            <a:effectRef idx="0">
+              <a:schemeClr val="accent1"/>
+            </a:effectRef>
+            <a:fontRef idx="minor">
+              <a:schemeClr val="tx1"/>
+            </a:fontRef>
+          </p:style>
+        </p:cxnSp>
+      </p:grpSp>
+      <p:pic>
+        <p:nvPicPr>
+          <p:cNvPr id="10" name="图片 9" descr="&amp;pky300_sjzg_VCG41N694793806_sjzg_VCG41N694793806&amp;"/>
+          <p:cNvPicPr>
+            <a:picLocks noChangeAspect="1"/>
+          </p:cNvPicPr>
+          <p:nvPr/>
+        </p:nvPicPr>
+        <p:blipFill>
+          <a:blip r:embed="rId1"/>
+          <a:srcRect/>
+          <a:stretch>
+            <a:fillRect/>
+          </a:stretch>
+        </p:blipFill>
+        <p:spPr>
+          <a:xfrm>
+            <a:off x="1558290" y="2002790"/>
+            <a:ext cx="3453130" cy="4215130"/>
+          </a:xfrm>
+          <a:prstGeom prst="rect">
+            <a:avLst/>
+          </a:prstGeom>
+        </p:spPr>
+      </p:pic>
+      <p:grpSp>
+        <p:nvGrpSpPr>
+          <p:cNvPr id="53" name="组合 52"/>
+          <p:cNvGrpSpPr/>
+          <p:nvPr/>
+        </p:nvGrpSpPr>
+        <p:grpSpPr>
+          <a:xfrm>
+            <a:off x="4197350" y="1969135"/>
+            <a:ext cx="1663065" cy="603250"/>
+            <a:chOff x="6414" y="2799"/>
+            <a:chExt cx="2619" cy="950"/>
+          </a:xfrm>
+        </p:grpSpPr>
+        <p:sp>
+          <p:nvSpPr>
+            <p:cNvPr id="51" name="五边形 50"/>
+            <p:cNvSpPr/>
+            <p:nvPr/>
+          </p:nvSpPr>
+          <p:spPr>
+            <a:xfrm>
+              <a:off x="6414" y="2799"/>
+              <a:ext cx="2619" cy="950"/>
+            </a:xfrm>
+            <a:prstGeom prst="homePlate">
+              <a:avLst/>
+            </a:prstGeom>
+            <a:solidFill>
+              <a:srgbClr val="1E83D5"/>
+            </a:solidFill>
+            <a:ln>
+              <a:noFill/>
+            </a:ln>
+          </p:spPr>
+          <p:style>
+            <a:lnRef idx="2">
+              <a:schemeClr val="accent1">
+                <a:shade val="50000"/>
+              </a:schemeClr>
+            </a:lnRef>
+            <a:fillRef idx="1">
+              <a:schemeClr val="accent1"/>
+            </a:fillRef>
+            <a:effectRef idx="0">
+              <a:schemeClr val="accent1"/>
+            </a:effectRef>
+            <a:fontRef idx="minor">
+              <a:schemeClr val="lt1"/>
+            </a:fontRef>
+          </p:style>
+          <p:txBody>
+            <a:bodyPr rtlCol="0" anchor="ctr"/>
+            <a:p>
+              <a:pPr algn="ctr"/>
+              <a:endParaRPr lang="zh-CN" altLang="en-US"/>
+            </a:p>
+          </p:txBody>
+        </p:sp>
+        <p:sp>
+          <p:nvSpPr>
+            <p:cNvPr id="52" name="椭圆 51"/>
+            <p:cNvSpPr/>
+            <p:nvPr/>
+          </p:nvSpPr>
+          <p:spPr>
+            <a:xfrm>
+              <a:off x="6558" y="2958"/>
+              <a:ext cx="173" cy="172"/>
+            </a:xfrm>
+            <a:prstGeom prst="ellipse">
+              <a:avLst/>
+            </a:prstGeom>
+            <a:solidFill>
+              <a:schemeClr val="bg1"/>
+            </a:solidFill>
+            <a:ln>
+              <a:noFill/>
+            </a:ln>
+          </p:spPr>
+          <p:style>
+            <a:lnRef idx="2">
+              <a:schemeClr val="accent1">
+                <a:shade val="50000"/>
+              </a:schemeClr>
+            </a:lnRef>
+            <a:fillRef idx="1">
+              <a:schemeClr val="accent1"/>
+            </a:fillRef>
+            <a:effectRef idx="0">
+              <a:schemeClr val="accent1"/>
+            </a:effectRef>
+            <a:fontRef idx="minor">
+              <a:schemeClr val="lt1"/>
+            </a:fontRef>
+          </p:style>
+          <p:txBody>
+            <a:bodyPr rtlCol="0" anchor="ctr"/>
+            <a:p>
+              <a:pPr algn="ctr"/>
+              <a:endParaRPr lang="zh-CN" altLang="en-US"/>
+            </a:p>
+          </p:txBody>
+        </p:sp>
+      </p:grpSp>
+      <p:sp>
+        <p:nvSpPr>
+          <p:cNvPr id="54" name="文本框 53"/>
+          <p:cNvSpPr txBox="1"/>
+          <p:nvPr/>
+        </p:nvSpPr>
+        <p:spPr>
+          <a:xfrm>
+            <a:off x="4435475" y="2024380"/>
+            <a:ext cx="1501140" cy="460375"/>
+          </a:xfrm>
+          <a:prstGeom prst="rect">
+            <a:avLst/>
+          </a:prstGeom>
+          <a:noFill/>
+        </p:spPr>
+        <p:txBody>
+          <a:bodyPr wrap="square" rtlCol="0">
+            <a:spAutoFit/>
+          </a:bodyPr>
+          <a:p>
+            <a:r>
+              <a:rPr lang="zh-CN" altLang="en-US" sz="2400">
+                <a:solidFill>
+                  <a:schemeClr val="bg1"/>
+                </a:solidFill>
+                <a:latin typeface="思源黑体 CN Bold" panose="020B0800000000000000" charset="-122"/>
+                <a:ea typeface="思源黑体 CN Bold" panose="020B0800000000000000" charset="-122"/>
+              </a:rPr>
+              <a:t>考量点一</a:t>
+            </a:r>
+            <a:endParaRPr lang="zh-CN" altLang="en-US" sz="2400">
+              <a:solidFill>
+                <a:schemeClr val="bg1"/>
+              </a:solidFill>
+              <a:latin typeface="思源黑体 CN Bold" panose="020B0800000000000000" charset="-122"/>
+              <a:ea typeface="思源黑体 CN Bold" panose="020B0800000000000000" charset="-122"/>
+            </a:endParaRPr>
+          </a:p>
+        </p:txBody>
+      </p:sp>
+      <p:sp>
+        <p:nvSpPr>
+          <p:cNvPr id="55" name="文本框"/>
+          <p:cNvSpPr txBox="1"/>
+          <p:nvPr/>
+        </p:nvSpPr>
+        <p:spPr>
+          <a:xfrm>
+            <a:off x="6333490" y="2000250"/>
+            <a:ext cx="4528820" cy="398780"/>
+          </a:xfrm>
+          <a:prstGeom prst="rect">
+            <a:avLst/>
+          </a:prstGeom>
+          <a:noFill/>
+        </p:spPr>
+        <p:txBody>
+          <a:bodyPr vert="horz" wrap="square" rtlCol="0">
+            <a:spAutoFit/>
+          </a:bodyPr>
+          <a:lstStyle>
+            <a:defPPr>
+              <a:defRPr lang="zh-CN"/>
+            </a:defPPr>
+            <a:lvl1pPr marL="0" algn="l" defTabSz="914400" rtl="0" eaLnBrk="1" latinLnBrk="0" hangingPunct="1">
+              <a:defRPr sz="1800" kern="1200">
+                <a:solidFill>
+                  <a:schemeClr val="tx1"/>
+                </a:solidFill>
+                <a:latin typeface="+mn-lt"/>
+                <a:ea typeface="+mn-ea"/>
+                <a:cs typeface="+mn-cs"/>
+              </a:defRPr>
+            </a:lvl1pPr>
+            <a:lvl2pPr marL="457200" algn="l" defTabSz="914400" rtl="0" eaLnBrk="1" latinLnBrk="0" hangingPunct="1">
+              <a:defRPr sz="1800" kern="1200">
+                <a:solidFill>
+                  <a:schemeClr val="tx1"/>
+                </a:solidFill>
+                <a:latin typeface="+mn-lt"/>
+                <a:ea typeface="+mn-ea"/>
+                <a:cs typeface="+mn-cs"/>
+              </a:defRPr>
+            </a:lvl2pPr>
+            <a:lvl3pPr marL="914400" algn="l" defTabSz="914400" rtl="0" eaLnBrk="1" latinLnBrk="0" hangingPunct="1">
+              <a:defRPr sz="1800" kern="1200">
+                <a:solidFill>
+                  <a:schemeClr val="tx1"/>
+                </a:solidFill>
+                <a:latin typeface="+mn-lt"/>
+                <a:ea typeface="+mn-ea"/>
+                <a:cs typeface="+mn-cs"/>
+              </a:defRPr>
+            </a:lvl3pPr>
+            <a:lvl4pPr marL="1371600" algn="l" defTabSz="914400" rtl="0" eaLnBrk="1" latinLnBrk="0" hangingPunct="1">
+              <a:defRPr sz="1800" kern="1200">
+                <a:solidFill>
+                  <a:schemeClr val="tx1"/>
+                </a:solidFill>
+                <a:latin typeface="+mn-lt"/>
+                <a:ea typeface="+mn-ea"/>
+                <a:cs typeface="+mn-cs"/>
+              </a:defRPr>
+            </a:lvl4pPr>
+            <a:lvl5pPr marL="1828800" algn="l" defTabSz="914400" rtl="0" eaLnBrk="1" latinLnBrk="0" hangingPunct="1">
+              <a:defRPr sz="1800" kern="1200">
+                <a:solidFill>
+                  <a:schemeClr val="tx1"/>
+                </a:solidFill>
+                <a:latin typeface="+mn-lt"/>
+                <a:ea typeface="+mn-ea"/>
+                <a:cs typeface="+mn-cs"/>
+              </a:defRPr>
+            </a:lvl5pPr>
+            <a:lvl6pPr marL="2286000" algn="l" defTabSz="914400" rtl="0" eaLnBrk="1" latinLnBrk="0" hangingPunct="1">
+              <a:defRPr sz="1800" kern="1200">
+                <a:solidFill>
+                  <a:schemeClr val="tx1"/>
+                </a:solidFill>
+                <a:latin typeface="+mn-lt"/>
+                <a:ea typeface="+mn-ea"/>
+                <a:cs typeface="+mn-cs"/>
+              </a:defRPr>
+            </a:lvl6pPr>
+            <a:lvl7pPr marL="2743200" algn="l" defTabSz="914400" rtl="0" eaLnBrk="1" latinLnBrk="0" hangingPunct="1">
+              <a:defRPr sz="1800" kern="1200">
+                <a:solidFill>
+                  <a:schemeClr val="tx1"/>
+                </a:solidFill>
+                <a:latin typeface="+mn-lt"/>
+                <a:ea typeface="+mn-ea"/>
+                <a:cs typeface="+mn-cs"/>
+              </a:defRPr>
+            </a:lvl7pPr>
+            <a:lvl8pPr marL="3200400" algn="l" defTabSz="914400" rtl="0" eaLnBrk="1" latinLnBrk="0" hangingPunct="1">
+              <a:defRPr sz="1800" kern="1200">
+                <a:solidFill>
+                  <a:schemeClr val="tx1"/>
+                </a:solidFill>
+                <a:latin typeface="+mn-lt"/>
+                <a:ea typeface="+mn-ea"/>
+                <a:cs typeface="+mn-cs"/>
+              </a:defRPr>
+            </a:lvl8pPr>
+            <a:lvl9pPr marL="3657600" algn="l" defTabSz="914400" rtl="0" eaLnBrk="1" latinLnBrk="0" hangingPunct="1">
+              <a:defRPr sz="1800" kern="1200">
+                <a:solidFill>
+                  <a:schemeClr val="tx1"/>
+                </a:solidFill>
+                <a:latin typeface="+mn-lt"/>
+                <a:ea typeface="+mn-ea"/>
+                <a:cs typeface="+mn-cs"/>
+              </a:defRPr>
+            </a:lvl9pPr>
+          </a:lstStyle>
+          <a:p>
+            <a:pPr algn="l"/>
+            <a:r>
+              <a:rPr lang="zh-CN" altLang="en-US" sz="2000" dirty="0">
+                <a:solidFill>
+                  <a:srgbClr val="1E83D5"/>
+                </a:solidFill>
+                <a:effectLst/>
+                <a:latin typeface="思源黑体 CN Bold" panose="020B0800000000000000" charset="-122"/>
+                <a:ea typeface="思源黑体 CN Bold" panose="020B0800000000000000" charset="-122"/>
+                <a:cs typeface="思源黑体 CN Bold" panose="020B0800000000000000" charset="-122"/>
+              </a:rPr>
+              <a:t>Token机制</a:t>
+            </a:r>
+            <a:endParaRPr lang="zh-CN" altLang="en-US" sz="2000" dirty="0">
+              <a:solidFill>
+                <a:srgbClr val="1E83D5"/>
+              </a:solidFill>
+              <a:effectLst/>
+              <a:latin typeface="思源黑体 CN Bold" panose="020B0800000000000000" charset="-122"/>
+              <a:ea typeface="思源黑体 CN Bold" panose="020B0800000000000000" charset="-122"/>
+              <a:cs typeface="思源黑体 CN Bold" panose="020B0800000000000000" charset="-122"/>
+            </a:endParaRPr>
+          </a:p>
+        </p:txBody>
+      </p:sp>
+      <p:sp>
+        <p:nvSpPr>
+          <p:cNvPr id="56" name="文本框 44"/>
+          <p:cNvSpPr txBox="1"/>
+          <p:nvPr/>
+        </p:nvSpPr>
+        <p:spPr>
+          <a:xfrm>
+            <a:off x="6333490" y="2387600"/>
+            <a:ext cx="4745990" cy="3046095"/>
+          </a:xfrm>
+          <a:prstGeom prst="rect">
+            <a:avLst/>
+          </a:prstGeom>
+          <a:noFill/>
+        </p:spPr>
+        <p:txBody>
+          <a:bodyPr wrap="square" rtlCol="0">
+            <a:spAutoFit/>
+          </a:bodyPr>
+          <a:lstStyle>
+            <a:defPPr>
+              <a:defRPr lang="zh-CN"/>
+            </a:defPPr>
+            <a:lvl1pPr marL="0" algn="l" defTabSz="914400" rtl="0" eaLnBrk="1" latinLnBrk="0" hangingPunct="1">
+              <a:defRPr sz="1800" kern="1200">
+                <a:solidFill>
+                  <a:schemeClr val="tx1"/>
+                </a:solidFill>
+                <a:latin typeface="+mn-lt"/>
+                <a:ea typeface="+mn-ea"/>
+                <a:cs typeface="+mn-cs"/>
+              </a:defRPr>
+            </a:lvl1pPr>
+            <a:lvl2pPr marL="457200" algn="l" defTabSz="914400" rtl="0" eaLnBrk="1" latinLnBrk="0" hangingPunct="1">
+              <a:defRPr sz="1800" kern="1200">
+                <a:solidFill>
+                  <a:schemeClr val="tx1"/>
+                </a:solidFill>
+                <a:latin typeface="+mn-lt"/>
+                <a:ea typeface="+mn-ea"/>
+                <a:cs typeface="+mn-cs"/>
+              </a:defRPr>
+            </a:lvl2pPr>
+            <a:lvl3pPr marL="914400" algn="l" defTabSz="914400" rtl="0" eaLnBrk="1" latinLnBrk="0" hangingPunct="1">
+              <a:defRPr sz="1800" kern="1200">
+                <a:solidFill>
+                  <a:schemeClr val="tx1"/>
+                </a:solidFill>
+                <a:latin typeface="+mn-lt"/>
+                <a:ea typeface="+mn-ea"/>
+                <a:cs typeface="+mn-cs"/>
+              </a:defRPr>
+            </a:lvl3pPr>
+            <a:lvl4pPr marL="1371600" algn="l" defTabSz="914400" rtl="0" eaLnBrk="1" latinLnBrk="0" hangingPunct="1">
+              <a:defRPr sz="1800" kern="1200">
+                <a:solidFill>
+                  <a:schemeClr val="tx1"/>
+                </a:solidFill>
+                <a:latin typeface="+mn-lt"/>
+                <a:ea typeface="+mn-ea"/>
+                <a:cs typeface="+mn-cs"/>
+              </a:defRPr>
+            </a:lvl4pPr>
+            <a:lvl5pPr marL="1828800" algn="l" defTabSz="914400" rtl="0" eaLnBrk="1" latinLnBrk="0" hangingPunct="1">
+              <a:defRPr sz="1800" kern="1200">
+                <a:solidFill>
+                  <a:schemeClr val="tx1"/>
+                </a:solidFill>
+                <a:latin typeface="+mn-lt"/>
+                <a:ea typeface="+mn-ea"/>
+                <a:cs typeface="+mn-cs"/>
+              </a:defRPr>
+            </a:lvl5pPr>
+            <a:lvl6pPr marL="2286000" algn="l" defTabSz="914400" rtl="0" eaLnBrk="1" latinLnBrk="0" hangingPunct="1">
+              <a:defRPr sz="1800" kern="1200">
+                <a:solidFill>
+                  <a:schemeClr val="tx1"/>
+                </a:solidFill>
+                <a:latin typeface="+mn-lt"/>
+                <a:ea typeface="+mn-ea"/>
+                <a:cs typeface="+mn-cs"/>
+              </a:defRPr>
+            </a:lvl6pPr>
+            <a:lvl7pPr marL="2743200" algn="l" defTabSz="914400" rtl="0" eaLnBrk="1" latinLnBrk="0" hangingPunct="1">
+              <a:defRPr sz="1800" kern="1200">
+                <a:solidFill>
+                  <a:schemeClr val="tx1"/>
+                </a:solidFill>
+                <a:latin typeface="+mn-lt"/>
+                <a:ea typeface="+mn-ea"/>
+                <a:cs typeface="+mn-cs"/>
+              </a:defRPr>
+            </a:lvl7pPr>
+            <a:lvl8pPr marL="3200400" algn="l" defTabSz="914400" rtl="0" eaLnBrk="1" latinLnBrk="0" hangingPunct="1">
+              <a:defRPr sz="1800" kern="1200">
+                <a:solidFill>
+                  <a:schemeClr val="tx1"/>
+                </a:solidFill>
+                <a:latin typeface="+mn-lt"/>
+                <a:ea typeface="+mn-ea"/>
+                <a:cs typeface="+mn-cs"/>
+              </a:defRPr>
+            </a:lvl8pPr>
+            <a:lvl9pPr marL="3657600" algn="l" defTabSz="914400" rtl="0" eaLnBrk="1" latinLnBrk="0" hangingPunct="1">
+              <a:defRPr sz="1800" kern="1200">
+                <a:solidFill>
+                  <a:schemeClr val="tx1"/>
+                </a:solidFill>
+                <a:latin typeface="+mn-lt"/>
+                <a:ea typeface="+mn-ea"/>
+                <a:cs typeface="+mn-cs"/>
+              </a:defRPr>
+            </a:lvl9pPr>
+          </a:lstStyle>
+          <a:p>
+            <a:pPr>
+              <a:lnSpc>
+                <a:spcPct val="150000"/>
+              </a:lnSpc>
+            </a:pPr>
+            <a:r>
+              <a:rPr lang="zh-CN" altLang="en-US" sz="1600" dirty="0">
+                <a:solidFill>
+                  <a:srgbClr val="1E83D5"/>
+                </a:solidFill>
+                <a:latin typeface="思源黑体 CN Bold" panose="020B0800000000000000" charset="-122"/>
+                <a:ea typeface="思源黑体 CN Bold" panose="020B0800000000000000" charset="-122"/>
+                <a:cs typeface="Roboto Black" panose="02000000000000000000" charset="0"/>
+              </a:rPr>
+              <a:t>开放接口时最基本需要考虑到接口不应该被别人随意访问，而我也不能随意访问到其他用户的数据，从而保证用户与用户之间的数据隔离。这个时候我们就有必要引入Token机制了。具体的做法： 在用户成功登录时，系统可以返回客户端一个Token，后续客户端调用服务端的接口，都需要带上Token，而服务端需要校验客户端Token的合法性。Token不一致的情况下，服务端需要拦截该请求。</a:t>
+            </a:r>
+            <a:endParaRPr lang="zh-CN" altLang="en-US" sz="1600" dirty="0">
+              <a:solidFill>
+                <a:srgbClr val="1E83D5"/>
+              </a:solidFill>
+              <a:latin typeface="思源黑体 CN Bold" panose="020B0800000000000000" charset="-122"/>
+              <a:ea typeface="思源黑体 CN Bold" panose="020B0800000000000000" charset="-122"/>
+              <a:cs typeface="Roboto Black" panose="02000000000000000000" charset="0"/>
+            </a:endParaRPr>
+          </a:p>
+        </p:txBody>
+      </p:sp>
+    </p:spTree>
+    <p:custDataLst>
+      <p:tags r:id="rId2"/>
+    </p:custDataLst>
+  </p:cSld>
+  <p:clrMapOvr>
+    <a:masterClrMapping/>
+  </p:clrMapOvr>
+</p:sld>
+</file>
+
+<file path=ppt/slides/slide11.xml><?xml version="1.0" encoding="utf-8"?>
+<p:sld xmlns:a="http://schemas.openxmlformats.org/drawingml/2006/main" xmlns:r="http://schemas.openxmlformats.org/officeDocument/2006/relationships" xmlns:p="http://schemas.openxmlformats.org/presentationml/2006/main">
+  <p:cSld>
+    <p:spTree>
+      <p:nvGrpSpPr>
+        <p:cNvPr id="1" name=""/>
+        <p:cNvGrpSpPr/>
+        <p:nvPr/>
+      </p:nvGrpSpPr>
+      <p:grpSpPr/>
+      <p:grpSp>
+        <p:nvGrpSpPr>
+          <p:cNvPr id="9" name="组合 8"/>
+          <p:cNvGrpSpPr/>
+          <p:nvPr/>
+        </p:nvGrpSpPr>
+        <p:grpSpPr>
+          <a:xfrm>
+            <a:off x="2309495" y="530860"/>
+            <a:ext cx="7476490" cy="768350"/>
+            <a:chOff x="3709" y="957"/>
+            <a:chExt cx="11774" cy="1210"/>
+          </a:xfrm>
+        </p:grpSpPr>
+        <p:cxnSp>
+          <p:nvCxnSpPr>
+            <p:cNvPr id="2" name="直接连接符 1"/>
+            <p:cNvCxnSpPr/>
+            <p:nvPr/>
+          </p:nvCxnSpPr>
+          <p:spPr>
+            <a:xfrm>
+              <a:off x="3709" y="1605"/>
+              <a:ext cx="2705" cy="0"/>
+            </a:xfrm>
+            <a:prstGeom prst="line">
+              <a:avLst/>
+            </a:prstGeom>
+            <a:ln>
+              <a:gradFill>
+                <a:gsLst>
+                  <a:gs pos="0">
+                    <a:srgbClr val="C2E0F7">
+                      <a:alpha val="80000"/>
+                    </a:srgbClr>
+                  </a:gs>
+                  <a:gs pos="100000">
+                    <a:srgbClr val="1E83D5"/>
+                  </a:gs>
+                </a:gsLst>
+                <a:path path="circle">
+                  <a:fillToRect t="100000" r="100000"/>
+                </a:path>
+                <a:tileRect l="-100000" b="-100000"/>
+              </a:gradFill>
+            </a:ln>
+          </p:spPr>
+          <p:style>
+            <a:lnRef idx="1">
+              <a:schemeClr val="accent1"/>
+            </a:lnRef>
+            <a:fillRef idx="0">
+              <a:schemeClr val="accent1"/>
+            </a:fillRef>
+            <a:effectRef idx="0">
+              <a:schemeClr val="accent1"/>
+            </a:effectRef>
+            <a:fontRef idx="minor">
+              <a:schemeClr val="tx1"/>
+            </a:fontRef>
+          </p:style>
+        </p:cxnSp>
+        <p:sp>
+          <p:nvSpPr>
+            <p:cNvPr id="12" name="文本框 11"/>
+            <p:cNvSpPr txBox="1"/>
+            <p:nvPr/>
+          </p:nvSpPr>
+          <p:spPr>
+            <a:xfrm>
+              <a:off x="7189" y="957"/>
+              <a:ext cx="8294" cy="1210"/>
+            </a:xfrm>
+            <a:prstGeom prst="rect">
+              <a:avLst/>
+            </a:prstGeom>
+            <a:noFill/>
+          </p:spPr>
+          <p:txBody>
+            <a:bodyPr wrap="square" rtlCol="0">
+              <a:spAutoFit/>
+            </a:bodyPr>
+            <a:p>
+              <a:pPr algn="just"/>
+              <a:r>
+                <a:rPr lang="zh-CN" altLang="en-US" sz="4400">
+                  <a:solidFill>
+                    <a:srgbClr val="1E83D5"/>
+                  </a:solidFill>
+                  <a:latin typeface="思源黑体 CN Bold" panose="020B0800000000000000" charset="-122"/>
+                  <a:ea typeface="思源黑体 CN Bold" panose="020B0800000000000000" charset="-122"/>
+                </a:rPr>
+                <a:t>安全考量</a:t>
+              </a:r>
+              <a:r>
+                <a:rPr lang="zh-CN" altLang="en-US" sz="4400">
+                  <a:solidFill>
+                    <a:srgbClr val="1E83D5"/>
+                  </a:solidFill>
+                  <a:latin typeface="思源黑体 CN Bold" panose="020B0800000000000000" charset="-122"/>
+                  <a:ea typeface="思源黑体 CN Bold" panose="020B0800000000000000" charset="-122"/>
+                </a:rPr>
+                <a:t>点</a:t>
+              </a:r>
+              <a:endParaRPr lang="zh-CN" altLang="en-US" sz="4400">
+                <a:solidFill>
+                  <a:srgbClr val="1E83D5"/>
+                </a:solidFill>
+                <a:latin typeface="思源黑体 CN Bold" panose="020B0800000000000000" charset="-122"/>
+                <a:ea typeface="思源黑体 CN Bold" panose="020B0800000000000000" charset="-122"/>
+              </a:endParaRPr>
+            </a:p>
+          </p:txBody>
+        </p:sp>
+        <p:cxnSp>
+          <p:nvCxnSpPr>
+            <p:cNvPr id="8" name="直接连接符 7"/>
+            <p:cNvCxnSpPr/>
+            <p:nvPr/>
+          </p:nvCxnSpPr>
+          <p:spPr>
+            <a:xfrm flipH="1">
+              <a:off x="12604" y="1562"/>
+              <a:ext cx="2705" cy="0"/>
+            </a:xfrm>
+            <a:prstGeom prst="line">
+              <a:avLst/>
+            </a:prstGeom>
+            <a:ln>
+              <a:gradFill>
+                <a:gsLst>
+                  <a:gs pos="0">
+                    <a:srgbClr val="C2E0F7">
+                      <a:alpha val="80000"/>
+                    </a:srgbClr>
+                  </a:gs>
+                  <a:gs pos="100000">
+                    <a:srgbClr val="1E83D5"/>
+                  </a:gs>
+                </a:gsLst>
+                <a:path path="circle">
+                  <a:fillToRect t="100000" r="100000"/>
+                </a:path>
+                <a:tileRect l="-100000" b="-100000"/>
+              </a:gradFill>
+            </a:ln>
+          </p:spPr>
+          <p:style>
+            <a:lnRef idx="1">
+              <a:schemeClr val="accent1"/>
+            </a:lnRef>
+            <a:fillRef idx="0">
+              <a:schemeClr val="accent1"/>
+            </a:fillRef>
+            <a:effectRef idx="0">
+              <a:schemeClr val="accent1"/>
+            </a:effectRef>
+            <a:fontRef idx="minor">
+              <a:schemeClr val="tx1"/>
+            </a:fontRef>
+          </p:style>
+        </p:cxnSp>
+      </p:grpSp>
+      <p:pic>
+        <p:nvPicPr>
+          <p:cNvPr id="10" name="图片 9" descr="&amp;pky300_sjzg_VCG41N694793806_sjzg_VCG41N694793806&amp;"/>
+          <p:cNvPicPr>
+            <a:picLocks noChangeAspect="1"/>
+          </p:cNvPicPr>
+          <p:nvPr/>
+        </p:nvPicPr>
+        <p:blipFill>
+          <a:blip r:embed="rId1"/>
+          <a:srcRect/>
+          <a:stretch>
+            <a:fillRect/>
+          </a:stretch>
+        </p:blipFill>
+        <p:spPr>
+          <a:xfrm>
+            <a:off x="1558290" y="2002790"/>
+            <a:ext cx="3453130" cy="4215130"/>
+          </a:xfrm>
+          <a:prstGeom prst="rect">
+            <a:avLst/>
+          </a:prstGeom>
+        </p:spPr>
+      </p:pic>
+      <p:grpSp>
+        <p:nvGrpSpPr>
+          <p:cNvPr id="53" name="组合 52"/>
+          <p:cNvGrpSpPr/>
+          <p:nvPr/>
+        </p:nvGrpSpPr>
+        <p:grpSpPr>
+          <a:xfrm>
+            <a:off x="4197350" y="1969135"/>
+            <a:ext cx="1663065" cy="603250"/>
+            <a:chOff x="6414" y="2799"/>
+            <a:chExt cx="2619" cy="950"/>
+          </a:xfrm>
+        </p:grpSpPr>
+        <p:sp>
+          <p:nvSpPr>
+            <p:cNvPr id="51" name="五边形 50"/>
+            <p:cNvSpPr/>
+            <p:nvPr/>
+          </p:nvSpPr>
+          <p:spPr>
+            <a:xfrm>
+              <a:off x="6414" y="2799"/>
+              <a:ext cx="2619" cy="950"/>
+            </a:xfrm>
+            <a:prstGeom prst="homePlate">
+              <a:avLst/>
+            </a:prstGeom>
+            <a:solidFill>
+              <a:srgbClr val="1E83D5"/>
+            </a:solidFill>
+            <a:ln>
+              <a:noFill/>
+            </a:ln>
+          </p:spPr>
+          <p:style>
+            <a:lnRef idx="2">
+              <a:schemeClr val="accent1">
+                <a:shade val="50000"/>
+              </a:schemeClr>
+            </a:lnRef>
+            <a:fillRef idx="1">
+              <a:schemeClr val="accent1"/>
+            </a:fillRef>
+            <a:effectRef idx="0">
+              <a:schemeClr val="accent1"/>
+            </a:effectRef>
+            <a:fontRef idx="minor">
+              <a:schemeClr val="lt1"/>
+            </a:fontRef>
+          </p:style>
+          <p:txBody>
+            <a:bodyPr rtlCol="0" anchor="ctr"/>
+            <a:p>
+              <a:pPr algn="ctr"/>
+              <a:endParaRPr lang="zh-CN" altLang="en-US"/>
+            </a:p>
+          </p:txBody>
+        </p:sp>
+        <p:sp>
+          <p:nvSpPr>
+            <p:cNvPr id="52" name="椭圆 51"/>
+            <p:cNvSpPr/>
+            <p:nvPr/>
+          </p:nvSpPr>
+          <p:spPr>
+            <a:xfrm>
+              <a:off x="6558" y="2958"/>
+              <a:ext cx="173" cy="172"/>
+            </a:xfrm>
+            <a:prstGeom prst="ellipse">
+              <a:avLst/>
+            </a:prstGeom>
+            <a:solidFill>
+              <a:schemeClr val="bg1"/>
+            </a:solidFill>
+            <a:ln>
+              <a:noFill/>
+            </a:ln>
+          </p:spPr>
+          <p:style>
+            <a:lnRef idx="2">
+              <a:schemeClr val="accent1">
+                <a:shade val="50000"/>
+              </a:schemeClr>
+            </a:lnRef>
+            <a:fillRef idx="1">
+              <a:schemeClr val="accent1"/>
+            </a:fillRef>
+            <a:effectRef idx="0">
+              <a:schemeClr val="accent1"/>
+            </a:effectRef>
+            <a:fontRef idx="minor">
+              <a:schemeClr val="lt1"/>
+            </a:fontRef>
+          </p:style>
+          <p:txBody>
+            <a:bodyPr rtlCol="0" anchor="ctr"/>
+            <a:p>
+              <a:pPr algn="ctr"/>
+              <a:endParaRPr lang="zh-CN" altLang="en-US"/>
+            </a:p>
+          </p:txBody>
+        </p:sp>
+      </p:grpSp>
+      <p:sp>
+        <p:nvSpPr>
+          <p:cNvPr id="54" name="文本框 53"/>
+          <p:cNvSpPr txBox="1"/>
+          <p:nvPr/>
+        </p:nvSpPr>
+        <p:spPr>
+          <a:xfrm>
+            <a:off x="4435475" y="2024380"/>
+            <a:ext cx="1501140" cy="460375"/>
+          </a:xfrm>
+          <a:prstGeom prst="rect">
+            <a:avLst/>
+          </a:prstGeom>
+          <a:noFill/>
+        </p:spPr>
+        <p:txBody>
+          <a:bodyPr wrap="square" rtlCol="0">
+            <a:spAutoFit/>
+          </a:bodyPr>
+          <a:p>
+            <a:r>
+              <a:rPr lang="zh-CN" altLang="en-US" sz="2400">
+                <a:solidFill>
+                  <a:schemeClr val="bg1"/>
+                </a:solidFill>
+                <a:latin typeface="思源黑体 CN Bold" panose="020B0800000000000000" charset="-122"/>
+                <a:ea typeface="思源黑体 CN Bold" panose="020B0800000000000000" charset="-122"/>
+              </a:rPr>
+              <a:t>考量点</a:t>
+            </a:r>
+            <a:r>
+              <a:rPr lang="zh-CN" altLang="en-US" sz="2400">
+                <a:solidFill>
+                  <a:schemeClr val="bg1"/>
+                </a:solidFill>
+                <a:latin typeface="思源黑体 CN Bold" panose="020B0800000000000000" charset="-122"/>
+                <a:ea typeface="思源黑体 CN Bold" panose="020B0800000000000000" charset="-122"/>
+              </a:rPr>
+              <a:t>二</a:t>
+            </a:r>
+            <a:endParaRPr lang="zh-CN" altLang="en-US" sz="2400">
+              <a:solidFill>
+                <a:schemeClr val="bg1"/>
+              </a:solidFill>
+              <a:latin typeface="思源黑体 CN Bold" panose="020B0800000000000000" charset="-122"/>
+              <a:ea typeface="思源黑体 CN Bold" panose="020B0800000000000000" charset="-122"/>
+            </a:endParaRPr>
+          </a:p>
+        </p:txBody>
+      </p:sp>
+      <p:sp>
+        <p:nvSpPr>
+          <p:cNvPr id="55" name="文本框"/>
+          <p:cNvSpPr txBox="1"/>
+          <p:nvPr/>
+        </p:nvSpPr>
+        <p:spPr>
+          <a:xfrm>
+            <a:off x="6333490" y="2000250"/>
+            <a:ext cx="4528820" cy="398780"/>
+          </a:xfrm>
+          <a:prstGeom prst="rect">
+            <a:avLst/>
+          </a:prstGeom>
+          <a:noFill/>
+        </p:spPr>
+        <p:txBody>
+          <a:bodyPr vert="horz" wrap="square" rtlCol="0">
+            <a:spAutoFit/>
+          </a:bodyPr>
+          <a:lstStyle>
+            <a:defPPr>
+              <a:defRPr lang="zh-CN"/>
+            </a:defPPr>
+            <a:lvl1pPr marL="0" algn="l" defTabSz="914400" rtl="0" eaLnBrk="1" latinLnBrk="0" hangingPunct="1">
+              <a:defRPr sz="1800" kern="1200">
+                <a:solidFill>
+                  <a:schemeClr val="tx1"/>
+                </a:solidFill>
+                <a:latin typeface="+mn-lt"/>
+                <a:ea typeface="+mn-ea"/>
+                <a:cs typeface="+mn-cs"/>
+              </a:defRPr>
+            </a:lvl1pPr>
+            <a:lvl2pPr marL="457200" algn="l" defTabSz="914400" rtl="0" eaLnBrk="1" latinLnBrk="0" hangingPunct="1">
+              <a:defRPr sz="1800" kern="1200">
+                <a:solidFill>
+                  <a:schemeClr val="tx1"/>
+                </a:solidFill>
+                <a:latin typeface="+mn-lt"/>
+                <a:ea typeface="+mn-ea"/>
+                <a:cs typeface="+mn-cs"/>
+              </a:defRPr>
+            </a:lvl2pPr>
+            <a:lvl3pPr marL="914400" algn="l" defTabSz="914400" rtl="0" eaLnBrk="1" latinLnBrk="0" hangingPunct="1">
+              <a:defRPr sz="1800" kern="1200">
+                <a:solidFill>
+                  <a:schemeClr val="tx1"/>
+                </a:solidFill>
+                <a:latin typeface="+mn-lt"/>
+                <a:ea typeface="+mn-ea"/>
+                <a:cs typeface="+mn-cs"/>
+              </a:defRPr>
+            </a:lvl3pPr>
+            <a:lvl4pPr marL="1371600" algn="l" defTabSz="914400" rtl="0" eaLnBrk="1" latinLnBrk="0" hangingPunct="1">
+              <a:defRPr sz="1800" kern="1200">
+                <a:solidFill>
+                  <a:schemeClr val="tx1"/>
+                </a:solidFill>
+                <a:latin typeface="+mn-lt"/>
+                <a:ea typeface="+mn-ea"/>
+                <a:cs typeface="+mn-cs"/>
+              </a:defRPr>
+            </a:lvl4pPr>
+            <a:lvl5pPr marL="1828800" algn="l" defTabSz="914400" rtl="0" eaLnBrk="1" latinLnBrk="0" hangingPunct="1">
+              <a:defRPr sz="1800" kern="1200">
+                <a:solidFill>
+                  <a:schemeClr val="tx1"/>
+                </a:solidFill>
+                <a:latin typeface="+mn-lt"/>
+                <a:ea typeface="+mn-ea"/>
+                <a:cs typeface="+mn-cs"/>
+              </a:defRPr>
+            </a:lvl5pPr>
+            <a:lvl6pPr marL="2286000" algn="l" defTabSz="914400" rtl="0" eaLnBrk="1" latinLnBrk="0" hangingPunct="1">
+              <a:defRPr sz="1800" kern="1200">
+                <a:solidFill>
+                  <a:schemeClr val="tx1"/>
+                </a:solidFill>
+                <a:latin typeface="+mn-lt"/>
+                <a:ea typeface="+mn-ea"/>
+                <a:cs typeface="+mn-cs"/>
+              </a:defRPr>
+            </a:lvl6pPr>
+            <a:lvl7pPr marL="2743200" algn="l" defTabSz="914400" rtl="0" eaLnBrk="1" latinLnBrk="0" hangingPunct="1">
+              <a:defRPr sz="1800" kern="1200">
+                <a:solidFill>
+                  <a:schemeClr val="tx1"/>
+                </a:solidFill>
+                <a:latin typeface="+mn-lt"/>
+                <a:ea typeface="+mn-ea"/>
+                <a:cs typeface="+mn-cs"/>
+              </a:defRPr>
+            </a:lvl7pPr>
+            <a:lvl8pPr marL="3200400" algn="l" defTabSz="914400" rtl="0" eaLnBrk="1" latinLnBrk="0" hangingPunct="1">
+              <a:defRPr sz="1800" kern="1200">
+                <a:solidFill>
+                  <a:schemeClr val="tx1"/>
+                </a:solidFill>
+                <a:latin typeface="+mn-lt"/>
+                <a:ea typeface="+mn-ea"/>
+                <a:cs typeface="+mn-cs"/>
+              </a:defRPr>
+            </a:lvl8pPr>
+            <a:lvl9pPr marL="3657600" algn="l" defTabSz="914400" rtl="0" eaLnBrk="1" latinLnBrk="0" hangingPunct="1">
+              <a:defRPr sz="1800" kern="1200">
+                <a:solidFill>
+                  <a:schemeClr val="tx1"/>
+                </a:solidFill>
+                <a:latin typeface="+mn-lt"/>
+                <a:ea typeface="+mn-ea"/>
+                <a:cs typeface="+mn-cs"/>
+              </a:defRPr>
+            </a:lvl9pPr>
+          </a:lstStyle>
+          <a:p>
+            <a:pPr algn="l"/>
+            <a:r>
+              <a:rPr lang="zh-CN" altLang="en-US" sz="2000" dirty="0">
+                <a:solidFill>
+                  <a:srgbClr val="1E83D5"/>
+                </a:solidFill>
+                <a:effectLst/>
+                <a:latin typeface="思源黑体 CN Bold" panose="020B0800000000000000" charset="-122"/>
+                <a:ea typeface="思源黑体 CN Bold" panose="020B0800000000000000" charset="-122"/>
+                <a:cs typeface="思源黑体 CN Bold" panose="020B0800000000000000" charset="-122"/>
+              </a:rPr>
+              <a:t>对数据进行校验</a:t>
+            </a:r>
+            <a:endParaRPr lang="zh-CN" altLang="en-US" sz="2000" dirty="0">
+              <a:solidFill>
+                <a:srgbClr val="1E83D5"/>
+              </a:solidFill>
+              <a:effectLst/>
+              <a:latin typeface="思源黑体 CN Bold" panose="020B0800000000000000" charset="-122"/>
+              <a:ea typeface="思源黑体 CN Bold" panose="020B0800000000000000" charset="-122"/>
+              <a:cs typeface="思源黑体 CN Bold" panose="020B0800000000000000" charset="-122"/>
+            </a:endParaRPr>
+          </a:p>
+        </p:txBody>
+      </p:sp>
+      <p:sp>
+        <p:nvSpPr>
+          <p:cNvPr id="56" name="文本框 44"/>
+          <p:cNvSpPr txBox="1"/>
+          <p:nvPr/>
+        </p:nvSpPr>
+        <p:spPr>
+          <a:xfrm>
+            <a:off x="6333490" y="2387600"/>
+            <a:ext cx="4745990" cy="3415030"/>
+          </a:xfrm>
+          <a:prstGeom prst="rect">
+            <a:avLst/>
+          </a:prstGeom>
+          <a:noFill/>
+        </p:spPr>
+        <p:txBody>
+          <a:bodyPr wrap="square" rtlCol="0">
+            <a:spAutoFit/>
+          </a:bodyPr>
+          <a:lstStyle>
+            <a:defPPr>
+              <a:defRPr lang="zh-CN"/>
+            </a:defPPr>
+            <a:lvl1pPr marL="0" algn="l" defTabSz="914400" rtl="0" eaLnBrk="1" latinLnBrk="0" hangingPunct="1">
+              <a:defRPr sz="1800" kern="1200">
+                <a:solidFill>
+                  <a:schemeClr val="tx1"/>
+                </a:solidFill>
+                <a:latin typeface="+mn-lt"/>
+                <a:ea typeface="+mn-ea"/>
+                <a:cs typeface="+mn-cs"/>
+              </a:defRPr>
+            </a:lvl1pPr>
+            <a:lvl2pPr marL="457200" algn="l" defTabSz="914400" rtl="0" eaLnBrk="1" latinLnBrk="0" hangingPunct="1">
+              <a:defRPr sz="1800" kern="1200">
+                <a:solidFill>
+                  <a:schemeClr val="tx1"/>
+                </a:solidFill>
+                <a:latin typeface="+mn-lt"/>
+                <a:ea typeface="+mn-ea"/>
+                <a:cs typeface="+mn-cs"/>
+              </a:defRPr>
+            </a:lvl2pPr>
+            <a:lvl3pPr marL="914400" algn="l" defTabSz="914400" rtl="0" eaLnBrk="1" latinLnBrk="0" hangingPunct="1">
+              <a:defRPr sz="1800" kern="1200">
+                <a:solidFill>
+                  <a:schemeClr val="tx1"/>
+                </a:solidFill>
+                <a:latin typeface="+mn-lt"/>
+                <a:ea typeface="+mn-ea"/>
+                <a:cs typeface="+mn-cs"/>
+              </a:defRPr>
+            </a:lvl3pPr>
+            <a:lvl4pPr marL="1371600" algn="l" defTabSz="914400" rtl="0" eaLnBrk="1" latinLnBrk="0" hangingPunct="1">
+              <a:defRPr sz="1800" kern="1200">
+                <a:solidFill>
+                  <a:schemeClr val="tx1"/>
+                </a:solidFill>
+                <a:latin typeface="+mn-lt"/>
+                <a:ea typeface="+mn-ea"/>
+                <a:cs typeface="+mn-cs"/>
+              </a:defRPr>
+            </a:lvl4pPr>
+            <a:lvl5pPr marL="1828800" algn="l" defTabSz="914400" rtl="0" eaLnBrk="1" latinLnBrk="0" hangingPunct="1">
+              <a:defRPr sz="1800" kern="1200">
+                <a:solidFill>
+                  <a:schemeClr val="tx1"/>
+                </a:solidFill>
+                <a:latin typeface="+mn-lt"/>
+                <a:ea typeface="+mn-ea"/>
+                <a:cs typeface="+mn-cs"/>
+              </a:defRPr>
+            </a:lvl5pPr>
+            <a:lvl6pPr marL="2286000" algn="l" defTabSz="914400" rtl="0" eaLnBrk="1" latinLnBrk="0" hangingPunct="1">
+              <a:defRPr sz="1800" kern="1200">
+                <a:solidFill>
+                  <a:schemeClr val="tx1"/>
+                </a:solidFill>
+                <a:latin typeface="+mn-lt"/>
+                <a:ea typeface="+mn-ea"/>
+                <a:cs typeface="+mn-cs"/>
+              </a:defRPr>
+            </a:lvl6pPr>
+            <a:lvl7pPr marL="2743200" algn="l" defTabSz="914400" rtl="0" eaLnBrk="1" latinLnBrk="0" hangingPunct="1">
+              <a:defRPr sz="1800" kern="1200">
+                <a:solidFill>
+                  <a:schemeClr val="tx1"/>
+                </a:solidFill>
+                <a:latin typeface="+mn-lt"/>
+                <a:ea typeface="+mn-ea"/>
+                <a:cs typeface="+mn-cs"/>
+              </a:defRPr>
+            </a:lvl7pPr>
+            <a:lvl8pPr marL="3200400" algn="l" defTabSz="914400" rtl="0" eaLnBrk="1" latinLnBrk="0" hangingPunct="1">
+              <a:defRPr sz="1800" kern="1200">
+                <a:solidFill>
+                  <a:schemeClr val="tx1"/>
+                </a:solidFill>
+                <a:latin typeface="+mn-lt"/>
+                <a:ea typeface="+mn-ea"/>
+                <a:cs typeface="+mn-cs"/>
+              </a:defRPr>
+            </a:lvl8pPr>
+            <a:lvl9pPr marL="3657600" algn="l" defTabSz="914400" rtl="0" eaLnBrk="1" latinLnBrk="0" hangingPunct="1">
+              <a:defRPr sz="1800" kern="1200">
+                <a:solidFill>
+                  <a:schemeClr val="tx1"/>
+                </a:solidFill>
+                <a:latin typeface="+mn-lt"/>
+                <a:ea typeface="+mn-ea"/>
+                <a:cs typeface="+mn-cs"/>
+              </a:defRPr>
+            </a:lvl9pPr>
+          </a:lstStyle>
+          <a:p>
+            <a:pPr>
+              <a:lnSpc>
+                <a:spcPct val="150000"/>
+              </a:lnSpc>
+            </a:pPr>
+            <a:r>
+              <a:rPr lang="zh-CN" altLang="en-US" sz="1600" dirty="0">
+                <a:solidFill>
+                  <a:srgbClr val="1E83D5"/>
+                </a:solidFill>
+                <a:latin typeface="思源黑体 CN Bold" panose="020B0800000000000000" charset="-122"/>
+                <a:ea typeface="思源黑体 CN Bold" panose="020B0800000000000000" charset="-122"/>
+                <a:cs typeface="Roboto Black" panose="02000000000000000000" charset="0"/>
+              </a:rPr>
+              <a:t>服务端从某种层面来说需要验证接受到数据是否和客户端发来的数据是否一致，要验证数据在传输过程中有没有被注入攻击。这时候客户端和服务端就有必要做签名和验签。具体做法： 客户端对所有请求服务端接口参数做加密生成签名，并将签名作为请求参数一并传到服务端，服务端接受到请求同时要做验签的操作，对称加密对请求参数生成签名，并与客户端传过来的签名进行比对，如签名不一致，服务端需要拦截该请求</a:t>
+            </a:r>
+            <a:endParaRPr lang="zh-CN" altLang="en-US" sz="1600" dirty="0">
+              <a:solidFill>
+                <a:srgbClr val="1E83D5"/>
+              </a:solidFill>
+              <a:latin typeface="思源黑体 CN Bold" panose="020B0800000000000000" charset="-122"/>
+              <a:ea typeface="思源黑体 CN Bold" panose="020B0800000000000000" charset="-122"/>
+              <a:cs typeface="Roboto Black" panose="02000000000000000000" charset="0"/>
+            </a:endParaRPr>
+          </a:p>
+        </p:txBody>
+      </p:sp>
+    </p:spTree>
+    <p:custDataLst>
+      <p:tags r:id="rId2"/>
+    </p:custDataLst>
+  </p:cSld>
+  <p:clrMapOvr>
+    <a:masterClrMapping/>
+  </p:clrMapOvr>
+</p:sld>
+</file>
+
+<file path=ppt/slides/slide12.xml><?xml version="1.0" encoding="utf-8"?>
+<p:sld xmlns:a="http://schemas.openxmlformats.org/drawingml/2006/main" xmlns:r="http://schemas.openxmlformats.org/officeDocument/2006/relationships" xmlns:p="http://schemas.openxmlformats.org/presentationml/2006/main">
+  <p:cSld>
+    <p:spTree>
+      <p:nvGrpSpPr>
+        <p:cNvPr id="1" name=""/>
+        <p:cNvGrpSpPr/>
+        <p:nvPr/>
+      </p:nvGrpSpPr>
+      <p:grpSpPr/>
+      <p:grpSp>
+        <p:nvGrpSpPr>
+          <p:cNvPr id="9" name="组合 8"/>
+          <p:cNvGrpSpPr/>
+          <p:nvPr/>
+        </p:nvGrpSpPr>
+        <p:grpSpPr>
+          <a:xfrm>
+            <a:off x="2309495" y="530860"/>
+            <a:ext cx="7476490" cy="768350"/>
+            <a:chOff x="3709" y="957"/>
+            <a:chExt cx="11774" cy="1210"/>
+          </a:xfrm>
+        </p:grpSpPr>
+        <p:cxnSp>
+          <p:nvCxnSpPr>
+            <p:cNvPr id="2" name="直接连接符 1"/>
+            <p:cNvCxnSpPr/>
+            <p:nvPr/>
+          </p:nvCxnSpPr>
+          <p:spPr>
+            <a:xfrm>
+              <a:off x="3709" y="1605"/>
+              <a:ext cx="2705" cy="0"/>
+            </a:xfrm>
+            <a:prstGeom prst="line">
+              <a:avLst/>
+            </a:prstGeom>
+            <a:ln>
+              <a:gradFill>
+                <a:gsLst>
+                  <a:gs pos="0">
+                    <a:srgbClr val="C2E0F7">
+                      <a:alpha val="80000"/>
+                    </a:srgbClr>
+                  </a:gs>
+                  <a:gs pos="100000">
+                    <a:srgbClr val="1E83D5"/>
+                  </a:gs>
+                </a:gsLst>
+                <a:path path="circle">
+                  <a:fillToRect t="100000" r="100000"/>
+                </a:path>
+                <a:tileRect l="-100000" b="-100000"/>
+              </a:gradFill>
+            </a:ln>
+          </p:spPr>
+          <p:style>
+            <a:lnRef idx="1">
+              <a:schemeClr val="accent1"/>
+            </a:lnRef>
+            <a:fillRef idx="0">
+              <a:schemeClr val="accent1"/>
+            </a:fillRef>
+            <a:effectRef idx="0">
+              <a:schemeClr val="accent1"/>
+            </a:effectRef>
+            <a:fontRef idx="minor">
+              <a:schemeClr val="tx1"/>
+            </a:fontRef>
+          </p:style>
+        </p:cxnSp>
+        <p:sp>
+          <p:nvSpPr>
+            <p:cNvPr id="12" name="文本框 11"/>
+            <p:cNvSpPr txBox="1"/>
+            <p:nvPr/>
+          </p:nvSpPr>
+          <p:spPr>
+            <a:xfrm>
+              <a:off x="7189" y="957"/>
+              <a:ext cx="8294" cy="1210"/>
+            </a:xfrm>
+            <a:prstGeom prst="rect">
+              <a:avLst/>
+            </a:prstGeom>
+            <a:noFill/>
+          </p:spPr>
+          <p:txBody>
+            <a:bodyPr wrap="square" rtlCol="0">
+              <a:spAutoFit/>
+            </a:bodyPr>
+            <a:p>
+              <a:pPr algn="just"/>
+              <a:r>
+                <a:rPr lang="zh-CN" altLang="en-US" sz="4400">
+                  <a:solidFill>
+                    <a:srgbClr val="1E83D5"/>
+                  </a:solidFill>
+                  <a:latin typeface="思源黑体 CN Bold" panose="020B0800000000000000" charset="-122"/>
+                  <a:ea typeface="思源黑体 CN Bold" panose="020B0800000000000000" charset="-122"/>
+                </a:rPr>
+                <a:t>安全考量</a:t>
+              </a:r>
+              <a:r>
+                <a:rPr lang="zh-CN" altLang="en-US" sz="4400">
+                  <a:solidFill>
+                    <a:srgbClr val="1E83D5"/>
+                  </a:solidFill>
+                  <a:latin typeface="思源黑体 CN Bold" panose="020B0800000000000000" charset="-122"/>
+                  <a:ea typeface="思源黑体 CN Bold" panose="020B0800000000000000" charset="-122"/>
+                </a:rPr>
+                <a:t>点</a:t>
+              </a:r>
+              <a:endParaRPr lang="zh-CN" altLang="en-US" sz="4400">
+                <a:solidFill>
+                  <a:srgbClr val="1E83D5"/>
+                </a:solidFill>
+                <a:latin typeface="思源黑体 CN Bold" panose="020B0800000000000000" charset="-122"/>
+                <a:ea typeface="思源黑体 CN Bold" panose="020B0800000000000000" charset="-122"/>
+              </a:endParaRPr>
+            </a:p>
+          </p:txBody>
+        </p:sp>
+        <p:cxnSp>
+          <p:nvCxnSpPr>
+            <p:cNvPr id="8" name="直接连接符 7"/>
+            <p:cNvCxnSpPr/>
+            <p:nvPr/>
+          </p:nvCxnSpPr>
+          <p:spPr>
+            <a:xfrm flipH="1">
+              <a:off x="12604" y="1562"/>
+              <a:ext cx="2705" cy="0"/>
+            </a:xfrm>
+            <a:prstGeom prst="line">
+              <a:avLst/>
+            </a:prstGeom>
+            <a:ln>
+              <a:gradFill>
+                <a:gsLst>
+                  <a:gs pos="0">
+                    <a:srgbClr val="C2E0F7">
+                      <a:alpha val="80000"/>
+                    </a:srgbClr>
+                  </a:gs>
+                  <a:gs pos="100000">
+                    <a:srgbClr val="1E83D5"/>
+                  </a:gs>
+                </a:gsLst>
+                <a:path path="circle">
+                  <a:fillToRect t="100000" r="100000"/>
+                </a:path>
+                <a:tileRect l="-100000" b="-100000"/>
+              </a:gradFill>
+            </a:ln>
+          </p:spPr>
+          <p:style>
+            <a:lnRef idx="1">
+              <a:schemeClr val="accent1"/>
+            </a:lnRef>
+            <a:fillRef idx="0">
+              <a:schemeClr val="accent1"/>
+            </a:fillRef>
+            <a:effectRef idx="0">
+              <a:schemeClr val="accent1"/>
+            </a:effectRef>
+            <a:fontRef idx="minor">
+              <a:schemeClr val="tx1"/>
+            </a:fontRef>
+          </p:style>
+        </p:cxnSp>
+      </p:grpSp>
+      <p:pic>
+        <p:nvPicPr>
+          <p:cNvPr id="10" name="图片 9" descr="&amp;pky300_sjzg_VCG41N694793806_sjzg_VCG41N694793806&amp;"/>
+          <p:cNvPicPr>
+            <a:picLocks noChangeAspect="1"/>
+          </p:cNvPicPr>
+          <p:nvPr/>
+        </p:nvPicPr>
+        <p:blipFill>
+          <a:blip r:embed="rId1"/>
+          <a:srcRect/>
+          <a:stretch>
+            <a:fillRect/>
+          </a:stretch>
+        </p:blipFill>
+        <p:spPr>
+          <a:xfrm>
+            <a:off x="1558290" y="2002790"/>
+            <a:ext cx="3453130" cy="4215130"/>
+          </a:xfrm>
+          <a:prstGeom prst="rect">
+            <a:avLst/>
+          </a:prstGeom>
+        </p:spPr>
+      </p:pic>
+      <p:grpSp>
+        <p:nvGrpSpPr>
+          <p:cNvPr id="53" name="组合 52"/>
+          <p:cNvGrpSpPr/>
+          <p:nvPr/>
+        </p:nvGrpSpPr>
+        <p:grpSpPr>
+          <a:xfrm>
+            <a:off x="4197350" y="1969135"/>
+            <a:ext cx="1663065" cy="603250"/>
+            <a:chOff x="6414" y="2799"/>
+            <a:chExt cx="2619" cy="950"/>
+          </a:xfrm>
+        </p:grpSpPr>
+        <p:sp>
+          <p:nvSpPr>
+            <p:cNvPr id="51" name="五边形 50"/>
+            <p:cNvSpPr/>
+            <p:nvPr/>
+          </p:nvSpPr>
+          <p:spPr>
+            <a:xfrm>
+              <a:off x="6414" y="2799"/>
+              <a:ext cx="2619" cy="950"/>
+            </a:xfrm>
+            <a:prstGeom prst="homePlate">
+              <a:avLst/>
+            </a:prstGeom>
+            <a:solidFill>
+              <a:srgbClr val="1E83D5"/>
+            </a:solidFill>
+            <a:ln>
+              <a:noFill/>
+            </a:ln>
+          </p:spPr>
+          <p:style>
+            <a:lnRef idx="2">
+              <a:schemeClr val="accent1">
+                <a:shade val="50000"/>
+              </a:schemeClr>
+            </a:lnRef>
+            <a:fillRef idx="1">
+              <a:schemeClr val="accent1"/>
+            </a:fillRef>
+            <a:effectRef idx="0">
+              <a:schemeClr val="accent1"/>
+            </a:effectRef>
+            <a:fontRef idx="minor">
+              <a:schemeClr val="lt1"/>
+            </a:fontRef>
+          </p:style>
+          <p:txBody>
+            <a:bodyPr rtlCol="0" anchor="ctr"/>
+            <a:p>
+              <a:pPr algn="ctr"/>
+              <a:endParaRPr lang="zh-CN" altLang="en-US"/>
+            </a:p>
+          </p:txBody>
+        </p:sp>
+        <p:sp>
+          <p:nvSpPr>
+            <p:cNvPr id="52" name="椭圆 51"/>
+            <p:cNvSpPr/>
+            <p:nvPr/>
+          </p:nvSpPr>
+          <p:spPr>
+            <a:xfrm>
+              <a:off x="6558" y="2958"/>
+              <a:ext cx="173" cy="172"/>
+            </a:xfrm>
+            <a:prstGeom prst="ellipse">
+              <a:avLst/>
+            </a:prstGeom>
+            <a:solidFill>
+              <a:schemeClr val="bg1"/>
+            </a:solidFill>
+            <a:ln>
+              <a:noFill/>
+            </a:ln>
+          </p:spPr>
+          <p:style>
+            <a:lnRef idx="2">
+              <a:schemeClr val="accent1">
+                <a:shade val="50000"/>
+              </a:schemeClr>
+            </a:lnRef>
+            <a:fillRef idx="1">
+              <a:schemeClr val="accent1"/>
+            </a:fillRef>
+            <a:effectRef idx="0">
+              <a:schemeClr val="accent1"/>
+            </a:effectRef>
+            <a:fontRef idx="minor">
+              <a:schemeClr val="lt1"/>
+            </a:fontRef>
+          </p:style>
+          <p:txBody>
+            <a:bodyPr rtlCol="0" anchor="ctr"/>
+            <a:p>
+              <a:pPr algn="ctr"/>
+              <a:endParaRPr lang="zh-CN" altLang="en-US"/>
+            </a:p>
+          </p:txBody>
+        </p:sp>
+      </p:grpSp>
+      <p:sp>
+        <p:nvSpPr>
+          <p:cNvPr id="54" name="文本框 53"/>
+          <p:cNvSpPr txBox="1"/>
+          <p:nvPr/>
+        </p:nvSpPr>
+        <p:spPr>
+          <a:xfrm>
+            <a:off x="4435475" y="2024380"/>
+            <a:ext cx="1501140" cy="460375"/>
+          </a:xfrm>
+          <a:prstGeom prst="rect">
+            <a:avLst/>
+          </a:prstGeom>
+          <a:noFill/>
+        </p:spPr>
+        <p:txBody>
+          <a:bodyPr wrap="square" rtlCol="0">
+            <a:spAutoFit/>
+          </a:bodyPr>
+          <a:p>
+            <a:r>
+              <a:rPr lang="zh-CN" altLang="en-US" sz="2400">
+                <a:solidFill>
+                  <a:schemeClr val="bg1"/>
+                </a:solidFill>
+                <a:latin typeface="思源黑体 CN Bold" panose="020B0800000000000000" charset="-122"/>
+                <a:ea typeface="思源黑体 CN Bold" panose="020B0800000000000000" charset="-122"/>
+              </a:rPr>
+              <a:t>考量点</a:t>
+            </a:r>
+            <a:r>
+              <a:rPr lang="zh-CN" altLang="en-US" sz="2400">
+                <a:solidFill>
+                  <a:schemeClr val="bg1"/>
+                </a:solidFill>
+                <a:latin typeface="思源黑体 CN Bold" panose="020B0800000000000000" charset="-122"/>
+                <a:ea typeface="思源黑体 CN Bold" panose="020B0800000000000000" charset="-122"/>
+              </a:rPr>
+              <a:t>三</a:t>
+            </a:r>
+            <a:endParaRPr lang="zh-CN" altLang="en-US" sz="2400">
+              <a:solidFill>
+                <a:schemeClr val="bg1"/>
+              </a:solidFill>
+              <a:latin typeface="思源黑体 CN Bold" panose="020B0800000000000000" charset="-122"/>
+              <a:ea typeface="思源黑体 CN Bold" panose="020B0800000000000000" charset="-122"/>
+            </a:endParaRPr>
+          </a:p>
+        </p:txBody>
+      </p:sp>
+      <p:sp>
+        <p:nvSpPr>
+          <p:cNvPr id="55" name="文本框"/>
+          <p:cNvSpPr txBox="1"/>
+          <p:nvPr/>
+        </p:nvSpPr>
+        <p:spPr>
+          <a:xfrm>
+            <a:off x="6333490" y="2000250"/>
+            <a:ext cx="4528820" cy="398780"/>
+          </a:xfrm>
+          <a:prstGeom prst="rect">
+            <a:avLst/>
+          </a:prstGeom>
+          <a:noFill/>
+        </p:spPr>
+        <p:txBody>
+          <a:bodyPr vert="horz" wrap="square" rtlCol="0">
+            <a:spAutoFit/>
+          </a:bodyPr>
+          <a:lstStyle>
+            <a:defPPr>
+              <a:defRPr lang="zh-CN"/>
+            </a:defPPr>
+            <a:lvl1pPr marL="0" algn="l" defTabSz="914400" rtl="0" eaLnBrk="1" latinLnBrk="0" hangingPunct="1">
+              <a:defRPr sz="1800" kern="1200">
+                <a:solidFill>
+                  <a:schemeClr val="tx1"/>
+                </a:solidFill>
+                <a:latin typeface="+mn-lt"/>
+                <a:ea typeface="+mn-ea"/>
+                <a:cs typeface="+mn-cs"/>
+              </a:defRPr>
+            </a:lvl1pPr>
+            <a:lvl2pPr marL="457200" algn="l" defTabSz="914400" rtl="0" eaLnBrk="1" latinLnBrk="0" hangingPunct="1">
+              <a:defRPr sz="1800" kern="1200">
+                <a:solidFill>
+                  <a:schemeClr val="tx1"/>
+                </a:solidFill>
+                <a:latin typeface="+mn-lt"/>
+                <a:ea typeface="+mn-ea"/>
+                <a:cs typeface="+mn-cs"/>
+              </a:defRPr>
+            </a:lvl2pPr>
+            <a:lvl3pPr marL="914400" algn="l" defTabSz="914400" rtl="0" eaLnBrk="1" latinLnBrk="0" hangingPunct="1">
+              <a:defRPr sz="1800" kern="1200">
+                <a:solidFill>
+                  <a:schemeClr val="tx1"/>
+                </a:solidFill>
+                <a:latin typeface="+mn-lt"/>
+                <a:ea typeface="+mn-ea"/>
+                <a:cs typeface="+mn-cs"/>
+              </a:defRPr>
+            </a:lvl3pPr>
+            <a:lvl4pPr marL="1371600" algn="l" defTabSz="914400" rtl="0" eaLnBrk="1" latinLnBrk="0" hangingPunct="1">
+              <a:defRPr sz="1800" kern="1200">
+                <a:solidFill>
+                  <a:schemeClr val="tx1"/>
+                </a:solidFill>
+                <a:latin typeface="+mn-lt"/>
+                <a:ea typeface="+mn-ea"/>
+                <a:cs typeface="+mn-cs"/>
+              </a:defRPr>
+            </a:lvl4pPr>
+            <a:lvl5pPr marL="1828800" algn="l" defTabSz="914400" rtl="0" eaLnBrk="1" latinLnBrk="0" hangingPunct="1">
+              <a:defRPr sz="1800" kern="1200">
+                <a:solidFill>
+                  <a:schemeClr val="tx1"/>
+                </a:solidFill>
+                <a:latin typeface="+mn-lt"/>
+                <a:ea typeface="+mn-ea"/>
+                <a:cs typeface="+mn-cs"/>
+              </a:defRPr>
+            </a:lvl5pPr>
+            <a:lvl6pPr marL="2286000" algn="l" defTabSz="914400" rtl="0" eaLnBrk="1" latinLnBrk="0" hangingPunct="1">
+              <a:defRPr sz="1800" kern="1200">
+                <a:solidFill>
+                  <a:schemeClr val="tx1"/>
+                </a:solidFill>
+                <a:latin typeface="+mn-lt"/>
+                <a:ea typeface="+mn-ea"/>
+                <a:cs typeface="+mn-cs"/>
+              </a:defRPr>
+            </a:lvl6pPr>
+            <a:lvl7pPr marL="2743200" algn="l" defTabSz="914400" rtl="0" eaLnBrk="1" latinLnBrk="0" hangingPunct="1">
+              <a:defRPr sz="1800" kern="1200">
+                <a:solidFill>
+                  <a:schemeClr val="tx1"/>
+                </a:solidFill>
+                <a:latin typeface="+mn-lt"/>
+                <a:ea typeface="+mn-ea"/>
+                <a:cs typeface="+mn-cs"/>
+              </a:defRPr>
+            </a:lvl7pPr>
+            <a:lvl8pPr marL="3200400" algn="l" defTabSz="914400" rtl="0" eaLnBrk="1" latinLnBrk="0" hangingPunct="1">
+              <a:defRPr sz="1800" kern="1200">
+                <a:solidFill>
+                  <a:schemeClr val="tx1"/>
+                </a:solidFill>
+                <a:latin typeface="+mn-lt"/>
+                <a:ea typeface="+mn-ea"/>
+                <a:cs typeface="+mn-cs"/>
+              </a:defRPr>
+            </a:lvl8pPr>
+            <a:lvl9pPr marL="3657600" algn="l" defTabSz="914400" rtl="0" eaLnBrk="1" latinLnBrk="0" hangingPunct="1">
+              <a:defRPr sz="1800" kern="1200">
+                <a:solidFill>
+                  <a:schemeClr val="tx1"/>
+                </a:solidFill>
+                <a:latin typeface="+mn-lt"/>
+                <a:ea typeface="+mn-ea"/>
+                <a:cs typeface="+mn-cs"/>
+              </a:defRPr>
+            </a:lvl9pPr>
+          </a:lstStyle>
+          <a:p>
+            <a:pPr algn="l"/>
+            <a:r>
+              <a:rPr lang="zh-CN" altLang="en-US" sz="2000" dirty="0">
+                <a:solidFill>
+                  <a:srgbClr val="1E83D5"/>
+                </a:solidFill>
+                <a:effectLst/>
+                <a:latin typeface="思源黑体 CN Bold" panose="020B0800000000000000" charset="-122"/>
+                <a:ea typeface="思源黑体 CN Bold" panose="020B0800000000000000" charset="-122"/>
+                <a:cs typeface="思源黑体 CN Bold" panose="020B0800000000000000" charset="-122"/>
+              </a:rPr>
+              <a:t>过载保护</a:t>
+            </a:r>
+            <a:endParaRPr lang="zh-CN" altLang="en-US" sz="2000" dirty="0">
+              <a:solidFill>
+                <a:srgbClr val="1E83D5"/>
+              </a:solidFill>
+              <a:effectLst/>
+              <a:latin typeface="思源黑体 CN Bold" panose="020B0800000000000000" charset="-122"/>
+              <a:ea typeface="思源黑体 CN Bold" panose="020B0800000000000000" charset="-122"/>
+              <a:cs typeface="思源黑体 CN Bold" panose="020B0800000000000000" charset="-122"/>
+            </a:endParaRPr>
+          </a:p>
+        </p:txBody>
+      </p:sp>
+      <p:sp>
+        <p:nvSpPr>
+          <p:cNvPr id="56" name="文本框 44"/>
+          <p:cNvSpPr txBox="1"/>
+          <p:nvPr/>
+        </p:nvSpPr>
+        <p:spPr>
+          <a:xfrm>
+            <a:off x="6333490" y="2387600"/>
+            <a:ext cx="4745990" cy="1198880"/>
+          </a:xfrm>
+          <a:prstGeom prst="rect">
+            <a:avLst/>
+          </a:prstGeom>
+          <a:noFill/>
+        </p:spPr>
+        <p:txBody>
+          <a:bodyPr wrap="square" rtlCol="0">
+            <a:spAutoFit/>
+          </a:bodyPr>
+          <a:lstStyle>
+            <a:defPPr>
+              <a:defRPr lang="zh-CN"/>
+            </a:defPPr>
+            <a:lvl1pPr marL="0" algn="l" defTabSz="914400" rtl="0" eaLnBrk="1" latinLnBrk="0" hangingPunct="1">
+              <a:defRPr sz="1800" kern="1200">
+                <a:solidFill>
+                  <a:schemeClr val="tx1"/>
+                </a:solidFill>
+                <a:latin typeface="+mn-lt"/>
+                <a:ea typeface="+mn-ea"/>
+                <a:cs typeface="+mn-cs"/>
+              </a:defRPr>
+            </a:lvl1pPr>
+            <a:lvl2pPr marL="457200" algn="l" defTabSz="914400" rtl="0" eaLnBrk="1" latinLnBrk="0" hangingPunct="1">
+              <a:defRPr sz="1800" kern="1200">
+                <a:solidFill>
+                  <a:schemeClr val="tx1"/>
+                </a:solidFill>
+                <a:latin typeface="+mn-lt"/>
+                <a:ea typeface="+mn-ea"/>
+                <a:cs typeface="+mn-cs"/>
+              </a:defRPr>
+            </a:lvl2pPr>
+            <a:lvl3pPr marL="914400" algn="l" defTabSz="914400" rtl="0" eaLnBrk="1" latinLnBrk="0" hangingPunct="1">
+              <a:defRPr sz="1800" kern="1200">
+                <a:solidFill>
+                  <a:schemeClr val="tx1"/>
+                </a:solidFill>
+                <a:latin typeface="+mn-lt"/>
+                <a:ea typeface="+mn-ea"/>
+                <a:cs typeface="+mn-cs"/>
+              </a:defRPr>
+            </a:lvl3pPr>
+            <a:lvl4pPr marL="1371600" algn="l" defTabSz="914400" rtl="0" eaLnBrk="1" latinLnBrk="0" hangingPunct="1">
+              <a:defRPr sz="1800" kern="1200">
+                <a:solidFill>
+                  <a:schemeClr val="tx1"/>
+                </a:solidFill>
+                <a:latin typeface="+mn-lt"/>
+                <a:ea typeface="+mn-ea"/>
+                <a:cs typeface="+mn-cs"/>
+              </a:defRPr>
+            </a:lvl4pPr>
+            <a:lvl5pPr marL="1828800" algn="l" defTabSz="914400" rtl="0" eaLnBrk="1" latinLnBrk="0" hangingPunct="1">
+              <a:defRPr sz="1800" kern="1200">
+                <a:solidFill>
+                  <a:schemeClr val="tx1"/>
+                </a:solidFill>
+                <a:latin typeface="+mn-lt"/>
+                <a:ea typeface="+mn-ea"/>
+                <a:cs typeface="+mn-cs"/>
+              </a:defRPr>
+            </a:lvl5pPr>
+            <a:lvl6pPr marL="2286000" algn="l" defTabSz="914400" rtl="0" eaLnBrk="1" latinLnBrk="0" hangingPunct="1">
+              <a:defRPr sz="1800" kern="1200">
+                <a:solidFill>
+                  <a:schemeClr val="tx1"/>
+                </a:solidFill>
+                <a:latin typeface="+mn-lt"/>
+                <a:ea typeface="+mn-ea"/>
+                <a:cs typeface="+mn-cs"/>
+              </a:defRPr>
+            </a:lvl6pPr>
+            <a:lvl7pPr marL="2743200" algn="l" defTabSz="914400" rtl="0" eaLnBrk="1" latinLnBrk="0" hangingPunct="1">
+              <a:defRPr sz="1800" kern="1200">
+                <a:solidFill>
+                  <a:schemeClr val="tx1"/>
+                </a:solidFill>
+                <a:latin typeface="+mn-lt"/>
+                <a:ea typeface="+mn-ea"/>
+                <a:cs typeface="+mn-cs"/>
+              </a:defRPr>
+            </a:lvl7pPr>
+            <a:lvl8pPr marL="3200400" algn="l" defTabSz="914400" rtl="0" eaLnBrk="1" latinLnBrk="0" hangingPunct="1">
+              <a:defRPr sz="1800" kern="1200">
+                <a:solidFill>
+                  <a:schemeClr val="tx1"/>
+                </a:solidFill>
+                <a:latin typeface="+mn-lt"/>
+                <a:ea typeface="+mn-ea"/>
+                <a:cs typeface="+mn-cs"/>
+              </a:defRPr>
+            </a:lvl8pPr>
+            <a:lvl9pPr marL="3657600" algn="l" defTabSz="914400" rtl="0" eaLnBrk="1" latinLnBrk="0" hangingPunct="1">
+              <a:defRPr sz="1800" kern="1200">
+                <a:solidFill>
+                  <a:schemeClr val="tx1"/>
+                </a:solidFill>
+                <a:latin typeface="+mn-lt"/>
+                <a:ea typeface="+mn-ea"/>
+                <a:cs typeface="+mn-cs"/>
+              </a:defRPr>
+            </a:lvl9pPr>
+          </a:lstStyle>
+          <a:p>
+            <a:pPr>
+              <a:lnSpc>
+                <a:spcPct val="150000"/>
+              </a:lnSpc>
+            </a:pPr>
+            <a:r>
+              <a:rPr lang="zh-CN" altLang="en-US" sz="1600" dirty="0">
+                <a:solidFill>
+                  <a:srgbClr val="1E83D5"/>
+                </a:solidFill>
+                <a:latin typeface="思源黑体 CN Bold" panose="020B0800000000000000" charset="-122"/>
+                <a:ea typeface="思源黑体 CN Bold" panose="020B0800000000000000" charset="-122"/>
+                <a:cs typeface="Roboto Black" panose="02000000000000000000" charset="0"/>
+              </a:rPr>
+              <a:t>服务端仍然需要识别一些恶意请求，防止接口被一些丧心病狂的人玩坏。对接口访问频率设置一定阈值，对超过阈值的请求进行屏蔽及预警。</a:t>
+            </a:r>
+            <a:endParaRPr lang="zh-CN" altLang="en-US" sz="1600" dirty="0">
+              <a:solidFill>
+                <a:srgbClr val="1E83D5"/>
+              </a:solidFill>
+              <a:latin typeface="思源黑体 CN Bold" panose="020B0800000000000000" charset="-122"/>
+              <a:ea typeface="思源黑体 CN Bold" panose="020B0800000000000000" charset="-122"/>
+              <a:cs typeface="Roboto Black" panose="02000000000000000000" charset="0"/>
+            </a:endParaRPr>
+          </a:p>
+        </p:txBody>
+      </p:sp>
+    </p:spTree>
+    <p:custDataLst>
+      <p:tags r:id="rId2"/>
+    </p:custDataLst>
+  </p:cSld>
+  <p:clrMapOvr>
+    <a:masterClrMapping/>
+  </p:clrMapOvr>
+</p:sld>
+</file>
+
+<file path=ppt/slides/slide13.xml><?xml version="1.0" encoding="utf-8"?>
+<p:sld xmlns:a="http://schemas.openxmlformats.org/drawingml/2006/main" xmlns:r="http://schemas.openxmlformats.org/officeDocument/2006/relationships" xmlns:p="http://schemas.openxmlformats.org/presentationml/2006/main">
+  <p:cSld>
+    <p:spTree>
+      <p:nvGrpSpPr>
+        <p:cNvPr id="1" name=""/>
+        <p:cNvGrpSpPr/>
+        <p:nvPr/>
+      </p:nvGrpSpPr>
+      <p:grpSpPr/>
+      <p:grpSp>
+        <p:nvGrpSpPr>
+          <p:cNvPr id="9" name="组合 8"/>
+          <p:cNvGrpSpPr/>
+          <p:nvPr/>
+        </p:nvGrpSpPr>
+        <p:grpSpPr>
+          <a:xfrm>
+            <a:off x="2309495" y="530860"/>
+            <a:ext cx="7476490" cy="768350"/>
+            <a:chOff x="3709" y="957"/>
+            <a:chExt cx="11774" cy="1210"/>
+          </a:xfrm>
+        </p:grpSpPr>
+        <p:cxnSp>
+          <p:nvCxnSpPr>
+            <p:cNvPr id="2" name="直接连接符 1"/>
+            <p:cNvCxnSpPr/>
+            <p:nvPr/>
+          </p:nvCxnSpPr>
+          <p:spPr>
+            <a:xfrm>
+              <a:off x="3709" y="1605"/>
+              <a:ext cx="2705" cy="0"/>
+            </a:xfrm>
+            <a:prstGeom prst="line">
+              <a:avLst/>
+            </a:prstGeom>
+            <a:ln>
+              <a:gradFill>
+                <a:gsLst>
+                  <a:gs pos="0">
+                    <a:srgbClr val="C2E0F7">
+                      <a:alpha val="80000"/>
+                    </a:srgbClr>
+                  </a:gs>
+                  <a:gs pos="100000">
+                    <a:srgbClr val="1E83D5"/>
+                  </a:gs>
+                </a:gsLst>
+                <a:path path="circle">
+                  <a:fillToRect t="100000" r="100000"/>
+                </a:path>
+                <a:tileRect l="-100000" b="-100000"/>
+              </a:gradFill>
+            </a:ln>
+          </p:spPr>
+          <p:style>
+            <a:lnRef idx="1">
+              <a:schemeClr val="accent1"/>
+            </a:lnRef>
+            <a:fillRef idx="0">
+              <a:schemeClr val="accent1"/>
+            </a:fillRef>
+            <a:effectRef idx="0">
+              <a:schemeClr val="accent1"/>
+            </a:effectRef>
+            <a:fontRef idx="minor">
+              <a:schemeClr val="tx1"/>
+            </a:fontRef>
+          </p:style>
+        </p:cxnSp>
+        <p:sp>
+          <p:nvSpPr>
+            <p:cNvPr id="12" name="文本框 11"/>
+            <p:cNvSpPr txBox="1"/>
+            <p:nvPr/>
+          </p:nvSpPr>
+          <p:spPr>
+            <a:xfrm>
+              <a:off x="7189" y="957"/>
+              <a:ext cx="8294" cy="1210"/>
+            </a:xfrm>
+            <a:prstGeom prst="rect">
+              <a:avLst/>
+            </a:prstGeom>
+            <a:noFill/>
+          </p:spPr>
+          <p:txBody>
+            <a:bodyPr wrap="square" rtlCol="0">
+              <a:spAutoFit/>
+            </a:bodyPr>
+            <a:p>
+              <a:pPr algn="just"/>
+              <a:r>
+                <a:rPr lang="zh-CN" altLang="en-US" sz="4400">
+                  <a:solidFill>
+                    <a:srgbClr val="1E83D5"/>
+                  </a:solidFill>
+                  <a:latin typeface="思源黑体 CN Bold" panose="020B0800000000000000" charset="-122"/>
+                  <a:ea typeface="思源黑体 CN Bold" panose="020B0800000000000000" charset="-122"/>
+                </a:rPr>
+                <a:t>安全考量</a:t>
+              </a:r>
+              <a:r>
+                <a:rPr lang="zh-CN" altLang="en-US" sz="4400">
+                  <a:solidFill>
+                    <a:srgbClr val="1E83D5"/>
+                  </a:solidFill>
+                  <a:latin typeface="思源黑体 CN Bold" panose="020B0800000000000000" charset="-122"/>
+                  <a:ea typeface="思源黑体 CN Bold" panose="020B0800000000000000" charset="-122"/>
+                </a:rPr>
+                <a:t>点</a:t>
+              </a:r>
+              <a:endParaRPr lang="zh-CN" altLang="en-US" sz="4400">
+                <a:solidFill>
+                  <a:srgbClr val="1E83D5"/>
+                </a:solidFill>
+                <a:latin typeface="思源黑体 CN Bold" panose="020B0800000000000000" charset="-122"/>
+                <a:ea typeface="思源黑体 CN Bold" panose="020B0800000000000000" charset="-122"/>
+              </a:endParaRPr>
+            </a:p>
+          </p:txBody>
+        </p:sp>
+        <p:cxnSp>
+          <p:nvCxnSpPr>
+            <p:cNvPr id="8" name="直接连接符 7"/>
+            <p:cNvCxnSpPr/>
+            <p:nvPr/>
+          </p:nvCxnSpPr>
+          <p:spPr>
+            <a:xfrm flipH="1">
+              <a:off x="12604" y="1562"/>
+              <a:ext cx="2705" cy="0"/>
+            </a:xfrm>
+            <a:prstGeom prst="line">
+              <a:avLst/>
+            </a:prstGeom>
+            <a:ln>
+              <a:gradFill>
+                <a:gsLst>
+                  <a:gs pos="0">
+                    <a:srgbClr val="C2E0F7">
+                      <a:alpha val="80000"/>
+                    </a:srgbClr>
+                  </a:gs>
+                  <a:gs pos="100000">
+                    <a:srgbClr val="1E83D5"/>
+                  </a:gs>
+                </a:gsLst>
+                <a:path path="circle">
+                  <a:fillToRect t="100000" r="100000"/>
+                </a:path>
+                <a:tileRect l="-100000" b="-100000"/>
+              </a:gradFill>
+            </a:ln>
+          </p:spPr>
+          <p:style>
+            <a:lnRef idx="1">
+              <a:schemeClr val="accent1"/>
+            </a:lnRef>
+            <a:fillRef idx="0">
+              <a:schemeClr val="accent1"/>
+            </a:fillRef>
+            <a:effectRef idx="0">
+              <a:schemeClr val="accent1"/>
+            </a:effectRef>
+            <a:fontRef idx="minor">
+              <a:schemeClr val="tx1"/>
+            </a:fontRef>
+          </p:style>
+        </p:cxnSp>
+      </p:grpSp>
+      <p:pic>
+        <p:nvPicPr>
+          <p:cNvPr id="10" name="图片 9" descr="&amp;pky300_sjzg_VCG41N694793806_sjzg_VCG41N694793806&amp;"/>
+          <p:cNvPicPr>
+            <a:picLocks noChangeAspect="1"/>
+          </p:cNvPicPr>
+          <p:nvPr/>
+        </p:nvPicPr>
+        <p:blipFill>
+          <a:blip r:embed="rId1"/>
+          <a:srcRect/>
+          <a:stretch>
+            <a:fillRect/>
+          </a:stretch>
+        </p:blipFill>
+        <p:spPr>
+          <a:xfrm>
+            <a:off x="1558290" y="2002790"/>
+            <a:ext cx="3453130" cy="4215130"/>
+          </a:xfrm>
+          <a:prstGeom prst="rect">
+            <a:avLst/>
+          </a:prstGeom>
+        </p:spPr>
+      </p:pic>
+      <p:grpSp>
+        <p:nvGrpSpPr>
+          <p:cNvPr id="53" name="组合 52"/>
+          <p:cNvGrpSpPr/>
+          <p:nvPr/>
+        </p:nvGrpSpPr>
+        <p:grpSpPr>
+          <a:xfrm>
+            <a:off x="4197350" y="1969135"/>
+            <a:ext cx="1663065" cy="603250"/>
+            <a:chOff x="6414" y="2799"/>
+            <a:chExt cx="2619" cy="950"/>
+          </a:xfrm>
+        </p:grpSpPr>
+        <p:sp>
+          <p:nvSpPr>
+            <p:cNvPr id="51" name="五边形 50"/>
+            <p:cNvSpPr/>
+            <p:nvPr/>
+          </p:nvSpPr>
+          <p:spPr>
+            <a:xfrm>
+              <a:off x="6414" y="2799"/>
+              <a:ext cx="2619" cy="950"/>
+            </a:xfrm>
+            <a:prstGeom prst="homePlate">
+              <a:avLst/>
+            </a:prstGeom>
+            <a:solidFill>
+              <a:srgbClr val="1E83D5"/>
+            </a:solidFill>
+            <a:ln>
+              <a:noFill/>
+            </a:ln>
+          </p:spPr>
+          <p:style>
+            <a:lnRef idx="2">
+              <a:schemeClr val="accent1">
+                <a:shade val="50000"/>
+              </a:schemeClr>
+            </a:lnRef>
+            <a:fillRef idx="1">
+              <a:schemeClr val="accent1"/>
+            </a:fillRef>
+            <a:effectRef idx="0">
+              <a:schemeClr val="accent1"/>
+            </a:effectRef>
+            <a:fontRef idx="minor">
+              <a:schemeClr val="lt1"/>
+            </a:fontRef>
+          </p:style>
+          <p:txBody>
+            <a:bodyPr rtlCol="0" anchor="ctr"/>
+            <a:p>
+              <a:pPr algn="ctr"/>
+              <a:endParaRPr lang="zh-CN" altLang="en-US"/>
+            </a:p>
+          </p:txBody>
+        </p:sp>
+        <p:sp>
+          <p:nvSpPr>
+            <p:cNvPr id="52" name="椭圆 51"/>
+            <p:cNvSpPr/>
+            <p:nvPr/>
+          </p:nvSpPr>
+          <p:spPr>
+            <a:xfrm>
+              <a:off x="6558" y="2958"/>
+              <a:ext cx="173" cy="172"/>
+            </a:xfrm>
+            <a:prstGeom prst="ellipse">
+              <a:avLst/>
+            </a:prstGeom>
+            <a:solidFill>
+              <a:schemeClr val="bg1"/>
+            </a:solidFill>
+            <a:ln>
+              <a:noFill/>
+            </a:ln>
+          </p:spPr>
+          <p:style>
+            <a:lnRef idx="2">
+              <a:schemeClr val="accent1">
+                <a:shade val="50000"/>
+              </a:schemeClr>
+            </a:lnRef>
+            <a:fillRef idx="1">
+              <a:schemeClr val="accent1"/>
+            </a:fillRef>
+            <a:effectRef idx="0">
+              <a:schemeClr val="accent1"/>
+            </a:effectRef>
+            <a:fontRef idx="minor">
+              <a:schemeClr val="lt1"/>
+            </a:fontRef>
+          </p:style>
+          <p:txBody>
+            <a:bodyPr rtlCol="0" anchor="ctr"/>
+            <a:p>
+              <a:pPr algn="ctr"/>
+              <a:endParaRPr lang="zh-CN" altLang="en-US"/>
+            </a:p>
+          </p:txBody>
+        </p:sp>
+      </p:grpSp>
+      <p:sp>
+        <p:nvSpPr>
+          <p:cNvPr id="54" name="文本框 53"/>
+          <p:cNvSpPr txBox="1"/>
+          <p:nvPr/>
+        </p:nvSpPr>
+        <p:spPr>
+          <a:xfrm>
+            <a:off x="4435475" y="2024380"/>
+            <a:ext cx="1501140" cy="460375"/>
+          </a:xfrm>
+          <a:prstGeom prst="rect">
+            <a:avLst/>
+          </a:prstGeom>
+          <a:noFill/>
+        </p:spPr>
+        <p:txBody>
+          <a:bodyPr wrap="square" rtlCol="0">
+            <a:spAutoFit/>
+          </a:bodyPr>
+          <a:p>
+            <a:r>
+              <a:rPr lang="zh-CN" altLang="en-US" sz="2400">
+                <a:solidFill>
+                  <a:schemeClr val="bg1"/>
+                </a:solidFill>
+                <a:latin typeface="思源黑体 CN Bold" panose="020B0800000000000000" charset="-122"/>
+                <a:ea typeface="思源黑体 CN Bold" panose="020B0800000000000000" charset="-122"/>
+              </a:rPr>
+              <a:t>考量点</a:t>
+            </a:r>
+            <a:r>
+              <a:rPr lang="zh-CN" altLang="en-US" sz="2400">
+                <a:solidFill>
+                  <a:schemeClr val="bg1"/>
+                </a:solidFill>
+                <a:latin typeface="思源黑体 CN Bold" panose="020B0800000000000000" charset="-122"/>
+                <a:ea typeface="思源黑体 CN Bold" panose="020B0800000000000000" charset="-122"/>
+              </a:rPr>
+              <a:t>四</a:t>
+            </a:r>
+            <a:endParaRPr lang="zh-CN" altLang="en-US" sz="2400">
+              <a:solidFill>
+                <a:schemeClr val="bg1"/>
+              </a:solidFill>
+              <a:latin typeface="思源黑体 CN Bold" panose="020B0800000000000000" charset="-122"/>
+              <a:ea typeface="思源黑体 CN Bold" panose="020B0800000000000000" charset="-122"/>
+            </a:endParaRPr>
+          </a:p>
+        </p:txBody>
+      </p:sp>
+      <p:sp>
+        <p:nvSpPr>
+          <p:cNvPr id="55" name="文本框"/>
+          <p:cNvSpPr txBox="1"/>
+          <p:nvPr/>
+        </p:nvSpPr>
+        <p:spPr>
+          <a:xfrm>
+            <a:off x="6333490" y="2000250"/>
+            <a:ext cx="4528820" cy="398780"/>
+          </a:xfrm>
+          <a:prstGeom prst="rect">
+            <a:avLst/>
+          </a:prstGeom>
+          <a:noFill/>
+        </p:spPr>
+        <p:txBody>
+          <a:bodyPr vert="horz" wrap="square" rtlCol="0">
+            <a:spAutoFit/>
+          </a:bodyPr>
+          <a:lstStyle>
+            <a:defPPr>
+              <a:defRPr lang="zh-CN"/>
+            </a:defPPr>
+            <a:lvl1pPr marL="0" algn="l" defTabSz="914400" rtl="0" eaLnBrk="1" latinLnBrk="0" hangingPunct="1">
+              <a:defRPr sz="1800" kern="1200">
+                <a:solidFill>
+                  <a:schemeClr val="tx1"/>
+                </a:solidFill>
+                <a:latin typeface="+mn-lt"/>
+                <a:ea typeface="+mn-ea"/>
+                <a:cs typeface="+mn-cs"/>
+              </a:defRPr>
+            </a:lvl1pPr>
+            <a:lvl2pPr marL="457200" algn="l" defTabSz="914400" rtl="0" eaLnBrk="1" latinLnBrk="0" hangingPunct="1">
+              <a:defRPr sz="1800" kern="1200">
+                <a:solidFill>
+                  <a:schemeClr val="tx1"/>
+                </a:solidFill>
+                <a:latin typeface="+mn-lt"/>
+                <a:ea typeface="+mn-ea"/>
+                <a:cs typeface="+mn-cs"/>
+              </a:defRPr>
+            </a:lvl2pPr>
+            <a:lvl3pPr marL="914400" algn="l" defTabSz="914400" rtl="0" eaLnBrk="1" latinLnBrk="0" hangingPunct="1">
+              <a:defRPr sz="1800" kern="1200">
+                <a:solidFill>
+                  <a:schemeClr val="tx1"/>
+                </a:solidFill>
+                <a:latin typeface="+mn-lt"/>
+                <a:ea typeface="+mn-ea"/>
+                <a:cs typeface="+mn-cs"/>
+              </a:defRPr>
+            </a:lvl3pPr>
+            <a:lvl4pPr marL="1371600" algn="l" defTabSz="914400" rtl="0" eaLnBrk="1" latinLnBrk="0" hangingPunct="1">
+              <a:defRPr sz="1800" kern="1200">
+                <a:solidFill>
+                  <a:schemeClr val="tx1"/>
+                </a:solidFill>
+                <a:latin typeface="+mn-lt"/>
+                <a:ea typeface="+mn-ea"/>
+                <a:cs typeface="+mn-cs"/>
+              </a:defRPr>
+            </a:lvl4pPr>
+            <a:lvl5pPr marL="1828800" algn="l" defTabSz="914400" rtl="0" eaLnBrk="1" latinLnBrk="0" hangingPunct="1">
+              <a:defRPr sz="1800" kern="1200">
+                <a:solidFill>
+                  <a:schemeClr val="tx1"/>
+                </a:solidFill>
+                <a:latin typeface="+mn-lt"/>
+                <a:ea typeface="+mn-ea"/>
+                <a:cs typeface="+mn-cs"/>
+              </a:defRPr>
+            </a:lvl5pPr>
+            <a:lvl6pPr marL="2286000" algn="l" defTabSz="914400" rtl="0" eaLnBrk="1" latinLnBrk="0" hangingPunct="1">
+              <a:defRPr sz="1800" kern="1200">
+                <a:solidFill>
+                  <a:schemeClr val="tx1"/>
+                </a:solidFill>
+                <a:latin typeface="+mn-lt"/>
+                <a:ea typeface="+mn-ea"/>
+                <a:cs typeface="+mn-cs"/>
+              </a:defRPr>
+            </a:lvl6pPr>
+            <a:lvl7pPr marL="2743200" algn="l" defTabSz="914400" rtl="0" eaLnBrk="1" latinLnBrk="0" hangingPunct="1">
+              <a:defRPr sz="1800" kern="1200">
+                <a:solidFill>
+                  <a:schemeClr val="tx1"/>
+                </a:solidFill>
+                <a:latin typeface="+mn-lt"/>
+                <a:ea typeface="+mn-ea"/>
+                <a:cs typeface="+mn-cs"/>
+              </a:defRPr>
+            </a:lvl7pPr>
+            <a:lvl8pPr marL="3200400" algn="l" defTabSz="914400" rtl="0" eaLnBrk="1" latinLnBrk="0" hangingPunct="1">
+              <a:defRPr sz="1800" kern="1200">
+                <a:solidFill>
+                  <a:schemeClr val="tx1"/>
+                </a:solidFill>
+                <a:latin typeface="+mn-lt"/>
+                <a:ea typeface="+mn-ea"/>
+                <a:cs typeface="+mn-cs"/>
+              </a:defRPr>
+            </a:lvl8pPr>
+            <a:lvl9pPr marL="3657600" algn="l" defTabSz="914400" rtl="0" eaLnBrk="1" latinLnBrk="0" hangingPunct="1">
+              <a:defRPr sz="1800" kern="1200">
+                <a:solidFill>
+                  <a:schemeClr val="tx1"/>
+                </a:solidFill>
+                <a:latin typeface="+mn-lt"/>
+                <a:ea typeface="+mn-ea"/>
+                <a:cs typeface="+mn-cs"/>
+              </a:defRPr>
+            </a:lvl9pPr>
+          </a:lstStyle>
+          <a:p>
+            <a:pPr algn="l"/>
+            <a:r>
+              <a:rPr lang="zh-CN" altLang="en-US" sz="2000" dirty="0">
+                <a:solidFill>
+                  <a:srgbClr val="1E83D5"/>
+                </a:solidFill>
+                <a:effectLst/>
+                <a:latin typeface="思源黑体 CN Bold" panose="020B0800000000000000" charset="-122"/>
+                <a:ea typeface="思源黑体 CN Bold" panose="020B0800000000000000" charset="-122"/>
+                <a:cs typeface="思源黑体 CN Bold" panose="020B0800000000000000" charset="-122"/>
+              </a:rPr>
+              <a:t>异常封装</a:t>
+            </a:r>
+            <a:endParaRPr lang="zh-CN" altLang="en-US" sz="2000" dirty="0">
+              <a:solidFill>
+                <a:srgbClr val="1E83D5"/>
+              </a:solidFill>
+              <a:effectLst/>
+              <a:latin typeface="思源黑体 CN Bold" panose="020B0800000000000000" charset="-122"/>
+              <a:ea typeface="思源黑体 CN Bold" panose="020B0800000000000000" charset="-122"/>
+              <a:cs typeface="思源黑体 CN Bold" panose="020B0800000000000000" charset="-122"/>
+            </a:endParaRPr>
+          </a:p>
+        </p:txBody>
+      </p:sp>
+      <p:sp>
+        <p:nvSpPr>
+          <p:cNvPr id="56" name="文本框 44"/>
+          <p:cNvSpPr txBox="1"/>
+          <p:nvPr/>
+        </p:nvSpPr>
+        <p:spPr>
+          <a:xfrm>
+            <a:off x="6333490" y="2387600"/>
+            <a:ext cx="4745990" cy="1198880"/>
+          </a:xfrm>
+          <a:prstGeom prst="rect">
+            <a:avLst/>
+          </a:prstGeom>
+          <a:noFill/>
+        </p:spPr>
+        <p:txBody>
+          <a:bodyPr wrap="square" rtlCol="0">
+            <a:spAutoFit/>
+          </a:bodyPr>
+          <a:lstStyle>
+            <a:defPPr>
+              <a:defRPr lang="zh-CN"/>
+            </a:defPPr>
+            <a:lvl1pPr marL="0" algn="l" defTabSz="914400" rtl="0" eaLnBrk="1" latinLnBrk="0" hangingPunct="1">
+              <a:defRPr sz="1800" kern="1200">
+                <a:solidFill>
+                  <a:schemeClr val="tx1"/>
+                </a:solidFill>
+                <a:latin typeface="+mn-lt"/>
+                <a:ea typeface="+mn-ea"/>
+                <a:cs typeface="+mn-cs"/>
+              </a:defRPr>
+            </a:lvl1pPr>
+            <a:lvl2pPr marL="457200" algn="l" defTabSz="914400" rtl="0" eaLnBrk="1" latinLnBrk="0" hangingPunct="1">
+              <a:defRPr sz="1800" kern="1200">
+                <a:solidFill>
+                  <a:schemeClr val="tx1"/>
+                </a:solidFill>
+                <a:latin typeface="+mn-lt"/>
+                <a:ea typeface="+mn-ea"/>
+                <a:cs typeface="+mn-cs"/>
+              </a:defRPr>
+            </a:lvl2pPr>
+            <a:lvl3pPr marL="914400" algn="l" defTabSz="914400" rtl="0" eaLnBrk="1" latinLnBrk="0" hangingPunct="1">
+              <a:defRPr sz="1800" kern="1200">
+                <a:solidFill>
+                  <a:schemeClr val="tx1"/>
+                </a:solidFill>
+                <a:latin typeface="+mn-lt"/>
+                <a:ea typeface="+mn-ea"/>
+                <a:cs typeface="+mn-cs"/>
+              </a:defRPr>
+            </a:lvl3pPr>
+            <a:lvl4pPr marL="1371600" algn="l" defTabSz="914400" rtl="0" eaLnBrk="1" latinLnBrk="0" hangingPunct="1">
+              <a:defRPr sz="1800" kern="1200">
+                <a:solidFill>
+                  <a:schemeClr val="tx1"/>
+                </a:solidFill>
+                <a:latin typeface="+mn-lt"/>
+                <a:ea typeface="+mn-ea"/>
+                <a:cs typeface="+mn-cs"/>
+              </a:defRPr>
+            </a:lvl4pPr>
+            <a:lvl5pPr marL="1828800" algn="l" defTabSz="914400" rtl="0" eaLnBrk="1" latinLnBrk="0" hangingPunct="1">
+              <a:defRPr sz="1800" kern="1200">
+                <a:solidFill>
+                  <a:schemeClr val="tx1"/>
+                </a:solidFill>
+                <a:latin typeface="+mn-lt"/>
+                <a:ea typeface="+mn-ea"/>
+                <a:cs typeface="+mn-cs"/>
+              </a:defRPr>
+            </a:lvl5pPr>
+            <a:lvl6pPr marL="2286000" algn="l" defTabSz="914400" rtl="0" eaLnBrk="1" latinLnBrk="0" hangingPunct="1">
+              <a:defRPr sz="1800" kern="1200">
+                <a:solidFill>
+                  <a:schemeClr val="tx1"/>
+                </a:solidFill>
+                <a:latin typeface="+mn-lt"/>
+                <a:ea typeface="+mn-ea"/>
+                <a:cs typeface="+mn-cs"/>
+              </a:defRPr>
+            </a:lvl6pPr>
+            <a:lvl7pPr marL="2743200" algn="l" defTabSz="914400" rtl="0" eaLnBrk="1" latinLnBrk="0" hangingPunct="1">
+              <a:defRPr sz="1800" kern="1200">
+                <a:solidFill>
+                  <a:schemeClr val="tx1"/>
+                </a:solidFill>
+                <a:latin typeface="+mn-lt"/>
+                <a:ea typeface="+mn-ea"/>
+                <a:cs typeface="+mn-cs"/>
+              </a:defRPr>
+            </a:lvl7pPr>
+            <a:lvl8pPr marL="3200400" algn="l" defTabSz="914400" rtl="0" eaLnBrk="1" latinLnBrk="0" hangingPunct="1">
+              <a:defRPr sz="1800" kern="1200">
+                <a:solidFill>
+                  <a:schemeClr val="tx1"/>
+                </a:solidFill>
+                <a:latin typeface="+mn-lt"/>
+                <a:ea typeface="+mn-ea"/>
+                <a:cs typeface="+mn-cs"/>
+              </a:defRPr>
+            </a:lvl8pPr>
+            <a:lvl9pPr marL="3657600" algn="l" defTabSz="914400" rtl="0" eaLnBrk="1" latinLnBrk="0" hangingPunct="1">
+              <a:defRPr sz="1800" kern="1200">
+                <a:solidFill>
+                  <a:schemeClr val="tx1"/>
+                </a:solidFill>
+                <a:latin typeface="+mn-lt"/>
+                <a:ea typeface="+mn-ea"/>
+                <a:cs typeface="+mn-cs"/>
+              </a:defRPr>
+            </a:lvl9pPr>
+          </a:lstStyle>
+          <a:p>
+            <a:pPr>
+              <a:lnSpc>
+                <a:spcPct val="150000"/>
+              </a:lnSpc>
+            </a:pPr>
+            <a:r>
+              <a:rPr lang="zh-CN" altLang="en-US" sz="1600" dirty="0">
+                <a:solidFill>
+                  <a:srgbClr val="1E83D5"/>
+                </a:solidFill>
+                <a:latin typeface="思源黑体 CN Bold" panose="020B0800000000000000" charset="-122"/>
+                <a:ea typeface="思源黑体 CN Bold" panose="020B0800000000000000" charset="-122"/>
+                <a:cs typeface="Roboto Black" panose="02000000000000000000" charset="0"/>
+              </a:rPr>
+              <a:t>服务端需要构建异常统一处理框架，将服务可能出现的异常做统一封装，返回固定的code与msg，防止程序堆栈信息暴露。</a:t>
+            </a:r>
+            <a:endParaRPr lang="zh-CN" altLang="en-US" sz="1600" dirty="0">
+              <a:solidFill>
+                <a:srgbClr val="1E83D5"/>
+              </a:solidFill>
+              <a:latin typeface="思源黑体 CN Bold" panose="020B0800000000000000" charset="-122"/>
+              <a:ea typeface="思源黑体 CN Bold" panose="020B0800000000000000" charset="-122"/>
+              <a:cs typeface="Roboto Black" panose="02000000000000000000" charset="0"/>
+            </a:endParaRPr>
+          </a:p>
+        </p:txBody>
+      </p:sp>
+    </p:spTree>
+    <p:custDataLst>
+      <p:tags r:id="rId2"/>
+    </p:custDataLst>
+  </p:cSld>
+  <p:clrMapOvr>
+    <a:masterClrMapping/>
+  </p:clrMapOvr>
+</p:sld>
+</file>
+
+<file path=ppt/slides/slide14.xml><?xml version="1.0" encoding="utf-8"?>
+<p:sld xmlns:a="http://schemas.openxmlformats.org/drawingml/2006/main" xmlns:r="http://schemas.openxmlformats.org/officeDocument/2006/relationships" xmlns:p="http://schemas.openxmlformats.org/presentationml/2006/main">
+  <p:cSld>
+    <p:spTree>
+      <p:nvGrpSpPr>
+        <p:cNvPr id="1" name=""/>
+        <p:cNvGrpSpPr/>
+        <p:nvPr/>
+      </p:nvGrpSpPr>
+      <p:grpSpPr/>
+      <p:grpSp>
+        <p:nvGrpSpPr>
+          <p:cNvPr id="9" name="组合 8"/>
+          <p:cNvGrpSpPr/>
+          <p:nvPr/>
+        </p:nvGrpSpPr>
+        <p:grpSpPr>
+          <a:xfrm>
+            <a:off x="2309495" y="530860"/>
+            <a:ext cx="7476490" cy="768350"/>
+            <a:chOff x="3709" y="957"/>
+            <a:chExt cx="11774" cy="1210"/>
+          </a:xfrm>
+        </p:grpSpPr>
+        <p:cxnSp>
+          <p:nvCxnSpPr>
+            <p:cNvPr id="2" name="直接连接符 1"/>
+            <p:cNvCxnSpPr/>
+            <p:nvPr/>
+          </p:nvCxnSpPr>
+          <p:spPr>
+            <a:xfrm>
+              <a:off x="3709" y="1605"/>
+              <a:ext cx="2705" cy="0"/>
+            </a:xfrm>
+            <a:prstGeom prst="line">
+              <a:avLst/>
+            </a:prstGeom>
+            <a:ln>
+              <a:gradFill>
+                <a:gsLst>
+                  <a:gs pos="0">
+                    <a:srgbClr val="C2E0F7">
+                      <a:alpha val="80000"/>
+                    </a:srgbClr>
+                  </a:gs>
+                  <a:gs pos="100000">
+                    <a:srgbClr val="1E83D5"/>
+                  </a:gs>
+                </a:gsLst>
+                <a:path path="circle">
+                  <a:fillToRect t="100000" r="100000"/>
+                </a:path>
+                <a:tileRect l="-100000" b="-100000"/>
+              </a:gradFill>
+            </a:ln>
+          </p:spPr>
+          <p:style>
+            <a:lnRef idx="1">
+              <a:schemeClr val="accent1"/>
+            </a:lnRef>
+            <a:fillRef idx="0">
+              <a:schemeClr val="accent1"/>
+            </a:fillRef>
+            <a:effectRef idx="0">
+              <a:schemeClr val="accent1"/>
+            </a:effectRef>
+            <a:fontRef idx="minor">
+              <a:schemeClr val="tx1"/>
+            </a:fontRef>
+          </p:style>
+        </p:cxnSp>
+        <p:sp>
+          <p:nvSpPr>
+            <p:cNvPr id="12" name="文本框 11"/>
+            <p:cNvSpPr txBox="1"/>
+            <p:nvPr/>
+          </p:nvSpPr>
+          <p:spPr>
+            <a:xfrm>
+              <a:off x="7189" y="957"/>
+              <a:ext cx="8294" cy="1210"/>
+            </a:xfrm>
+            <a:prstGeom prst="rect">
+              <a:avLst/>
+            </a:prstGeom>
+            <a:noFill/>
+          </p:spPr>
+          <p:txBody>
+            <a:bodyPr wrap="square" rtlCol="0">
+              <a:spAutoFit/>
+            </a:bodyPr>
+            <a:p>
+              <a:pPr algn="just"/>
+              <a:r>
+                <a:rPr lang="zh-CN" altLang="en-US" sz="4400">
+                  <a:solidFill>
+                    <a:srgbClr val="1E83D5"/>
+                  </a:solidFill>
+                  <a:latin typeface="思源黑体 CN Bold" panose="020B0800000000000000" charset="-122"/>
+                  <a:ea typeface="思源黑体 CN Bold" panose="020B0800000000000000" charset="-122"/>
+                </a:rPr>
+                <a:t>安全考量</a:t>
+              </a:r>
+              <a:r>
+                <a:rPr lang="zh-CN" altLang="en-US" sz="4400">
+                  <a:solidFill>
+                    <a:srgbClr val="1E83D5"/>
+                  </a:solidFill>
+                  <a:latin typeface="思源黑体 CN Bold" panose="020B0800000000000000" charset="-122"/>
+                  <a:ea typeface="思源黑体 CN Bold" panose="020B0800000000000000" charset="-122"/>
+                </a:rPr>
+                <a:t>点</a:t>
+              </a:r>
+              <a:endParaRPr lang="zh-CN" altLang="en-US" sz="4400">
+                <a:solidFill>
+                  <a:srgbClr val="1E83D5"/>
+                </a:solidFill>
+                <a:latin typeface="思源黑体 CN Bold" panose="020B0800000000000000" charset="-122"/>
+                <a:ea typeface="思源黑体 CN Bold" panose="020B0800000000000000" charset="-122"/>
+              </a:endParaRPr>
+            </a:p>
+          </p:txBody>
+        </p:sp>
+        <p:cxnSp>
+          <p:nvCxnSpPr>
+            <p:cNvPr id="8" name="直接连接符 7"/>
+            <p:cNvCxnSpPr/>
+            <p:nvPr/>
+          </p:nvCxnSpPr>
+          <p:spPr>
+            <a:xfrm flipH="1">
+              <a:off x="12604" y="1562"/>
+              <a:ext cx="2705" cy="0"/>
+            </a:xfrm>
+            <a:prstGeom prst="line">
+              <a:avLst/>
+            </a:prstGeom>
+            <a:ln>
+              <a:gradFill>
+                <a:gsLst>
+                  <a:gs pos="0">
+                    <a:srgbClr val="C2E0F7">
+                      <a:alpha val="80000"/>
+                    </a:srgbClr>
+                  </a:gs>
+                  <a:gs pos="100000">
+                    <a:srgbClr val="1E83D5"/>
+                  </a:gs>
+                </a:gsLst>
+                <a:path path="circle">
+                  <a:fillToRect t="100000" r="100000"/>
+                </a:path>
+                <a:tileRect l="-100000" b="-100000"/>
+              </a:gradFill>
+            </a:ln>
+          </p:spPr>
+          <p:style>
+            <a:lnRef idx="1">
+              <a:schemeClr val="accent1"/>
+            </a:lnRef>
+            <a:fillRef idx="0">
+              <a:schemeClr val="accent1"/>
+            </a:fillRef>
+            <a:effectRef idx="0">
+              <a:schemeClr val="accent1"/>
+            </a:effectRef>
+            <a:fontRef idx="minor">
+              <a:schemeClr val="tx1"/>
+            </a:fontRef>
+          </p:style>
+        </p:cxnSp>
+      </p:grpSp>
+      <p:pic>
+        <p:nvPicPr>
+          <p:cNvPr id="10" name="图片 9" descr="&amp;pky300_sjzg_VCG41N694793806_sjzg_VCG41N694793806&amp;"/>
+          <p:cNvPicPr>
+            <a:picLocks noChangeAspect="1"/>
+          </p:cNvPicPr>
+          <p:nvPr/>
+        </p:nvPicPr>
+        <p:blipFill>
+          <a:blip r:embed="rId1"/>
+          <a:srcRect/>
+          <a:stretch>
+            <a:fillRect/>
+          </a:stretch>
+        </p:blipFill>
+        <p:spPr>
+          <a:xfrm>
+            <a:off x="1558290" y="2002790"/>
+            <a:ext cx="3453130" cy="4215130"/>
+          </a:xfrm>
+          <a:prstGeom prst="rect">
+            <a:avLst/>
+          </a:prstGeom>
+        </p:spPr>
+      </p:pic>
+      <p:grpSp>
+        <p:nvGrpSpPr>
+          <p:cNvPr id="53" name="组合 52"/>
+          <p:cNvGrpSpPr/>
+          <p:nvPr/>
+        </p:nvGrpSpPr>
+        <p:grpSpPr>
+          <a:xfrm>
+            <a:off x="4197350" y="1969135"/>
+            <a:ext cx="1663065" cy="603250"/>
+            <a:chOff x="6414" y="2799"/>
+            <a:chExt cx="2619" cy="950"/>
+          </a:xfrm>
+        </p:grpSpPr>
+        <p:sp>
+          <p:nvSpPr>
+            <p:cNvPr id="51" name="五边形 50"/>
+            <p:cNvSpPr/>
+            <p:nvPr/>
+          </p:nvSpPr>
+          <p:spPr>
+            <a:xfrm>
+              <a:off x="6414" y="2799"/>
+              <a:ext cx="2619" cy="950"/>
+            </a:xfrm>
+            <a:prstGeom prst="homePlate">
+              <a:avLst/>
+            </a:prstGeom>
+            <a:solidFill>
+              <a:srgbClr val="1E83D5"/>
+            </a:solidFill>
+            <a:ln>
+              <a:noFill/>
+            </a:ln>
+          </p:spPr>
+          <p:style>
+            <a:lnRef idx="2">
+              <a:schemeClr val="accent1">
+                <a:shade val="50000"/>
+              </a:schemeClr>
+            </a:lnRef>
+            <a:fillRef idx="1">
+              <a:schemeClr val="accent1"/>
+            </a:fillRef>
+            <a:effectRef idx="0">
+              <a:schemeClr val="accent1"/>
+            </a:effectRef>
+            <a:fontRef idx="minor">
+              <a:schemeClr val="lt1"/>
+            </a:fontRef>
+          </p:style>
+          <p:txBody>
+            <a:bodyPr rtlCol="0" anchor="ctr"/>
+            <a:p>
+              <a:pPr algn="ctr"/>
+              <a:endParaRPr lang="zh-CN" altLang="en-US"/>
+            </a:p>
+          </p:txBody>
+        </p:sp>
+        <p:sp>
+          <p:nvSpPr>
+            <p:cNvPr id="52" name="椭圆 51"/>
+            <p:cNvSpPr/>
+            <p:nvPr/>
+          </p:nvSpPr>
+          <p:spPr>
+            <a:xfrm>
+              <a:off x="6558" y="2958"/>
+              <a:ext cx="173" cy="172"/>
+            </a:xfrm>
+            <a:prstGeom prst="ellipse">
+              <a:avLst/>
+            </a:prstGeom>
+            <a:solidFill>
+              <a:schemeClr val="bg1"/>
+            </a:solidFill>
+            <a:ln>
+              <a:noFill/>
+            </a:ln>
+          </p:spPr>
+          <p:style>
+            <a:lnRef idx="2">
+              <a:schemeClr val="accent1">
+                <a:shade val="50000"/>
+              </a:schemeClr>
+            </a:lnRef>
+            <a:fillRef idx="1">
+              <a:schemeClr val="accent1"/>
+            </a:fillRef>
+            <a:effectRef idx="0">
+              <a:schemeClr val="accent1"/>
+            </a:effectRef>
+            <a:fontRef idx="minor">
+              <a:schemeClr val="lt1"/>
+            </a:fontRef>
+          </p:style>
+          <p:txBody>
+            <a:bodyPr rtlCol="0" anchor="ctr"/>
+            <a:p>
+              <a:pPr algn="ctr"/>
+              <a:endParaRPr lang="zh-CN" altLang="en-US"/>
+            </a:p>
+          </p:txBody>
+        </p:sp>
+      </p:grpSp>
+      <p:sp>
+        <p:nvSpPr>
+          <p:cNvPr id="54" name="文本框 53"/>
+          <p:cNvSpPr txBox="1"/>
+          <p:nvPr/>
+        </p:nvSpPr>
+        <p:spPr>
+          <a:xfrm>
+            <a:off x="4435475" y="2024380"/>
+            <a:ext cx="1501140" cy="460375"/>
+          </a:xfrm>
+          <a:prstGeom prst="rect">
+            <a:avLst/>
+          </a:prstGeom>
+          <a:noFill/>
+        </p:spPr>
+        <p:txBody>
+          <a:bodyPr wrap="square" rtlCol="0">
+            <a:spAutoFit/>
+          </a:bodyPr>
+          <a:p>
+            <a:r>
+              <a:rPr lang="zh-CN" altLang="en-US" sz="2400">
+                <a:solidFill>
+                  <a:schemeClr val="bg1"/>
+                </a:solidFill>
+                <a:latin typeface="思源黑体 CN Bold" panose="020B0800000000000000" charset="-122"/>
+                <a:ea typeface="思源黑体 CN Bold" panose="020B0800000000000000" charset="-122"/>
+              </a:rPr>
+              <a:t>考量点</a:t>
+            </a:r>
+            <a:r>
+              <a:rPr lang="zh-CN" altLang="en-US" sz="2400">
+                <a:solidFill>
+                  <a:schemeClr val="bg1"/>
+                </a:solidFill>
+                <a:latin typeface="思源黑体 CN Bold" panose="020B0800000000000000" charset="-122"/>
+                <a:ea typeface="思源黑体 CN Bold" panose="020B0800000000000000" charset="-122"/>
+              </a:rPr>
+              <a:t>五</a:t>
+            </a:r>
+            <a:endParaRPr lang="zh-CN" altLang="en-US" sz="2400">
+              <a:solidFill>
+                <a:schemeClr val="bg1"/>
+              </a:solidFill>
+              <a:latin typeface="思源黑体 CN Bold" panose="020B0800000000000000" charset="-122"/>
+              <a:ea typeface="思源黑体 CN Bold" panose="020B0800000000000000" charset="-122"/>
+            </a:endParaRPr>
+          </a:p>
+        </p:txBody>
+      </p:sp>
+      <p:sp>
+        <p:nvSpPr>
+          <p:cNvPr id="55" name="文本框"/>
+          <p:cNvSpPr txBox="1"/>
+          <p:nvPr/>
+        </p:nvSpPr>
+        <p:spPr>
+          <a:xfrm>
+            <a:off x="6333490" y="2000250"/>
+            <a:ext cx="4528820" cy="398780"/>
+          </a:xfrm>
+          <a:prstGeom prst="rect">
+            <a:avLst/>
+          </a:prstGeom>
+          <a:noFill/>
+        </p:spPr>
+        <p:txBody>
+          <a:bodyPr vert="horz" wrap="square" rtlCol="0">
+            <a:spAutoFit/>
+          </a:bodyPr>
+          <a:lstStyle>
+            <a:defPPr>
+              <a:defRPr lang="zh-CN"/>
+            </a:defPPr>
+            <a:lvl1pPr marL="0" algn="l" defTabSz="914400" rtl="0" eaLnBrk="1" latinLnBrk="0" hangingPunct="1">
+              <a:defRPr sz="1800" kern="1200">
+                <a:solidFill>
+                  <a:schemeClr val="tx1"/>
+                </a:solidFill>
+                <a:latin typeface="+mn-lt"/>
+                <a:ea typeface="+mn-ea"/>
+                <a:cs typeface="+mn-cs"/>
+              </a:defRPr>
+            </a:lvl1pPr>
+            <a:lvl2pPr marL="457200" algn="l" defTabSz="914400" rtl="0" eaLnBrk="1" latinLnBrk="0" hangingPunct="1">
+              <a:defRPr sz="1800" kern="1200">
+                <a:solidFill>
+                  <a:schemeClr val="tx1"/>
+                </a:solidFill>
+                <a:latin typeface="+mn-lt"/>
+                <a:ea typeface="+mn-ea"/>
+                <a:cs typeface="+mn-cs"/>
+              </a:defRPr>
+            </a:lvl2pPr>
+            <a:lvl3pPr marL="914400" algn="l" defTabSz="914400" rtl="0" eaLnBrk="1" latinLnBrk="0" hangingPunct="1">
+              <a:defRPr sz="1800" kern="1200">
+                <a:solidFill>
+                  <a:schemeClr val="tx1"/>
+                </a:solidFill>
+                <a:latin typeface="+mn-lt"/>
+                <a:ea typeface="+mn-ea"/>
+                <a:cs typeface="+mn-cs"/>
+              </a:defRPr>
+            </a:lvl3pPr>
+            <a:lvl4pPr marL="1371600" algn="l" defTabSz="914400" rtl="0" eaLnBrk="1" latinLnBrk="0" hangingPunct="1">
+              <a:defRPr sz="1800" kern="1200">
+                <a:solidFill>
+                  <a:schemeClr val="tx1"/>
+                </a:solidFill>
+                <a:latin typeface="+mn-lt"/>
+                <a:ea typeface="+mn-ea"/>
+                <a:cs typeface="+mn-cs"/>
+              </a:defRPr>
+            </a:lvl4pPr>
+            <a:lvl5pPr marL="1828800" algn="l" defTabSz="914400" rtl="0" eaLnBrk="1" latinLnBrk="0" hangingPunct="1">
+              <a:defRPr sz="1800" kern="1200">
+                <a:solidFill>
+                  <a:schemeClr val="tx1"/>
+                </a:solidFill>
+                <a:latin typeface="+mn-lt"/>
+                <a:ea typeface="+mn-ea"/>
+                <a:cs typeface="+mn-cs"/>
+              </a:defRPr>
+            </a:lvl5pPr>
+            <a:lvl6pPr marL="2286000" algn="l" defTabSz="914400" rtl="0" eaLnBrk="1" latinLnBrk="0" hangingPunct="1">
+              <a:defRPr sz="1800" kern="1200">
+                <a:solidFill>
+                  <a:schemeClr val="tx1"/>
+                </a:solidFill>
+                <a:latin typeface="+mn-lt"/>
+                <a:ea typeface="+mn-ea"/>
+                <a:cs typeface="+mn-cs"/>
+              </a:defRPr>
+            </a:lvl6pPr>
+            <a:lvl7pPr marL="2743200" algn="l" defTabSz="914400" rtl="0" eaLnBrk="1" latinLnBrk="0" hangingPunct="1">
+              <a:defRPr sz="1800" kern="1200">
+                <a:solidFill>
+                  <a:schemeClr val="tx1"/>
+                </a:solidFill>
+                <a:latin typeface="+mn-lt"/>
+                <a:ea typeface="+mn-ea"/>
+                <a:cs typeface="+mn-cs"/>
+              </a:defRPr>
+            </a:lvl7pPr>
+            <a:lvl8pPr marL="3200400" algn="l" defTabSz="914400" rtl="0" eaLnBrk="1" latinLnBrk="0" hangingPunct="1">
+              <a:defRPr sz="1800" kern="1200">
+                <a:solidFill>
+                  <a:schemeClr val="tx1"/>
+                </a:solidFill>
+                <a:latin typeface="+mn-lt"/>
+                <a:ea typeface="+mn-ea"/>
+                <a:cs typeface="+mn-cs"/>
+              </a:defRPr>
+            </a:lvl8pPr>
+            <a:lvl9pPr marL="3657600" algn="l" defTabSz="914400" rtl="0" eaLnBrk="1" latinLnBrk="0" hangingPunct="1">
+              <a:defRPr sz="1800" kern="1200">
+                <a:solidFill>
+                  <a:schemeClr val="tx1"/>
+                </a:solidFill>
+                <a:latin typeface="+mn-lt"/>
+                <a:ea typeface="+mn-ea"/>
+                <a:cs typeface="+mn-cs"/>
+              </a:defRPr>
+            </a:lvl9pPr>
+          </a:lstStyle>
+          <a:p>
+            <a:pPr algn="l"/>
+            <a:r>
+              <a:rPr lang="zh-CN" altLang="en-US" sz="2000" dirty="0">
+                <a:solidFill>
+                  <a:srgbClr val="1E83D5"/>
+                </a:solidFill>
+                <a:effectLst/>
+                <a:latin typeface="思源黑体 CN Bold" panose="020B0800000000000000" charset="-122"/>
+                <a:ea typeface="思源黑体 CN Bold" panose="020B0800000000000000" charset="-122"/>
+                <a:cs typeface="思源黑体 CN Bold" panose="020B0800000000000000" charset="-122"/>
+              </a:rPr>
+              <a:t>启用HTTPS</a:t>
+            </a:r>
+            <a:endParaRPr lang="zh-CN" altLang="en-US" sz="2000" dirty="0">
+              <a:solidFill>
+                <a:srgbClr val="1E83D5"/>
+              </a:solidFill>
+              <a:effectLst/>
+              <a:latin typeface="思源黑体 CN Bold" panose="020B0800000000000000" charset="-122"/>
+              <a:ea typeface="思源黑体 CN Bold" panose="020B0800000000000000" charset="-122"/>
+              <a:cs typeface="思源黑体 CN Bold" panose="020B0800000000000000" charset="-122"/>
+            </a:endParaRPr>
+          </a:p>
+        </p:txBody>
+      </p:sp>
+      <p:sp>
+        <p:nvSpPr>
+          <p:cNvPr id="56" name="文本框 44"/>
+          <p:cNvSpPr txBox="1"/>
+          <p:nvPr/>
+        </p:nvSpPr>
+        <p:spPr>
+          <a:xfrm>
+            <a:off x="6333490" y="2387600"/>
+            <a:ext cx="4745990" cy="1938020"/>
+          </a:xfrm>
+          <a:prstGeom prst="rect">
+            <a:avLst/>
+          </a:prstGeom>
+          <a:noFill/>
+        </p:spPr>
+        <p:txBody>
+          <a:bodyPr wrap="square" rtlCol="0">
+            <a:spAutoFit/>
+          </a:bodyPr>
+          <a:lstStyle>
+            <a:defPPr>
+              <a:defRPr lang="zh-CN"/>
+            </a:defPPr>
+            <a:lvl1pPr marL="0" algn="l" defTabSz="914400" rtl="0" eaLnBrk="1" latinLnBrk="0" hangingPunct="1">
+              <a:defRPr sz="1800" kern="1200">
+                <a:solidFill>
+                  <a:schemeClr val="tx1"/>
+                </a:solidFill>
+                <a:latin typeface="+mn-lt"/>
+                <a:ea typeface="+mn-ea"/>
+                <a:cs typeface="+mn-cs"/>
+              </a:defRPr>
+            </a:lvl1pPr>
+            <a:lvl2pPr marL="457200" algn="l" defTabSz="914400" rtl="0" eaLnBrk="1" latinLnBrk="0" hangingPunct="1">
+              <a:defRPr sz="1800" kern="1200">
+                <a:solidFill>
+                  <a:schemeClr val="tx1"/>
+                </a:solidFill>
+                <a:latin typeface="+mn-lt"/>
+                <a:ea typeface="+mn-ea"/>
+                <a:cs typeface="+mn-cs"/>
+              </a:defRPr>
+            </a:lvl2pPr>
+            <a:lvl3pPr marL="914400" algn="l" defTabSz="914400" rtl="0" eaLnBrk="1" latinLnBrk="0" hangingPunct="1">
+              <a:defRPr sz="1800" kern="1200">
+                <a:solidFill>
+                  <a:schemeClr val="tx1"/>
+                </a:solidFill>
+                <a:latin typeface="+mn-lt"/>
+                <a:ea typeface="+mn-ea"/>
+                <a:cs typeface="+mn-cs"/>
+              </a:defRPr>
+            </a:lvl3pPr>
+            <a:lvl4pPr marL="1371600" algn="l" defTabSz="914400" rtl="0" eaLnBrk="1" latinLnBrk="0" hangingPunct="1">
+              <a:defRPr sz="1800" kern="1200">
+                <a:solidFill>
+                  <a:schemeClr val="tx1"/>
+                </a:solidFill>
+                <a:latin typeface="+mn-lt"/>
+                <a:ea typeface="+mn-ea"/>
+                <a:cs typeface="+mn-cs"/>
+              </a:defRPr>
+            </a:lvl4pPr>
+            <a:lvl5pPr marL="1828800" algn="l" defTabSz="914400" rtl="0" eaLnBrk="1" latinLnBrk="0" hangingPunct="1">
+              <a:defRPr sz="1800" kern="1200">
+                <a:solidFill>
+                  <a:schemeClr val="tx1"/>
+                </a:solidFill>
+                <a:latin typeface="+mn-lt"/>
+                <a:ea typeface="+mn-ea"/>
+                <a:cs typeface="+mn-cs"/>
+              </a:defRPr>
+            </a:lvl5pPr>
+            <a:lvl6pPr marL="2286000" algn="l" defTabSz="914400" rtl="0" eaLnBrk="1" latinLnBrk="0" hangingPunct="1">
+              <a:defRPr sz="1800" kern="1200">
+                <a:solidFill>
+                  <a:schemeClr val="tx1"/>
+                </a:solidFill>
+                <a:latin typeface="+mn-lt"/>
+                <a:ea typeface="+mn-ea"/>
+                <a:cs typeface="+mn-cs"/>
+              </a:defRPr>
+            </a:lvl6pPr>
+            <a:lvl7pPr marL="2743200" algn="l" defTabSz="914400" rtl="0" eaLnBrk="1" latinLnBrk="0" hangingPunct="1">
+              <a:defRPr sz="1800" kern="1200">
+                <a:solidFill>
+                  <a:schemeClr val="tx1"/>
+                </a:solidFill>
+                <a:latin typeface="+mn-lt"/>
+                <a:ea typeface="+mn-ea"/>
+                <a:cs typeface="+mn-cs"/>
+              </a:defRPr>
+            </a:lvl7pPr>
+            <a:lvl8pPr marL="3200400" algn="l" defTabSz="914400" rtl="0" eaLnBrk="1" latinLnBrk="0" hangingPunct="1">
+              <a:defRPr sz="1800" kern="1200">
+                <a:solidFill>
+                  <a:schemeClr val="tx1"/>
+                </a:solidFill>
+                <a:latin typeface="+mn-lt"/>
+                <a:ea typeface="+mn-ea"/>
+                <a:cs typeface="+mn-cs"/>
+              </a:defRPr>
+            </a:lvl8pPr>
+            <a:lvl9pPr marL="3657600" algn="l" defTabSz="914400" rtl="0" eaLnBrk="1" latinLnBrk="0" hangingPunct="1">
+              <a:defRPr sz="1800" kern="1200">
+                <a:solidFill>
+                  <a:schemeClr val="tx1"/>
+                </a:solidFill>
+                <a:latin typeface="+mn-lt"/>
+                <a:ea typeface="+mn-ea"/>
+                <a:cs typeface="+mn-cs"/>
+              </a:defRPr>
+            </a:lvl9pPr>
+          </a:lstStyle>
+          <a:p>
+            <a:pPr>
+              <a:lnSpc>
+                <a:spcPct val="150000"/>
+              </a:lnSpc>
+            </a:pPr>
+            <a:r>
+              <a:rPr lang="zh-CN" altLang="en-US" sz="1600" dirty="0">
+                <a:solidFill>
+                  <a:srgbClr val="1E83D5"/>
+                </a:solidFill>
+                <a:latin typeface="思源黑体 CN Bold" panose="020B0800000000000000" charset="-122"/>
+                <a:ea typeface="思源黑体 CN Bold" panose="020B0800000000000000" charset="-122"/>
+                <a:cs typeface="Roboto Black" panose="02000000000000000000" charset="0"/>
+              </a:rPr>
+              <a:t>HTTPS能够有效防止中间人攻击，有效保证接口不被劫持，对数据窃取篡改做了安全防范。但HTTP升级HTTPS会带来更多的握手，而握手中的运算会带来更多的性能消耗。这也是不得不考虑的问题。</a:t>
+            </a:r>
+            <a:endParaRPr lang="zh-CN" altLang="en-US" sz="1600" dirty="0">
+              <a:solidFill>
+                <a:srgbClr val="1E83D5"/>
+              </a:solidFill>
+              <a:latin typeface="思源黑体 CN Bold" panose="020B0800000000000000" charset="-122"/>
+              <a:ea typeface="思源黑体 CN Bold" panose="020B0800000000000000" charset="-122"/>
+              <a:cs typeface="Roboto Black" panose="02000000000000000000" charset="0"/>
+            </a:endParaRPr>
+          </a:p>
+          <a:p>
+            <a:pPr>
+              <a:lnSpc>
+                <a:spcPct val="150000"/>
+              </a:lnSpc>
+            </a:pPr>
+            <a:endParaRPr lang="zh-CN" altLang="en-US" sz="1600" dirty="0">
+              <a:solidFill>
+                <a:srgbClr val="1E83D5"/>
+              </a:solidFill>
+              <a:latin typeface="思源黑体 CN Bold" panose="020B0800000000000000" charset="-122"/>
+              <a:ea typeface="思源黑体 CN Bold" panose="020B0800000000000000" charset="-122"/>
+              <a:cs typeface="Roboto Black" panose="02000000000000000000" charset="0"/>
+            </a:endParaRPr>
+          </a:p>
+        </p:txBody>
+      </p:sp>
+    </p:spTree>
+    <p:custDataLst>
+      <p:tags r:id="rId2"/>
+    </p:custDataLst>
+  </p:cSld>
+  <p:clrMapOvr>
+    <a:masterClrMapping/>
+  </p:clrMapOvr>
+</p:sld>
+</file>
+
+<file path=ppt/slides/slide15.xml><?xml version="1.0" encoding="utf-8"?>
+<p:sld xmlns:a="http://schemas.openxmlformats.org/drawingml/2006/main" xmlns:r="http://schemas.openxmlformats.org/officeDocument/2006/relationships" xmlns:p="http://schemas.openxmlformats.org/presentationml/2006/main">
+  <p:cSld>
+    <p:spTree>
+      <p:nvGrpSpPr>
+        <p:cNvPr id="1" name=""/>
+        <p:cNvGrpSpPr/>
+        <p:nvPr/>
+      </p:nvGrpSpPr>
+      <p:grpSpPr/>
+      <p:sp>
+        <p:nvSpPr>
+          <p:cNvPr id="6" name="文本框 5"/>
+          <p:cNvSpPr txBox="1"/>
+          <p:nvPr/>
+        </p:nvSpPr>
+        <p:spPr>
+          <a:xfrm>
+            <a:off x="6428105" y="1866900"/>
+            <a:ext cx="3498850" cy="3153410"/>
+          </a:xfrm>
+          <a:prstGeom prst="rect">
+            <a:avLst/>
+          </a:prstGeom>
+          <a:noFill/>
+        </p:spPr>
+        <p:txBody>
+          <a:bodyPr wrap="square" rtlCol="0">
+            <a:spAutoFit/>
+          </a:bodyPr>
+          <a:p>
+            <a:r>
+              <a:rPr lang="en-US" altLang="zh-CN" sz="19900">
+                <a:ln>
+                  <a:solidFill>
+                    <a:schemeClr val="bg1"/>
+                  </a:solidFill>
+                </a:ln>
+                <a:noFill/>
+                <a:latin typeface="Roboto Black" panose="02000000000000000000" charset="0"/>
+                <a:cs typeface="Roboto Black" panose="02000000000000000000" charset="0"/>
+              </a:rPr>
+              <a:t>02</a:t>
+            </a:r>
+            <a:endParaRPr lang="en-US" altLang="zh-CN" sz="19900">
+              <a:ln>
+                <a:solidFill>
+                  <a:schemeClr val="bg1"/>
+                </a:solidFill>
+              </a:ln>
+              <a:noFill/>
+              <a:latin typeface="Roboto Black" panose="02000000000000000000" charset="0"/>
+              <a:cs typeface="Roboto Black" panose="02000000000000000000" charset="0"/>
+            </a:endParaRPr>
+          </a:p>
+        </p:txBody>
+      </p:sp>
+      <p:sp>
+        <p:nvSpPr>
+          <p:cNvPr id="12" name="文本框 11"/>
+          <p:cNvSpPr txBox="1"/>
+          <p:nvPr/>
+        </p:nvSpPr>
+        <p:spPr>
+          <a:xfrm>
+            <a:off x="546735" y="3199130"/>
+            <a:ext cx="5266690" cy="1014730"/>
+          </a:xfrm>
+          <a:prstGeom prst="rect">
+            <a:avLst/>
+          </a:prstGeom>
+          <a:noFill/>
+        </p:spPr>
+        <p:txBody>
+          <a:bodyPr wrap="square" rtlCol="0">
+            <a:spAutoFit/>
+          </a:bodyPr>
+          <a:p>
+            <a:pPr algn="just"/>
+            <a:r>
+              <a:rPr lang="zh-CN" altLang="en-US" sz="6000">
+                <a:solidFill>
+                  <a:srgbClr val="1E83D5"/>
+                </a:solidFill>
+                <a:latin typeface="思源黑体 CN Bold" panose="020B0800000000000000" charset="-122"/>
+                <a:ea typeface="思源黑体 CN Bold" panose="020B0800000000000000" charset="-122"/>
+              </a:rPr>
+              <a:t>签名的</a:t>
+            </a:r>
+            <a:r>
+              <a:rPr lang="zh-CN" altLang="en-US" sz="6000">
+                <a:solidFill>
+                  <a:srgbClr val="1E83D5"/>
+                </a:solidFill>
+                <a:latin typeface="思源黑体 CN Bold" panose="020B0800000000000000" charset="-122"/>
+                <a:ea typeface="思源黑体 CN Bold" panose="020B0800000000000000" charset="-122"/>
+              </a:rPr>
+              <a:t>设计</a:t>
+            </a:r>
+            <a:endParaRPr lang="zh-CN" altLang="en-US" sz="6000">
+              <a:solidFill>
+                <a:srgbClr val="1E83D5"/>
+              </a:solidFill>
+              <a:latin typeface="思源黑体 CN Bold" panose="020B0800000000000000" charset="-122"/>
+              <a:ea typeface="思源黑体 CN Bold" panose="020B0800000000000000" charset="-122"/>
+            </a:endParaRPr>
+          </a:p>
+        </p:txBody>
+      </p:sp>
+      <p:pic>
+        <p:nvPicPr>
+          <p:cNvPr id="25" name="图片 24" descr="343435383135323b333733333032353bcec4b5b5"/>
+          <p:cNvPicPr>
+            <a:picLocks noChangeAspect="1"/>
+          </p:cNvPicPr>
+          <p:nvPr/>
+        </p:nvPicPr>
+        <p:blipFill>
+          <a:blip r:embed="rId1">
+            <a:extLst>
+              <a:ext uri="{96DAC541-7B7A-43D3-8B79-37D633B846F1}">
+                <asvg:svgBlip xmlns:asvg="http://schemas.microsoft.com/office/drawing/2016/SVG/main" r:embed="rId2"/>
+              </a:ext>
+            </a:extLst>
+          </a:blip>
+          <a:stretch>
+            <a:fillRect/>
+          </a:stretch>
+        </p:blipFill>
+        <p:spPr>
+          <a:xfrm>
+            <a:off x="1860550" y="2167890"/>
+            <a:ext cx="737235" cy="667385"/>
+          </a:xfrm>
+          <a:prstGeom prst="rect">
+            <a:avLst/>
+          </a:prstGeom>
+        </p:spPr>
+      </p:pic>
+    </p:spTree>
+    <p:custDataLst>
+      <p:tags r:id="rId3"/>
+    </p:custDataLst>
+  </p:cSld>
+  <p:clrMapOvr>
+    <a:masterClrMapping/>
+  </p:clrMapOvr>
+</p:sld>
+</file>
+
+<file path=ppt/slides/slide16.xml><?xml version="1.0" encoding="utf-8"?>
+<p:sld xmlns:a="http://schemas.openxmlformats.org/drawingml/2006/main" xmlns:r="http://schemas.openxmlformats.org/officeDocument/2006/relationships" xmlns:p="http://schemas.openxmlformats.org/presentationml/2006/main">
+  <p:cSld>
+    <p:spTree>
+      <p:nvGrpSpPr>
+        <p:cNvPr id="1" name=""/>
+        <p:cNvGrpSpPr/>
+        <p:nvPr/>
+      </p:nvGrpSpPr>
+      <p:grpSpPr/>
+      <p:grpSp>
+        <p:nvGrpSpPr>
+          <p:cNvPr id="9" name="组合 8"/>
+          <p:cNvGrpSpPr/>
+          <p:nvPr/>
+        </p:nvGrpSpPr>
+        <p:grpSpPr>
+          <a:xfrm>
             <a:off x="2195195" y="361950"/>
             <a:ext cx="7851775" cy="768350"/>
             <a:chOff x="3709" y="961"/>
@@ -7136,7 +10509,7 @@
 </p:sld>
 </file>
 
-<file path=ppt/slides/slide11.xml><?xml version="1.0" encoding="utf-8"?>
+<file path=ppt/slides/slide17.xml><?xml version="1.0" encoding="utf-8"?>
 <p:sld xmlns:a="http://schemas.openxmlformats.org/drawingml/2006/main" xmlns:r="http://schemas.openxmlformats.org/officeDocument/2006/relationships" xmlns:p="http://schemas.openxmlformats.org/presentationml/2006/main">
   <p:cSld>
     <p:spTree>
@@ -7286,7 +10659,7 @@
 </p:sld>
 </file>
 
-<file path=ppt/slides/slide12.xml><?xml version="1.0" encoding="utf-8"?>
+<file path=ppt/slides/slide18.xml><?xml version="1.0" encoding="utf-8"?>
 <p:sld xmlns:a="http://schemas.openxmlformats.org/drawingml/2006/main" xmlns:r="http://schemas.openxmlformats.org/officeDocument/2006/relationships" xmlns:p="http://schemas.openxmlformats.org/presentationml/2006/main">
   <p:cSld>
     <p:spTree>
@@ -9166,7 +12539,7 @@
 </p:sld>
 </file>
 
-<file path=ppt/slides/slide13.xml><?xml version="1.0" encoding="utf-8"?>
+<file path=ppt/slides/slide19.xml><?xml version="1.0" encoding="utf-8"?>
 <p:sld xmlns:a="http://schemas.openxmlformats.org/drawingml/2006/main" xmlns:r="http://schemas.openxmlformats.org/officeDocument/2006/relationships" xmlns:p="http://schemas.openxmlformats.org/presentationml/2006/main">
   <p:cSld>
     <p:spTree>
@@ -9437,7 +12810,749 @@
 </p:sld>
 </file>
 
-<file path=ppt/slides/slide14.xml><?xml version="1.0" encoding="utf-8"?>
+<file path=ppt/slides/slide2.xml><?xml version="1.0" encoding="utf-8"?>
+<p:sld xmlns:a="http://schemas.openxmlformats.org/drawingml/2006/main" xmlns:r="http://schemas.openxmlformats.org/officeDocument/2006/relationships" xmlns:p="http://schemas.openxmlformats.org/presentationml/2006/main">
+  <p:cSld>
+    <p:spTree>
+      <p:nvGrpSpPr>
+        <p:cNvPr id="1" name=""/>
+        <p:cNvGrpSpPr/>
+        <p:nvPr/>
+      </p:nvGrpSpPr>
+      <p:grpSpPr/>
+      <p:sp>
+        <p:nvSpPr>
+          <p:cNvPr id="4" name="文本框 3"/>
+          <p:cNvSpPr txBox="1"/>
+          <p:nvPr/>
+        </p:nvSpPr>
+        <p:spPr>
+          <a:xfrm>
+            <a:off x="1446530" y="2479675"/>
+            <a:ext cx="1990090" cy="1014730"/>
+          </a:xfrm>
+          <a:prstGeom prst="rect">
+            <a:avLst/>
+          </a:prstGeom>
+          <a:noFill/>
+        </p:spPr>
+        <p:txBody>
+          <a:bodyPr wrap="square" rtlCol="0">
+            <a:spAutoFit/>
+          </a:bodyPr>
+          <a:p>
+            <a:pPr algn="dist"/>
+            <a:r>
+              <a:rPr lang="zh-CN" altLang="en-US" sz="6000">
+                <a:solidFill>
+                  <a:schemeClr val="bg1"/>
+                </a:solidFill>
+                <a:latin typeface="思源黑体 CN Bold" panose="020B0800000000000000" charset="-122"/>
+                <a:ea typeface="思源黑体 CN Bold" panose="020B0800000000000000" charset="-122"/>
+              </a:rPr>
+              <a:t>目录</a:t>
+            </a:r>
+            <a:endParaRPr lang="zh-CN" altLang="en-US" sz="6000">
+              <a:solidFill>
+                <a:schemeClr val="bg1"/>
+              </a:solidFill>
+              <a:latin typeface="思源黑体 CN Bold" panose="020B0800000000000000" charset="-122"/>
+              <a:ea typeface="思源黑体 CN Bold" panose="020B0800000000000000" charset="-122"/>
+            </a:endParaRPr>
+          </a:p>
+        </p:txBody>
+      </p:sp>
+      <p:sp>
+        <p:nvSpPr>
+          <p:cNvPr id="7" name="文本框 6"/>
+          <p:cNvSpPr txBox="1"/>
+          <p:nvPr/>
+        </p:nvSpPr>
+        <p:spPr>
+          <a:xfrm>
+            <a:off x="884555" y="3658235"/>
+            <a:ext cx="3362325" cy="829945"/>
+          </a:xfrm>
+          <a:prstGeom prst="rect">
+            <a:avLst/>
+          </a:prstGeom>
+          <a:noFill/>
+        </p:spPr>
+        <p:txBody>
+          <a:bodyPr wrap="square" rtlCol="0">
+            <a:spAutoFit/>
+          </a:bodyPr>
+          <a:p>
+            <a:pPr algn="ctr"/>
+            <a:r>
+              <a:rPr lang="en-US" altLang="zh-CN" sz="4800" b="1" dirty="0">
+                <a:solidFill>
+                  <a:schemeClr val="bg1"/>
+                </a:solidFill>
+                <a:effectLst>
+                  <a:outerShdw blurRad="38100" dist="38100" dir="2700000" algn="tl">
+                    <a:srgbClr val="000000">
+                      <a:alpha val="43137"/>
+                    </a:srgbClr>
+                  </a:outerShdw>
+                </a:effectLst>
+                <a:latin typeface="Roboto Black" panose="02000000000000000000" charset="0"/>
+                <a:cs typeface="Roboto Black" panose="02000000000000000000" charset="0"/>
+                <a:sym typeface="+mn-ea"/>
+              </a:rPr>
+              <a:t>CONTENTS</a:t>
+            </a:r>
+            <a:endParaRPr lang="en-US" altLang="zh-CN" sz="4800" b="1" dirty="0">
+              <a:solidFill>
+                <a:schemeClr val="bg1"/>
+              </a:solidFill>
+              <a:effectLst>
+                <a:outerShdw blurRad="38100" dist="38100" dir="2700000" algn="tl">
+                  <a:srgbClr val="000000">
+                    <a:alpha val="43137"/>
+                  </a:srgbClr>
+                </a:outerShdw>
+              </a:effectLst>
+              <a:latin typeface="Roboto Black" panose="02000000000000000000" charset="0"/>
+              <a:cs typeface="Roboto Black" panose="02000000000000000000" charset="0"/>
+              <a:sym typeface="+mn-ea"/>
+            </a:endParaRPr>
+          </a:p>
+        </p:txBody>
+      </p:sp>
+      <p:grpSp>
+        <p:nvGrpSpPr>
+          <p:cNvPr id="15" name="组合 14"/>
+          <p:cNvGrpSpPr/>
+          <p:nvPr/>
+        </p:nvGrpSpPr>
+        <p:grpSpPr>
+          <a:xfrm>
+            <a:off x="5916930" y="1689100"/>
+            <a:ext cx="4744085" cy="923290"/>
+            <a:chOff x="9312" y="2130"/>
+            <a:chExt cx="7471" cy="1454"/>
+          </a:xfrm>
+        </p:grpSpPr>
+        <p:sp>
+          <p:nvSpPr>
+            <p:cNvPr id="9" name="圆角矩形 8"/>
+            <p:cNvSpPr/>
+            <p:nvPr/>
+          </p:nvSpPr>
+          <p:spPr>
+            <a:xfrm>
+              <a:off x="9312" y="2130"/>
+              <a:ext cx="1681" cy="1454"/>
+            </a:xfrm>
+            <a:prstGeom prst="roundRect">
+              <a:avLst/>
+            </a:prstGeom>
+            <a:solidFill>
+              <a:srgbClr val="1E83D5"/>
+            </a:solidFill>
+            <a:ln>
+              <a:noFill/>
+            </a:ln>
+          </p:spPr>
+          <p:style>
+            <a:lnRef idx="2">
+              <a:schemeClr val="accent1">
+                <a:shade val="50000"/>
+              </a:schemeClr>
+            </a:lnRef>
+            <a:fillRef idx="1">
+              <a:schemeClr val="accent1"/>
+            </a:fillRef>
+            <a:effectRef idx="0">
+              <a:schemeClr val="accent1"/>
+            </a:effectRef>
+            <a:fontRef idx="minor">
+              <a:schemeClr val="lt1"/>
+            </a:fontRef>
+          </p:style>
+          <p:txBody>
+            <a:bodyPr rtlCol="0" anchor="ctr"/>
+            <a:p>
+              <a:pPr algn="ctr"/>
+              <a:endParaRPr lang="zh-CN" altLang="en-US"/>
+            </a:p>
+          </p:txBody>
+        </p:sp>
+        <p:sp>
+          <p:nvSpPr>
+            <p:cNvPr id="10" name="文本框 9"/>
+            <p:cNvSpPr txBox="1"/>
+            <p:nvPr/>
+          </p:nvSpPr>
+          <p:spPr>
+            <a:xfrm>
+              <a:off x="9478" y="2281"/>
+              <a:ext cx="1964" cy="1113"/>
+            </a:xfrm>
+            <a:prstGeom prst="rect">
+              <a:avLst/>
+            </a:prstGeom>
+            <a:noFill/>
+          </p:spPr>
+          <p:txBody>
+            <a:bodyPr wrap="square" rtlCol="0">
+              <a:spAutoFit/>
+            </a:bodyPr>
+            <a:p>
+              <a:r>
+                <a:rPr lang="en-US" altLang="zh-CN" sz="4000">
+                  <a:solidFill>
+                    <a:schemeClr val="bg1"/>
+                  </a:solidFill>
+                  <a:latin typeface="思源黑体 CN Bold" panose="020B0800000000000000" charset="-122"/>
+                  <a:ea typeface="思源黑体 CN Bold" panose="020B0800000000000000" charset="-122"/>
+                </a:rPr>
+                <a:t>01</a:t>
+              </a:r>
+              <a:endParaRPr lang="en-US" altLang="zh-CN" sz="4000">
+                <a:solidFill>
+                  <a:schemeClr val="bg1"/>
+                </a:solidFill>
+                <a:latin typeface="思源黑体 CN Bold" panose="020B0800000000000000" charset="-122"/>
+                <a:ea typeface="思源黑体 CN Bold" panose="020B0800000000000000" charset="-122"/>
+              </a:endParaRPr>
+            </a:p>
+          </p:txBody>
+        </p:sp>
+        <p:sp>
+          <p:nvSpPr>
+            <p:cNvPr id="11" name="矩形 10"/>
+            <p:cNvSpPr/>
+            <p:nvPr/>
+          </p:nvSpPr>
+          <p:spPr>
+            <a:xfrm>
+              <a:off x="10768" y="2175"/>
+              <a:ext cx="6015" cy="1379"/>
+            </a:xfrm>
+            <a:prstGeom prst="rect">
+              <a:avLst/>
+            </a:prstGeom>
+            <a:noFill/>
+            <a:ln>
+              <a:solidFill>
+                <a:srgbClr val="1E83D5"/>
+              </a:solidFill>
+            </a:ln>
+            <a:extLst>
+              <a:ext uri="{909E8E84-426E-40DD-AFC4-6F175D3DCCD1}">
+                <a14:hiddenFill xmlns:a14="http://schemas.microsoft.com/office/drawing/2010/main">
+                  <a:solidFill>
+                    <a:schemeClr val="accent1"/>
+                  </a:solidFill>
+                </a14:hiddenFill>
+              </a:ext>
+            </a:extLst>
+          </p:spPr>
+          <p:style>
+            <a:lnRef idx="2">
+              <a:schemeClr val="accent1">
+                <a:shade val="50000"/>
+              </a:schemeClr>
+            </a:lnRef>
+            <a:fillRef idx="1">
+              <a:schemeClr val="accent1"/>
+            </a:fillRef>
+            <a:effectRef idx="0">
+              <a:schemeClr val="accent1"/>
+            </a:effectRef>
+            <a:fontRef idx="minor">
+              <a:schemeClr val="lt1"/>
+            </a:fontRef>
+          </p:style>
+          <p:txBody>
+            <a:bodyPr rtlCol="0" anchor="ctr"/>
+            <a:p>
+              <a:pPr algn="ctr"/>
+              <a:endParaRPr lang="zh-CN" altLang="en-US"/>
+            </a:p>
+          </p:txBody>
+        </p:sp>
+        <p:sp>
+          <p:nvSpPr>
+            <p:cNvPr id="12" name="文本框 11"/>
+            <p:cNvSpPr txBox="1"/>
+            <p:nvPr/>
+          </p:nvSpPr>
+          <p:spPr>
+            <a:xfrm>
+              <a:off x="11743" y="2572"/>
+              <a:ext cx="4215" cy="822"/>
+            </a:xfrm>
+            <a:prstGeom prst="rect">
+              <a:avLst/>
+            </a:prstGeom>
+            <a:noFill/>
+          </p:spPr>
+          <p:txBody>
+            <a:bodyPr wrap="square" rtlCol="0">
+              <a:spAutoFit/>
+            </a:bodyPr>
+            <a:p>
+              <a:pPr algn="dist"/>
+              <a:r>
+                <a:rPr lang="zh-CN" altLang="en-US" sz="2800">
+                  <a:solidFill>
+                    <a:srgbClr val="1E83D5"/>
+                  </a:solidFill>
+                  <a:latin typeface="思源黑体 CN Bold" panose="020B0800000000000000" charset="-122"/>
+                  <a:ea typeface="思源黑体 CN Bold" panose="020B0800000000000000" charset="-122"/>
+                </a:rPr>
+                <a:t>安全考量</a:t>
+              </a:r>
+              <a:r>
+                <a:rPr lang="zh-CN" altLang="en-US" sz="2800">
+                  <a:solidFill>
+                    <a:srgbClr val="1E83D5"/>
+                  </a:solidFill>
+                  <a:latin typeface="思源黑体 CN Bold" panose="020B0800000000000000" charset="-122"/>
+                  <a:ea typeface="思源黑体 CN Bold" panose="020B0800000000000000" charset="-122"/>
+                </a:rPr>
+                <a:t>点</a:t>
+              </a:r>
+              <a:endParaRPr lang="zh-CN" altLang="en-US" sz="2800">
+                <a:solidFill>
+                  <a:srgbClr val="1E83D5"/>
+                </a:solidFill>
+                <a:latin typeface="思源黑体 CN Bold" panose="020B0800000000000000" charset="-122"/>
+                <a:ea typeface="思源黑体 CN Bold" panose="020B0800000000000000" charset="-122"/>
+              </a:endParaRPr>
+            </a:p>
+          </p:txBody>
+        </p:sp>
+      </p:grpSp>
+      <p:grpSp>
+        <p:nvGrpSpPr>
+          <p:cNvPr id="16" name="组合 15"/>
+          <p:cNvGrpSpPr/>
+          <p:nvPr/>
+        </p:nvGrpSpPr>
+        <p:grpSpPr>
+          <a:xfrm>
+            <a:off x="5916930" y="2967355"/>
+            <a:ext cx="4744085" cy="923290"/>
+            <a:chOff x="9312" y="2130"/>
+            <a:chExt cx="7471" cy="1454"/>
+          </a:xfrm>
+        </p:grpSpPr>
+        <p:sp>
+          <p:nvSpPr>
+            <p:cNvPr id="17" name="圆角矩形 16"/>
+            <p:cNvSpPr/>
+            <p:nvPr/>
+          </p:nvSpPr>
+          <p:spPr>
+            <a:xfrm>
+              <a:off x="9312" y="2130"/>
+              <a:ext cx="1681" cy="1454"/>
+            </a:xfrm>
+            <a:prstGeom prst="roundRect">
+              <a:avLst/>
+            </a:prstGeom>
+            <a:solidFill>
+              <a:srgbClr val="1E83D5"/>
+            </a:solidFill>
+            <a:ln>
+              <a:noFill/>
+            </a:ln>
+          </p:spPr>
+          <p:style>
+            <a:lnRef idx="2">
+              <a:schemeClr val="accent1">
+                <a:shade val="50000"/>
+              </a:schemeClr>
+            </a:lnRef>
+            <a:fillRef idx="1">
+              <a:schemeClr val="accent1"/>
+            </a:fillRef>
+            <a:effectRef idx="0">
+              <a:schemeClr val="accent1"/>
+            </a:effectRef>
+            <a:fontRef idx="minor">
+              <a:schemeClr val="lt1"/>
+            </a:fontRef>
+          </p:style>
+          <p:txBody>
+            <a:bodyPr rtlCol="0" anchor="ctr"/>
+            <a:p>
+              <a:pPr algn="ctr"/>
+              <a:endParaRPr lang="zh-CN" altLang="en-US"/>
+            </a:p>
+          </p:txBody>
+        </p:sp>
+        <p:sp>
+          <p:nvSpPr>
+            <p:cNvPr id="18" name="文本框 17"/>
+            <p:cNvSpPr txBox="1"/>
+            <p:nvPr/>
+          </p:nvSpPr>
+          <p:spPr>
+            <a:xfrm>
+              <a:off x="9478" y="2281"/>
+              <a:ext cx="1964" cy="1113"/>
+            </a:xfrm>
+            <a:prstGeom prst="rect">
+              <a:avLst/>
+            </a:prstGeom>
+            <a:noFill/>
+          </p:spPr>
+          <p:txBody>
+            <a:bodyPr wrap="square" rtlCol="0">
+              <a:spAutoFit/>
+            </a:bodyPr>
+            <a:p>
+              <a:r>
+                <a:rPr lang="en-US" altLang="zh-CN" sz="4000">
+                  <a:solidFill>
+                    <a:schemeClr val="bg1"/>
+                  </a:solidFill>
+                  <a:latin typeface="思源黑体 CN Bold" panose="020B0800000000000000" charset="-122"/>
+                  <a:ea typeface="思源黑体 CN Bold" panose="020B0800000000000000" charset="-122"/>
+                </a:rPr>
+                <a:t>02</a:t>
+              </a:r>
+              <a:endParaRPr lang="en-US" altLang="zh-CN" sz="4000">
+                <a:solidFill>
+                  <a:schemeClr val="bg1"/>
+                </a:solidFill>
+                <a:latin typeface="思源黑体 CN Bold" panose="020B0800000000000000" charset="-122"/>
+                <a:ea typeface="思源黑体 CN Bold" panose="020B0800000000000000" charset="-122"/>
+              </a:endParaRPr>
+            </a:p>
+          </p:txBody>
+        </p:sp>
+        <p:sp>
+          <p:nvSpPr>
+            <p:cNvPr id="19" name="矩形 18"/>
+            <p:cNvSpPr/>
+            <p:nvPr/>
+          </p:nvSpPr>
+          <p:spPr>
+            <a:xfrm>
+              <a:off x="10768" y="2175"/>
+              <a:ext cx="6015" cy="1379"/>
+            </a:xfrm>
+            <a:prstGeom prst="rect">
+              <a:avLst/>
+            </a:prstGeom>
+            <a:noFill/>
+            <a:ln>
+              <a:solidFill>
+                <a:srgbClr val="1E83D5"/>
+              </a:solidFill>
+            </a:ln>
+            <a:extLst>
+              <a:ext uri="{909E8E84-426E-40DD-AFC4-6F175D3DCCD1}">
+                <a14:hiddenFill xmlns:a14="http://schemas.microsoft.com/office/drawing/2010/main">
+                  <a:solidFill>
+                    <a:schemeClr val="accent1"/>
+                  </a:solidFill>
+                </a14:hiddenFill>
+              </a:ext>
+            </a:extLst>
+          </p:spPr>
+          <p:style>
+            <a:lnRef idx="2">
+              <a:schemeClr val="accent1">
+                <a:shade val="50000"/>
+              </a:schemeClr>
+            </a:lnRef>
+            <a:fillRef idx="1">
+              <a:schemeClr val="accent1"/>
+            </a:fillRef>
+            <a:effectRef idx="0">
+              <a:schemeClr val="accent1"/>
+            </a:effectRef>
+            <a:fontRef idx="minor">
+              <a:schemeClr val="lt1"/>
+            </a:fontRef>
+          </p:style>
+          <p:txBody>
+            <a:bodyPr rtlCol="0" anchor="ctr"/>
+            <a:p>
+              <a:pPr algn="ctr"/>
+              <a:endParaRPr lang="zh-CN" altLang="en-US"/>
+            </a:p>
+          </p:txBody>
+        </p:sp>
+        <p:sp>
+          <p:nvSpPr>
+            <p:cNvPr id="20" name="文本框 19"/>
+            <p:cNvSpPr txBox="1"/>
+            <p:nvPr/>
+          </p:nvSpPr>
+          <p:spPr>
+            <a:xfrm>
+              <a:off x="11743" y="2451"/>
+              <a:ext cx="4454" cy="822"/>
+            </a:xfrm>
+            <a:prstGeom prst="rect">
+              <a:avLst/>
+            </a:prstGeom>
+            <a:noFill/>
+          </p:spPr>
+          <p:txBody>
+            <a:bodyPr wrap="square" rtlCol="0">
+              <a:spAutoFit/>
+            </a:bodyPr>
+            <a:p>
+              <a:pPr algn="dist"/>
+              <a:r>
+                <a:rPr lang="zh-CN" altLang="en-US" sz="2800">
+                  <a:solidFill>
+                    <a:srgbClr val="1E83D5"/>
+                  </a:solidFill>
+                  <a:latin typeface="思源黑体 CN Bold" panose="020B0800000000000000" charset="-122"/>
+                  <a:ea typeface="思源黑体 CN Bold" panose="020B0800000000000000" charset="-122"/>
+                </a:rPr>
+                <a:t>签名的</a:t>
+              </a:r>
+              <a:r>
+                <a:rPr lang="zh-CN" altLang="en-US" sz="2800">
+                  <a:solidFill>
+                    <a:srgbClr val="1E83D5"/>
+                  </a:solidFill>
+                  <a:latin typeface="思源黑体 CN Bold" panose="020B0800000000000000" charset="-122"/>
+                  <a:ea typeface="思源黑体 CN Bold" panose="020B0800000000000000" charset="-122"/>
+                </a:rPr>
+                <a:t>设计</a:t>
+              </a:r>
+              <a:endParaRPr lang="zh-CN" altLang="en-US" sz="2800">
+                <a:solidFill>
+                  <a:srgbClr val="1E83D5"/>
+                </a:solidFill>
+                <a:latin typeface="思源黑体 CN Bold" panose="020B0800000000000000" charset="-122"/>
+                <a:ea typeface="思源黑体 CN Bold" panose="020B0800000000000000" charset="-122"/>
+              </a:endParaRPr>
+            </a:p>
+          </p:txBody>
+        </p:sp>
+      </p:grpSp>
+      <p:grpSp>
+        <p:nvGrpSpPr>
+          <p:cNvPr id="2" name="组合 1"/>
+          <p:cNvGrpSpPr/>
+          <p:nvPr/>
+        </p:nvGrpSpPr>
+        <p:grpSpPr>
+          <a:xfrm>
+            <a:off x="5916930" y="4375785"/>
+            <a:ext cx="4744085" cy="923290"/>
+            <a:chOff x="9312" y="2130"/>
+            <a:chExt cx="7471" cy="1454"/>
+          </a:xfrm>
+        </p:grpSpPr>
+        <p:sp>
+          <p:nvSpPr>
+            <p:cNvPr id="3" name="圆角矩形 2"/>
+            <p:cNvSpPr/>
+            <p:nvPr/>
+          </p:nvSpPr>
+          <p:spPr>
+            <a:xfrm>
+              <a:off x="9312" y="2130"/>
+              <a:ext cx="1681" cy="1454"/>
+            </a:xfrm>
+            <a:prstGeom prst="roundRect">
+              <a:avLst/>
+            </a:prstGeom>
+            <a:solidFill>
+              <a:srgbClr val="1E83D5"/>
+            </a:solidFill>
+            <a:ln>
+              <a:noFill/>
+            </a:ln>
+          </p:spPr>
+          <p:style>
+            <a:lnRef idx="2">
+              <a:schemeClr val="accent1">
+                <a:shade val="50000"/>
+              </a:schemeClr>
+            </a:lnRef>
+            <a:fillRef idx="1">
+              <a:schemeClr val="accent1"/>
+            </a:fillRef>
+            <a:effectRef idx="0">
+              <a:schemeClr val="accent1"/>
+            </a:effectRef>
+            <a:fontRef idx="minor">
+              <a:schemeClr val="lt1"/>
+            </a:fontRef>
+          </p:style>
+          <p:txBody>
+            <a:bodyPr rtlCol="0" anchor="ctr"/>
+            <a:p>
+              <a:pPr algn="ctr"/>
+              <a:endParaRPr lang="zh-CN" altLang="en-US"/>
+            </a:p>
+          </p:txBody>
+        </p:sp>
+        <p:sp>
+          <p:nvSpPr>
+            <p:cNvPr id="5" name="文本框 4"/>
+            <p:cNvSpPr txBox="1"/>
+            <p:nvPr/>
+          </p:nvSpPr>
+          <p:spPr>
+            <a:xfrm>
+              <a:off x="9478" y="2281"/>
+              <a:ext cx="1964" cy="1113"/>
+            </a:xfrm>
+            <a:prstGeom prst="rect">
+              <a:avLst/>
+            </a:prstGeom>
+            <a:noFill/>
+          </p:spPr>
+          <p:txBody>
+            <a:bodyPr wrap="square" rtlCol="0">
+              <a:spAutoFit/>
+            </a:bodyPr>
+            <a:p>
+              <a:r>
+                <a:rPr lang="en-US" altLang="zh-CN" sz="4000">
+                  <a:solidFill>
+                    <a:schemeClr val="bg1"/>
+                  </a:solidFill>
+                  <a:latin typeface="思源黑体 CN Bold" panose="020B0800000000000000" charset="-122"/>
+                  <a:ea typeface="思源黑体 CN Bold" panose="020B0800000000000000" charset="-122"/>
+                </a:rPr>
+                <a:t>02</a:t>
+              </a:r>
+              <a:endParaRPr lang="en-US" altLang="zh-CN" sz="4000">
+                <a:solidFill>
+                  <a:schemeClr val="bg1"/>
+                </a:solidFill>
+                <a:latin typeface="思源黑体 CN Bold" panose="020B0800000000000000" charset="-122"/>
+                <a:ea typeface="思源黑体 CN Bold" panose="020B0800000000000000" charset="-122"/>
+              </a:endParaRPr>
+            </a:p>
+          </p:txBody>
+        </p:sp>
+        <p:sp>
+          <p:nvSpPr>
+            <p:cNvPr id="6" name="矩形 5"/>
+            <p:cNvSpPr/>
+            <p:nvPr/>
+          </p:nvSpPr>
+          <p:spPr>
+            <a:xfrm>
+              <a:off x="10768" y="2175"/>
+              <a:ext cx="6015" cy="1379"/>
+            </a:xfrm>
+            <a:prstGeom prst="rect">
+              <a:avLst/>
+            </a:prstGeom>
+            <a:noFill/>
+            <a:ln>
+              <a:solidFill>
+                <a:srgbClr val="1E83D5"/>
+              </a:solidFill>
+            </a:ln>
+            <a:extLst>
+              <a:ext uri="{909E8E84-426E-40DD-AFC4-6F175D3DCCD1}">
+                <a14:hiddenFill xmlns:a14="http://schemas.microsoft.com/office/drawing/2010/main">
+                  <a:solidFill>
+                    <a:schemeClr val="accent1"/>
+                  </a:solidFill>
+                </a14:hiddenFill>
+              </a:ext>
+            </a:extLst>
+          </p:spPr>
+          <p:style>
+            <a:lnRef idx="2">
+              <a:schemeClr val="accent1">
+                <a:shade val="50000"/>
+              </a:schemeClr>
+            </a:lnRef>
+            <a:fillRef idx="1">
+              <a:schemeClr val="accent1"/>
+            </a:fillRef>
+            <a:effectRef idx="0">
+              <a:schemeClr val="accent1"/>
+            </a:effectRef>
+            <a:fontRef idx="minor">
+              <a:schemeClr val="lt1"/>
+            </a:fontRef>
+          </p:style>
+          <p:txBody>
+            <a:bodyPr rtlCol="0" anchor="ctr"/>
+            <a:p>
+              <a:pPr algn="ctr"/>
+              <a:endParaRPr lang="zh-CN" altLang="en-US"/>
+            </a:p>
+          </p:txBody>
+        </p:sp>
+        <p:sp>
+          <p:nvSpPr>
+            <p:cNvPr id="8" name="文本框 7"/>
+            <p:cNvSpPr txBox="1"/>
+            <p:nvPr/>
+          </p:nvSpPr>
+          <p:spPr>
+            <a:xfrm>
+              <a:off x="11885" y="2454"/>
+              <a:ext cx="4454" cy="822"/>
+            </a:xfrm>
+            <a:prstGeom prst="rect">
+              <a:avLst/>
+            </a:prstGeom>
+            <a:noFill/>
+          </p:spPr>
+          <p:txBody>
+            <a:bodyPr wrap="square" rtlCol="0">
+              <a:spAutoFit/>
+            </a:bodyPr>
+            <a:p>
+              <a:pPr algn="dist"/>
+              <a:r>
+                <a:rPr lang="zh-CN" altLang="en-US" sz="2800">
+                  <a:solidFill>
+                    <a:srgbClr val="1E83D5"/>
+                  </a:solidFill>
+                  <a:latin typeface="思源黑体 CN Bold" panose="020B0800000000000000" charset="-122"/>
+                  <a:ea typeface="思源黑体 CN Bold" panose="020B0800000000000000" charset="-122"/>
+                </a:rPr>
+                <a:t>具体</a:t>
+              </a:r>
+              <a:r>
+                <a:rPr lang="zh-CN" altLang="en-US" sz="2800">
+                  <a:solidFill>
+                    <a:srgbClr val="1E83D5"/>
+                  </a:solidFill>
+                  <a:latin typeface="思源黑体 CN Bold" panose="020B0800000000000000" charset="-122"/>
+                  <a:ea typeface="思源黑体 CN Bold" panose="020B0800000000000000" charset="-122"/>
+                </a:rPr>
+                <a:t>实现</a:t>
+              </a:r>
+              <a:endParaRPr lang="zh-CN" altLang="en-US" sz="2800">
+                <a:solidFill>
+                  <a:srgbClr val="1E83D5"/>
+                </a:solidFill>
+                <a:latin typeface="思源黑体 CN Bold" panose="020B0800000000000000" charset="-122"/>
+                <a:ea typeface="思源黑体 CN Bold" panose="020B0800000000000000" charset="-122"/>
+              </a:endParaRPr>
+            </a:p>
+          </p:txBody>
+        </p:sp>
+      </p:grpSp>
+    </p:spTree>
+    <p:custDataLst>
+      <p:tags r:id="rId1"/>
+    </p:custDataLst>
+  </p:cSld>
+  <p:clrMapOvr>
+    <a:masterClrMapping/>
+  </p:clrMapOvr>
+</p:sld>
+</file>
+
+<file path=ppt/slides/slide20.xml><?xml version="1.0" encoding="utf-8"?>
 <p:sld xmlns:a="http://schemas.openxmlformats.org/drawingml/2006/main" xmlns:r="http://schemas.openxmlformats.org/officeDocument/2006/relationships" xmlns:p="http://schemas.openxmlformats.org/presentationml/2006/main">
   <p:cSld>
     <p:bg>
@@ -9806,9 +13921,9 @@
                   <a:ea typeface="江城圆体 600W" panose="020B0800000000000000" charset="-122"/>
                   <a:sym typeface="+mn-ea"/>
                 </a:rPr>
-                <a:t>2023</a:t>
+                <a:t>2023-08</a:t>
               </a:r>
-              <a:endParaRPr lang="en-US" altLang="zh-CN">
+              <a:endParaRPr lang="zh-CN" altLang="en-US">
                 <a:solidFill>
                   <a:srgbClr val="1E83D5"/>
                 </a:solidFill>
@@ -10087,7 +14202,7 @@
 </p:sld>
 </file>
 
-<file path=ppt/slides/slide2.xml><?xml version="1.0" encoding="utf-8"?>
+<file path=ppt/slides/slide3.xml><?xml version="1.0" encoding="utf-8"?>
 <p:sld xmlns:a="http://schemas.openxmlformats.org/drawingml/2006/main" xmlns:r="http://schemas.openxmlformats.org/officeDocument/2006/relationships" xmlns:p="http://schemas.openxmlformats.org/presentationml/2006/main">
   <p:cSld>
     <p:spTree>
@@ -10097,175 +14212,78 @@
         <p:nvPr/>
       </p:nvGrpSpPr>
       <p:grpSpPr/>
-      <p:sp>
-        <p:nvSpPr>
-          <p:cNvPr id="4" name="文本框 3"/>
-          <p:cNvSpPr txBox="1"/>
-          <p:nvPr/>
-        </p:nvSpPr>
-        <p:spPr>
-          <a:xfrm>
-            <a:off x="1446530" y="2479675"/>
-            <a:ext cx="1990090" cy="1014730"/>
-          </a:xfrm>
-          <a:prstGeom prst="rect">
-            <a:avLst/>
-          </a:prstGeom>
-          <a:noFill/>
-        </p:spPr>
-        <p:txBody>
-          <a:bodyPr wrap="square" rtlCol="0">
-            <a:spAutoFit/>
-          </a:bodyPr>
-          <a:p>
-            <a:pPr algn="dist"/>
-            <a:r>
-              <a:rPr lang="zh-CN" altLang="en-US" sz="6000">
-                <a:solidFill>
-                  <a:schemeClr val="bg1"/>
-                </a:solidFill>
-                <a:latin typeface="思源黑体 CN Bold" panose="020B0800000000000000" charset="-122"/>
-                <a:ea typeface="思源黑体 CN Bold" panose="020B0800000000000000" charset="-122"/>
-              </a:rPr>
-              <a:t>目录</a:t>
-            </a:r>
-            <a:endParaRPr lang="zh-CN" altLang="en-US" sz="6000">
-              <a:solidFill>
-                <a:schemeClr val="bg1"/>
-              </a:solidFill>
-              <a:latin typeface="思源黑体 CN Bold" panose="020B0800000000000000" charset="-122"/>
-              <a:ea typeface="思源黑体 CN Bold" panose="020B0800000000000000" charset="-122"/>
-            </a:endParaRPr>
-          </a:p>
-        </p:txBody>
-      </p:sp>
-      <p:sp>
-        <p:nvSpPr>
-          <p:cNvPr id="7" name="文本框 6"/>
-          <p:cNvSpPr txBox="1"/>
-          <p:nvPr/>
-        </p:nvSpPr>
-        <p:spPr>
-          <a:xfrm>
-            <a:off x="884555" y="3658235"/>
-            <a:ext cx="3362325" cy="829945"/>
-          </a:xfrm>
-          <a:prstGeom prst="rect">
-            <a:avLst/>
-          </a:prstGeom>
-          <a:noFill/>
-        </p:spPr>
-        <p:txBody>
-          <a:bodyPr wrap="square" rtlCol="0">
-            <a:spAutoFit/>
-          </a:bodyPr>
-          <a:p>
-            <a:pPr algn="ctr"/>
-            <a:r>
-              <a:rPr lang="en-US" altLang="zh-CN" sz="4800" b="1" dirty="0">
-                <a:solidFill>
-                  <a:schemeClr val="bg1"/>
-                </a:solidFill>
-                <a:effectLst>
-                  <a:outerShdw blurRad="38100" dist="38100" dir="2700000" algn="tl">
-                    <a:srgbClr val="000000">
-                      <a:alpha val="43137"/>
-                    </a:srgbClr>
-                  </a:outerShdw>
-                </a:effectLst>
-                <a:latin typeface="Roboto Black" panose="02000000000000000000" charset="0"/>
-                <a:cs typeface="Roboto Black" panose="02000000000000000000" charset="0"/>
-                <a:sym typeface="+mn-ea"/>
-              </a:rPr>
-              <a:t>CONTENTS</a:t>
-            </a:r>
-            <a:endParaRPr lang="en-US" altLang="zh-CN" sz="4800" b="1" dirty="0">
-              <a:solidFill>
-                <a:schemeClr val="bg1"/>
-              </a:solidFill>
-              <a:effectLst>
-                <a:outerShdw blurRad="38100" dist="38100" dir="2700000" algn="tl">
-                  <a:srgbClr val="000000">
-                    <a:alpha val="43137"/>
-                  </a:srgbClr>
-                </a:outerShdw>
-              </a:effectLst>
-              <a:latin typeface="Roboto Black" panose="02000000000000000000" charset="0"/>
-              <a:cs typeface="Roboto Black" panose="02000000000000000000" charset="0"/>
-              <a:sym typeface="+mn-ea"/>
-            </a:endParaRPr>
-          </a:p>
-        </p:txBody>
-      </p:sp>
       <p:grpSp>
         <p:nvGrpSpPr>
-          <p:cNvPr id="15" name="组合 14"/>
+          <p:cNvPr id="9" name="组合 8"/>
           <p:cNvGrpSpPr/>
           <p:nvPr/>
         </p:nvGrpSpPr>
         <p:grpSpPr>
           <a:xfrm>
-            <a:off x="5916930" y="1689100"/>
-            <a:ext cx="4744085" cy="923290"/>
-            <a:chOff x="9312" y="2130"/>
-            <a:chExt cx="7471" cy="1454"/>
+            <a:off x="2309495" y="530860"/>
+            <a:ext cx="7476490" cy="768350"/>
+            <a:chOff x="3709" y="957"/>
+            <a:chExt cx="11774" cy="1210"/>
           </a:xfrm>
         </p:grpSpPr>
-        <p:sp>
-          <p:nvSpPr>
-            <p:cNvPr id="9" name="圆角矩形 8"/>
-            <p:cNvSpPr/>
+        <p:cxnSp>
+          <p:nvCxnSpPr>
+            <p:cNvPr id="2" name="直接连接符 1"/>
+            <p:cNvCxnSpPr/>
             <p:nvPr/>
-          </p:nvSpPr>
+          </p:nvCxnSpPr>
           <p:spPr>
             <a:xfrm>
-              <a:off x="9312" y="2130"/>
-              <a:ext cx="1681" cy="1454"/>
+              <a:off x="3709" y="1605"/>
+              <a:ext cx="2705" cy="0"/>
             </a:xfrm>
-            <a:prstGeom prst="roundRect">
+            <a:prstGeom prst="line">
               <a:avLst/>
             </a:prstGeom>
-            <a:solidFill>
-              <a:srgbClr val="1E83D5"/>
-            </a:solidFill>
             <a:ln>
-              <a:noFill/>
+              <a:gradFill>
+                <a:gsLst>
+                  <a:gs pos="0">
+                    <a:srgbClr val="C2E0F7">
+                      <a:alpha val="80000"/>
+                    </a:srgbClr>
+                  </a:gs>
+                  <a:gs pos="100000">
+                    <a:srgbClr val="1E83D5"/>
+                  </a:gs>
+                </a:gsLst>
+                <a:path path="circle">
+                  <a:fillToRect t="100000" r="100000"/>
+                </a:path>
+                <a:tileRect l="-100000" b="-100000"/>
+              </a:gradFill>
             </a:ln>
           </p:spPr>
           <p:style>
-            <a:lnRef idx="2">
-              <a:schemeClr val="accent1">
-                <a:shade val="50000"/>
-              </a:schemeClr>
+            <a:lnRef idx="1">
+              <a:schemeClr val="accent1"/>
             </a:lnRef>
-            <a:fillRef idx="1">
+            <a:fillRef idx="0">
               <a:schemeClr val="accent1"/>
             </a:fillRef>
             <a:effectRef idx="0">
               <a:schemeClr val="accent1"/>
             </a:effectRef>
             <a:fontRef idx="minor">
-              <a:schemeClr val="lt1"/>
+              <a:schemeClr val="tx1"/>
             </a:fontRef>
           </p:style>
-          <p:txBody>
-            <a:bodyPr rtlCol="0" anchor="ctr"/>
-            <a:p>
-              <a:pPr algn="ctr"/>
-              <a:endParaRPr lang="zh-CN" altLang="en-US"/>
-            </a:p>
-          </p:txBody>
-        </p:sp>
+        </p:cxnSp>
         <p:sp>
           <p:nvSpPr>
-            <p:cNvPr id="10" name="文本框 9"/>
+            <p:cNvPr id="12" name="文本框 11"/>
             <p:cNvSpPr txBox="1"/>
             <p:nvPr/>
           </p:nvSpPr>
           <p:spPr>
             <a:xfrm>
-              <a:off x="9478" y="2281"/>
-              <a:ext cx="1964" cy="1113"/>
+              <a:off x="7189" y="957"/>
+              <a:ext cx="8294" cy="1210"/>
             </a:xfrm>
             <a:prstGeom prst="rect">
               <a:avLst/>
@@ -10277,19 +14295,50 @@
               <a:spAutoFit/>
             </a:bodyPr>
             <a:p>
+              <a:pPr algn="just"/>
               <a:r>
-                <a:rPr lang="en-US" altLang="zh-CN" sz="4000">
+                <a:rPr lang="en-US" altLang="zh-CN" sz="4400">
                   <a:solidFill>
-                    <a:schemeClr val="bg1"/>
+                    <a:srgbClr val="1E83D5"/>
                   </a:solidFill>
                   <a:latin typeface="思源黑体 CN Bold" panose="020B0800000000000000" charset="-122"/>
                   <a:ea typeface="思源黑体 CN Bold" panose="020B0800000000000000" charset="-122"/>
                 </a:rPr>
-                <a:t>01</a:t>
+                <a:t> </a:t>
               </a:r>
-              <a:endParaRPr lang="en-US" altLang="zh-CN" sz="4000">
-                <a:solidFill>
-                  <a:schemeClr val="bg1"/>
+              <a:r>
+                <a:rPr lang="zh-CN" altLang="en-US" sz="4400">
+                  <a:solidFill>
+                    <a:srgbClr val="1E83D5"/>
+                  </a:solidFill>
+                  <a:latin typeface="思源黑体 CN Bold" panose="020B0800000000000000" charset="-122"/>
+                  <a:ea typeface="思源黑体 CN Bold" panose="020B0800000000000000" charset="-122"/>
+                </a:rPr>
+                <a:t>概</a:t>
+              </a:r>
+              <a:r>
+                <a:rPr lang="en-US" altLang="zh-CN" sz="4400">
+                  <a:solidFill>
+                    <a:srgbClr val="1E83D5"/>
+                  </a:solidFill>
+                  <a:latin typeface="思源黑体 CN Bold" panose="020B0800000000000000" charset="-122"/>
+                  <a:ea typeface="思源黑体 CN Bold" panose="020B0800000000000000" charset="-122"/>
+                </a:rPr>
+                <a:t>   </a:t>
+              </a:r>
+              <a:r>
+                <a:rPr lang="zh-CN" altLang="en-US" sz="4400">
+                  <a:solidFill>
+                    <a:srgbClr val="1E83D5"/>
+                  </a:solidFill>
+                  <a:latin typeface="思源黑体 CN Bold" panose="020B0800000000000000" charset="-122"/>
+                  <a:ea typeface="思源黑体 CN Bold" panose="020B0800000000000000" charset="-122"/>
+                </a:rPr>
+                <a:t>论</a:t>
+              </a:r>
+              <a:endParaRPr lang="zh-CN" altLang="en-US" sz="4400">
+                <a:solidFill>
+                  <a:srgbClr val="1E83D5"/>
                 </a:solidFill>
                 <a:latin typeface="思源黑体 CN Bold" panose="020B0800000000000000" charset="-122"/>
                 <a:ea typeface="思源黑体 CN Bold" panose="020B0800000000000000" charset="-122"/>
@@ -10297,558 +14346,90 @@
             </a:p>
           </p:txBody>
         </p:sp>
-        <p:sp>
-          <p:nvSpPr>
-            <p:cNvPr id="11" name="矩形 10"/>
-            <p:cNvSpPr/>
+        <p:cxnSp>
+          <p:nvCxnSpPr>
+            <p:cNvPr id="8" name="直接连接符 7"/>
+            <p:cNvCxnSpPr/>
             <p:nvPr/>
-          </p:nvSpPr>
+          </p:nvCxnSpPr>
           <p:spPr>
-            <a:xfrm>
-              <a:off x="10768" y="2175"/>
-              <a:ext cx="6015" cy="1379"/>
+            <a:xfrm flipH="1">
+              <a:off x="12604" y="1562"/>
+              <a:ext cx="2705" cy="0"/>
             </a:xfrm>
-            <a:prstGeom prst="rect">
+            <a:prstGeom prst="line">
               <a:avLst/>
             </a:prstGeom>
-            <a:noFill/>
             <a:ln>
-              <a:solidFill>
-                <a:srgbClr val="1E83D5"/>
-              </a:solidFill>
+              <a:gradFill>
+                <a:gsLst>
+                  <a:gs pos="0">
+                    <a:srgbClr val="C2E0F7">
+                      <a:alpha val="80000"/>
+                    </a:srgbClr>
+                  </a:gs>
+                  <a:gs pos="100000">
+                    <a:srgbClr val="1E83D5"/>
+                  </a:gs>
+                </a:gsLst>
+                <a:path path="circle">
+                  <a:fillToRect t="100000" r="100000"/>
+                </a:path>
+                <a:tileRect l="-100000" b="-100000"/>
+              </a:gradFill>
             </a:ln>
-            <a:extLst>
-              <a:ext uri="{909E8E84-426E-40DD-AFC4-6F175D3DCCD1}">
-                <a14:hiddenFill xmlns:a14="http://schemas.microsoft.com/office/drawing/2010/main">
-                  <a:solidFill>
-                    <a:schemeClr val="accent1"/>
-                  </a:solidFill>
-                </a14:hiddenFill>
-              </a:ext>
-            </a:extLst>
           </p:spPr>
           <p:style>
-            <a:lnRef idx="2">
-              <a:schemeClr val="accent1">
-                <a:shade val="50000"/>
-              </a:schemeClr>
+            <a:lnRef idx="1">
+              <a:schemeClr val="accent1"/>
             </a:lnRef>
-            <a:fillRef idx="1">
+            <a:fillRef idx="0">
               <a:schemeClr val="accent1"/>
             </a:fillRef>
             <a:effectRef idx="0">
               <a:schemeClr val="accent1"/>
             </a:effectRef>
             <a:fontRef idx="minor">
-              <a:schemeClr val="lt1"/>
+              <a:schemeClr val="tx1"/>
             </a:fontRef>
           </p:style>
-          <p:txBody>
-            <a:bodyPr rtlCol="0" anchor="ctr"/>
-            <a:p>
-              <a:pPr algn="ctr"/>
-              <a:endParaRPr lang="zh-CN" altLang="en-US"/>
-            </a:p>
-          </p:txBody>
-        </p:sp>
-        <p:sp>
-          <p:nvSpPr>
-            <p:cNvPr id="12" name="文本框 11"/>
-            <p:cNvSpPr txBox="1"/>
-            <p:nvPr/>
-          </p:nvSpPr>
-          <p:spPr>
-            <a:xfrm>
-              <a:off x="11743" y="2572"/>
-              <a:ext cx="4215" cy="822"/>
-            </a:xfrm>
-            <a:prstGeom prst="rect">
-              <a:avLst/>
-            </a:prstGeom>
-            <a:noFill/>
-          </p:spPr>
-          <p:txBody>
-            <a:bodyPr wrap="square" rtlCol="0">
-              <a:spAutoFit/>
-            </a:bodyPr>
-            <a:p>
-              <a:pPr algn="dist"/>
-              <a:r>
-                <a:rPr lang="zh-CN" altLang="en-US" sz="2800">
-                  <a:solidFill>
-                    <a:srgbClr val="1E83D5"/>
-                  </a:solidFill>
-                  <a:latin typeface="思源黑体 CN Bold" panose="020B0800000000000000" charset="-122"/>
-                  <a:ea typeface="思源黑体 CN Bold" panose="020B0800000000000000" charset="-122"/>
-                </a:rPr>
-                <a:t>安全考量</a:t>
-              </a:r>
-              <a:r>
-                <a:rPr lang="zh-CN" altLang="en-US" sz="2800">
-                  <a:solidFill>
-                    <a:srgbClr val="1E83D5"/>
-                  </a:solidFill>
-                  <a:latin typeface="思源黑体 CN Bold" panose="020B0800000000000000" charset="-122"/>
-                  <a:ea typeface="思源黑体 CN Bold" panose="020B0800000000000000" charset="-122"/>
-                </a:rPr>
-                <a:t>点</a:t>
-              </a:r>
-              <a:endParaRPr lang="zh-CN" altLang="en-US" sz="2800">
-                <a:solidFill>
-                  <a:srgbClr val="1E83D5"/>
-                </a:solidFill>
-                <a:latin typeface="思源黑体 CN Bold" panose="020B0800000000000000" charset="-122"/>
-                <a:ea typeface="思源黑体 CN Bold" panose="020B0800000000000000" charset="-122"/>
-              </a:endParaRPr>
-            </a:p>
-          </p:txBody>
-        </p:sp>
+        </p:cxnSp>
       </p:grpSp>
-      <p:grpSp>
-        <p:nvGrpSpPr>
-          <p:cNvPr id="16" name="组合 15"/>
-          <p:cNvGrpSpPr/>
+      <p:pic>
+        <p:nvPicPr>
+          <p:cNvPr id="10" name="图片 9" descr="&amp;pky300_sjzg_VCG41N694793806_sjzg_VCG41N694793806&amp;"/>
+          <p:cNvPicPr>
+            <a:picLocks noChangeAspect="1"/>
+          </p:cNvPicPr>
           <p:nvPr/>
-        </p:nvGrpSpPr>
-        <p:grpSpPr>
+        </p:nvPicPr>
+        <p:blipFill>
+          <a:blip r:embed="rId1"/>
+          <a:srcRect/>
+          <a:stretch>
+            <a:fillRect/>
+          </a:stretch>
+        </p:blipFill>
+        <p:spPr>
           <a:xfrm>
-            <a:off x="5916930" y="2967355"/>
-            <a:ext cx="4744085" cy="923290"/>
-            <a:chOff x="9312" y="2130"/>
-            <a:chExt cx="7471" cy="1454"/>
+            <a:off x="1558290" y="2002790"/>
+            <a:ext cx="3453130" cy="4215130"/>
           </a:xfrm>
-        </p:grpSpPr>
-        <p:sp>
-          <p:nvSpPr>
-            <p:cNvPr id="17" name="圆角矩形 16"/>
-            <p:cNvSpPr/>
-            <p:nvPr/>
-          </p:nvSpPr>
-          <p:spPr>
-            <a:xfrm>
-              <a:off x="9312" y="2130"/>
-              <a:ext cx="1681" cy="1454"/>
-            </a:xfrm>
-            <a:prstGeom prst="roundRect">
-              <a:avLst/>
-            </a:prstGeom>
-            <a:solidFill>
-              <a:srgbClr val="1E83D5"/>
-            </a:solidFill>
-            <a:ln>
-              <a:noFill/>
-            </a:ln>
-          </p:spPr>
-          <p:style>
-            <a:lnRef idx="2">
-              <a:schemeClr val="accent1">
-                <a:shade val="50000"/>
-              </a:schemeClr>
-            </a:lnRef>
-            <a:fillRef idx="1">
-              <a:schemeClr val="accent1"/>
-            </a:fillRef>
-            <a:effectRef idx="0">
-              <a:schemeClr val="accent1"/>
-            </a:effectRef>
-            <a:fontRef idx="minor">
-              <a:schemeClr val="lt1"/>
-            </a:fontRef>
-          </p:style>
-          <p:txBody>
-            <a:bodyPr rtlCol="0" anchor="ctr"/>
-            <a:p>
-              <a:pPr algn="ctr"/>
-              <a:endParaRPr lang="zh-CN" altLang="en-US"/>
-            </a:p>
-          </p:txBody>
-        </p:sp>
-        <p:sp>
-          <p:nvSpPr>
-            <p:cNvPr id="18" name="文本框 17"/>
-            <p:cNvSpPr txBox="1"/>
-            <p:nvPr/>
-          </p:nvSpPr>
-          <p:spPr>
-            <a:xfrm>
-              <a:off x="9478" y="2281"/>
-              <a:ext cx="1964" cy="1113"/>
-            </a:xfrm>
-            <a:prstGeom prst="rect">
-              <a:avLst/>
-            </a:prstGeom>
-            <a:noFill/>
-          </p:spPr>
-          <p:txBody>
-            <a:bodyPr wrap="square" rtlCol="0">
-              <a:spAutoFit/>
-            </a:bodyPr>
-            <a:p>
-              <a:r>
-                <a:rPr lang="en-US" altLang="zh-CN" sz="4000">
-                  <a:solidFill>
-                    <a:schemeClr val="bg1"/>
-                  </a:solidFill>
-                  <a:latin typeface="思源黑体 CN Bold" panose="020B0800000000000000" charset="-122"/>
-                  <a:ea typeface="思源黑体 CN Bold" panose="020B0800000000000000" charset="-122"/>
-                </a:rPr>
-                <a:t>02</a:t>
-              </a:r>
-              <a:endParaRPr lang="en-US" altLang="zh-CN" sz="4000">
-                <a:solidFill>
-                  <a:schemeClr val="bg1"/>
-                </a:solidFill>
-                <a:latin typeface="思源黑体 CN Bold" panose="020B0800000000000000" charset="-122"/>
-                <a:ea typeface="思源黑体 CN Bold" panose="020B0800000000000000" charset="-122"/>
-              </a:endParaRPr>
-            </a:p>
-          </p:txBody>
-        </p:sp>
-        <p:sp>
-          <p:nvSpPr>
-            <p:cNvPr id="19" name="矩形 18"/>
-            <p:cNvSpPr/>
-            <p:nvPr/>
-          </p:nvSpPr>
-          <p:spPr>
-            <a:xfrm>
-              <a:off x="10768" y="2175"/>
-              <a:ext cx="6015" cy="1379"/>
-            </a:xfrm>
-            <a:prstGeom prst="rect">
-              <a:avLst/>
-            </a:prstGeom>
-            <a:noFill/>
-            <a:ln>
-              <a:solidFill>
-                <a:srgbClr val="1E83D5"/>
-              </a:solidFill>
-            </a:ln>
-            <a:extLst>
-              <a:ext uri="{909E8E84-426E-40DD-AFC4-6F175D3DCCD1}">
-                <a14:hiddenFill xmlns:a14="http://schemas.microsoft.com/office/drawing/2010/main">
-                  <a:solidFill>
-                    <a:schemeClr val="accent1"/>
-                  </a:solidFill>
-                </a14:hiddenFill>
-              </a:ext>
-            </a:extLst>
-          </p:spPr>
-          <p:style>
-            <a:lnRef idx="2">
-              <a:schemeClr val="accent1">
-                <a:shade val="50000"/>
-              </a:schemeClr>
-            </a:lnRef>
-            <a:fillRef idx="1">
-              <a:schemeClr val="accent1"/>
-            </a:fillRef>
-            <a:effectRef idx="0">
-              <a:schemeClr val="accent1"/>
-            </a:effectRef>
-            <a:fontRef idx="minor">
-              <a:schemeClr val="lt1"/>
-            </a:fontRef>
-          </p:style>
-          <p:txBody>
-            <a:bodyPr rtlCol="0" anchor="ctr"/>
-            <a:p>
-              <a:pPr algn="ctr"/>
-              <a:endParaRPr lang="zh-CN" altLang="en-US"/>
-            </a:p>
-          </p:txBody>
-        </p:sp>
-        <p:sp>
-          <p:nvSpPr>
-            <p:cNvPr id="20" name="文本框 19"/>
-            <p:cNvSpPr txBox="1"/>
-            <p:nvPr/>
-          </p:nvSpPr>
-          <p:spPr>
-            <a:xfrm>
-              <a:off x="11743" y="2451"/>
-              <a:ext cx="4454" cy="822"/>
-            </a:xfrm>
-            <a:prstGeom prst="rect">
-              <a:avLst/>
-            </a:prstGeom>
-            <a:noFill/>
-          </p:spPr>
-          <p:txBody>
-            <a:bodyPr wrap="square" rtlCol="0">
-              <a:spAutoFit/>
-            </a:bodyPr>
-            <a:p>
-              <a:pPr algn="dist"/>
-              <a:r>
-                <a:rPr lang="zh-CN" altLang="en-US" sz="2800">
-                  <a:solidFill>
-                    <a:srgbClr val="1E83D5"/>
-                  </a:solidFill>
-                  <a:latin typeface="思源黑体 CN Bold" panose="020B0800000000000000" charset="-122"/>
-                  <a:ea typeface="思源黑体 CN Bold" panose="020B0800000000000000" charset="-122"/>
-                </a:rPr>
-                <a:t>签名的</a:t>
-              </a:r>
-              <a:r>
-                <a:rPr lang="zh-CN" altLang="en-US" sz="2800">
-                  <a:solidFill>
-                    <a:srgbClr val="1E83D5"/>
-                  </a:solidFill>
-                  <a:latin typeface="思源黑体 CN Bold" panose="020B0800000000000000" charset="-122"/>
-                  <a:ea typeface="思源黑体 CN Bold" panose="020B0800000000000000" charset="-122"/>
-                </a:rPr>
-                <a:t>设计</a:t>
-              </a:r>
-              <a:endParaRPr lang="zh-CN" altLang="en-US" sz="2800">
-                <a:solidFill>
-                  <a:srgbClr val="1E83D5"/>
-                </a:solidFill>
-                <a:latin typeface="思源黑体 CN Bold" panose="020B0800000000000000" charset="-122"/>
-                <a:ea typeface="思源黑体 CN Bold" panose="020B0800000000000000" charset="-122"/>
-              </a:endParaRPr>
-            </a:p>
-          </p:txBody>
-        </p:sp>
-      </p:grpSp>
-      <p:grpSp>
-        <p:nvGrpSpPr>
-          <p:cNvPr id="2" name="组合 1"/>
-          <p:cNvGrpSpPr/>
-          <p:nvPr/>
-        </p:nvGrpSpPr>
-        <p:grpSpPr>
-          <a:xfrm>
-            <a:off x="5916930" y="4375785"/>
-            <a:ext cx="4744085" cy="923290"/>
-            <a:chOff x="9312" y="2130"/>
-            <a:chExt cx="7471" cy="1454"/>
-          </a:xfrm>
-        </p:grpSpPr>
-        <p:sp>
-          <p:nvSpPr>
-            <p:cNvPr id="3" name="圆角矩形 2"/>
-            <p:cNvSpPr/>
-            <p:nvPr/>
-          </p:nvSpPr>
-          <p:spPr>
-            <a:xfrm>
-              <a:off x="9312" y="2130"/>
-              <a:ext cx="1681" cy="1454"/>
-            </a:xfrm>
-            <a:prstGeom prst="roundRect">
-              <a:avLst/>
-            </a:prstGeom>
-            <a:solidFill>
-              <a:srgbClr val="1E83D5"/>
-            </a:solidFill>
-            <a:ln>
-              <a:noFill/>
-            </a:ln>
-          </p:spPr>
-          <p:style>
-            <a:lnRef idx="2">
-              <a:schemeClr val="accent1">
-                <a:shade val="50000"/>
-              </a:schemeClr>
-            </a:lnRef>
-            <a:fillRef idx="1">
-              <a:schemeClr val="accent1"/>
-            </a:fillRef>
-            <a:effectRef idx="0">
-              <a:schemeClr val="accent1"/>
-            </a:effectRef>
-            <a:fontRef idx="minor">
-              <a:schemeClr val="lt1"/>
-            </a:fontRef>
-          </p:style>
-          <p:txBody>
-            <a:bodyPr rtlCol="0" anchor="ctr"/>
-            <a:p>
-              <a:pPr algn="ctr"/>
-              <a:endParaRPr lang="zh-CN" altLang="en-US"/>
-            </a:p>
-          </p:txBody>
-        </p:sp>
-        <p:sp>
-          <p:nvSpPr>
-            <p:cNvPr id="5" name="文本框 4"/>
-            <p:cNvSpPr txBox="1"/>
-            <p:nvPr/>
-          </p:nvSpPr>
-          <p:spPr>
-            <a:xfrm>
-              <a:off x="9478" y="2281"/>
-              <a:ext cx="1964" cy="1113"/>
-            </a:xfrm>
-            <a:prstGeom prst="rect">
-              <a:avLst/>
-            </a:prstGeom>
-            <a:noFill/>
-          </p:spPr>
-          <p:txBody>
-            <a:bodyPr wrap="square" rtlCol="0">
-              <a:spAutoFit/>
-            </a:bodyPr>
-            <a:p>
-              <a:r>
-                <a:rPr lang="en-US" altLang="zh-CN" sz="4000">
-                  <a:solidFill>
-                    <a:schemeClr val="bg1"/>
-                  </a:solidFill>
-                  <a:latin typeface="思源黑体 CN Bold" panose="020B0800000000000000" charset="-122"/>
-                  <a:ea typeface="思源黑体 CN Bold" panose="020B0800000000000000" charset="-122"/>
-                </a:rPr>
-                <a:t>02</a:t>
-              </a:r>
-              <a:endParaRPr lang="en-US" altLang="zh-CN" sz="4000">
-                <a:solidFill>
-                  <a:schemeClr val="bg1"/>
-                </a:solidFill>
-                <a:latin typeface="思源黑体 CN Bold" panose="020B0800000000000000" charset="-122"/>
-                <a:ea typeface="思源黑体 CN Bold" panose="020B0800000000000000" charset="-122"/>
-              </a:endParaRPr>
-            </a:p>
-          </p:txBody>
-        </p:sp>
-        <p:sp>
-          <p:nvSpPr>
-            <p:cNvPr id="6" name="矩形 5"/>
-            <p:cNvSpPr/>
-            <p:nvPr/>
-          </p:nvSpPr>
-          <p:spPr>
-            <a:xfrm>
-              <a:off x="10768" y="2175"/>
-              <a:ext cx="6015" cy="1379"/>
-            </a:xfrm>
-            <a:prstGeom prst="rect">
-              <a:avLst/>
-            </a:prstGeom>
-            <a:noFill/>
-            <a:ln>
-              <a:solidFill>
-                <a:srgbClr val="1E83D5"/>
-              </a:solidFill>
-            </a:ln>
-            <a:extLst>
-              <a:ext uri="{909E8E84-426E-40DD-AFC4-6F175D3DCCD1}">
-                <a14:hiddenFill xmlns:a14="http://schemas.microsoft.com/office/drawing/2010/main">
-                  <a:solidFill>
-                    <a:schemeClr val="accent1"/>
-                  </a:solidFill>
-                </a14:hiddenFill>
-              </a:ext>
-            </a:extLst>
-          </p:spPr>
-          <p:style>
-            <a:lnRef idx="2">
-              <a:schemeClr val="accent1">
-                <a:shade val="50000"/>
-              </a:schemeClr>
-            </a:lnRef>
-            <a:fillRef idx="1">
-              <a:schemeClr val="accent1"/>
-            </a:fillRef>
-            <a:effectRef idx="0">
-              <a:schemeClr val="accent1"/>
-            </a:effectRef>
-            <a:fontRef idx="minor">
-              <a:schemeClr val="lt1"/>
-            </a:fontRef>
-          </p:style>
-          <p:txBody>
-            <a:bodyPr rtlCol="0" anchor="ctr"/>
-            <a:p>
-              <a:pPr algn="ctr"/>
-              <a:endParaRPr lang="zh-CN" altLang="en-US"/>
-            </a:p>
-          </p:txBody>
-        </p:sp>
-        <p:sp>
-          <p:nvSpPr>
-            <p:cNvPr id="8" name="文本框 7"/>
-            <p:cNvSpPr txBox="1"/>
-            <p:nvPr/>
-          </p:nvSpPr>
-          <p:spPr>
-            <a:xfrm>
-              <a:off x="11885" y="2454"/>
-              <a:ext cx="4454" cy="822"/>
-            </a:xfrm>
-            <a:prstGeom prst="rect">
-              <a:avLst/>
-            </a:prstGeom>
-            <a:noFill/>
-          </p:spPr>
-          <p:txBody>
-            <a:bodyPr wrap="square" rtlCol="0">
-              <a:spAutoFit/>
-            </a:bodyPr>
-            <a:p>
-              <a:pPr algn="dist"/>
-              <a:r>
-                <a:rPr lang="zh-CN" altLang="en-US" sz="2800">
-                  <a:solidFill>
-                    <a:srgbClr val="1E83D5"/>
-                  </a:solidFill>
-                  <a:latin typeface="思源黑体 CN Bold" panose="020B0800000000000000" charset="-122"/>
-                  <a:ea typeface="思源黑体 CN Bold" panose="020B0800000000000000" charset="-122"/>
-                </a:rPr>
-                <a:t>具体</a:t>
-              </a:r>
-              <a:r>
-                <a:rPr lang="zh-CN" altLang="en-US" sz="2800">
-                  <a:solidFill>
-                    <a:srgbClr val="1E83D5"/>
-                  </a:solidFill>
-                  <a:latin typeface="思源黑体 CN Bold" panose="020B0800000000000000" charset="-122"/>
-                  <a:ea typeface="思源黑体 CN Bold" panose="020B0800000000000000" charset="-122"/>
-                </a:rPr>
-                <a:t>实现</a:t>
-              </a:r>
-              <a:endParaRPr lang="zh-CN" altLang="en-US" sz="2800">
-                <a:solidFill>
-                  <a:srgbClr val="1E83D5"/>
-                </a:solidFill>
-                <a:latin typeface="思源黑体 CN Bold" panose="020B0800000000000000" charset="-122"/>
-                <a:ea typeface="思源黑体 CN Bold" panose="020B0800000000000000" charset="-122"/>
-              </a:endParaRPr>
-            </a:p>
-          </p:txBody>
-        </p:sp>
-      </p:grpSp>
-    </p:spTree>
-    <p:custDataLst>
-      <p:tags r:id="rId1"/>
-    </p:custDataLst>
-  </p:cSld>
-  <p:clrMapOvr>
-    <a:masterClrMapping/>
-  </p:clrMapOvr>
-</p:sld>
-</file>
-
-<file path=ppt/slides/slide3.xml><?xml version="1.0" encoding="utf-8"?>
-<p:sld xmlns:a="http://schemas.openxmlformats.org/drawingml/2006/main" xmlns:r="http://schemas.openxmlformats.org/officeDocument/2006/relationships" xmlns:p="http://schemas.openxmlformats.org/presentationml/2006/main">
-  <p:cSld>
-    <p:spTree>
-      <p:nvGrpSpPr>
-        <p:cNvPr id="1" name=""/>
-        <p:cNvGrpSpPr/>
-        <p:nvPr/>
-      </p:nvGrpSpPr>
-      <p:grpSpPr/>
+          <a:prstGeom prst="rect">
+            <a:avLst/>
+          </a:prstGeom>
+        </p:spPr>
+      </p:pic>
       <p:sp>
         <p:nvSpPr>
-          <p:cNvPr id="6" name="文本框 5"/>
+          <p:cNvPr id="56" name="文本框 44"/>
           <p:cNvSpPr txBox="1"/>
           <p:nvPr/>
         </p:nvSpPr>
         <p:spPr>
           <a:xfrm>
-            <a:off x="6428105" y="1866900"/>
-            <a:ext cx="3162300" cy="3153410"/>
+            <a:off x="5315585" y="1638935"/>
+            <a:ext cx="5998210" cy="4030980"/>
           </a:xfrm>
           <a:prstGeom prst="rect">
             <a:avLst/>
@@ -10859,118 +14440,375 @@
           <a:bodyPr wrap="square" rtlCol="0">
             <a:spAutoFit/>
           </a:bodyPr>
-          <a:p>
+          <a:lstStyle>
+            <a:defPPr>
+              <a:defRPr lang="zh-CN"/>
+            </a:defPPr>
+            <a:lvl1pPr marL="0" algn="l" defTabSz="914400" rtl="0" eaLnBrk="1" latinLnBrk="0" hangingPunct="1">
+              <a:defRPr sz="1800" kern="1200">
+                <a:solidFill>
+                  <a:schemeClr val="tx1"/>
+                </a:solidFill>
+                <a:latin typeface="+mn-lt"/>
+                <a:ea typeface="+mn-ea"/>
+                <a:cs typeface="+mn-cs"/>
+              </a:defRPr>
+            </a:lvl1pPr>
+            <a:lvl2pPr marL="457200" algn="l" defTabSz="914400" rtl="0" eaLnBrk="1" latinLnBrk="0" hangingPunct="1">
+              <a:defRPr sz="1800" kern="1200">
+                <a:solidFill>
+                  <a:schemeClr val="tx1"/>
+                </a:solidFill>
+                <a:latin typeface="+mn-lt"/>
+                <a:ea typeface="+mn-ea"/>
+                <a:cs typeface="+mn-cs"/>
+              </a:defRPr>
+            </a:lvl2pPr>
+            <a:lvl3pPr marL="914400" algn="l" defTabSz="914400" rtl="0" eaLnBrk="1" latinLnBrk="0" hangingPunct="1">
+              <a:defRPr sz="1800" kern="1200">
+                <a:solidFill>
+                  <a:schemeClr val="tx1"/>
+                </a:solidFill>
+                <a:latin typeface="+mn-lt"/>
+                <a:ea typeface="+mn-ea"/>
+                <a:cs typeface="+mn-cs"/>
+              </a:defRPr>
+            </a:lvl3pPr>
+            <a:lvl4pPr marL="1371600" algn="l" defTabSz="914400" rtl="0" eaLnBrk="1" latinLnBrk="0" hangingPunct="1">
+              <a:defRPr sz="1800" kern="1200">
+                <a:solidFill>
+                  <a:schemeClr val="tx1"/>
+                </a:solidFill>
+                <a:latin typeface="+mn-lt"/>
+                <a:ea typeface="+mn-ea"/>
+                <a:cs typeface="+mn-cs"/>
+              </a:defRPr>
+            </a:lvl4pPr>
+            <a:lvl5pPr marL="1828800" algn="l" defTabSz="914400" rtl="0" eaLnBrk="1" latinLnBrk="0" hangingPunct="1">
+              <a:defRPr sz="1800" kern="1200">
+                <a:solidFill>
+                  <a:schemeClr val="tx1"/>
+                </a:solidFill>
+                <a:latin typeface="+mn-lt"/>
+                <a:ea typeface="+mn-ea"/>
+                <a:cs typeface="+mn-cs"/>
+              </a:defRPr>
+            </a:lvl5pPr>
+            <a:lvl6pPr marL="2286000" algn="l" defTabSz="914400" rtl="0" eaLnBrk="1" latinLnBrk="0" hangingPunct="1">
+              <a:defRPr sz="1800" kern="1200">
+                <a:solidFill>
+                  <a:schemeClr val="tx1"/>
+                </a:solidFill>
+                <a:latin typeface="+mn-lt"/>
+                <a:ea typeface="+mn-ea"/>
+                <a:cs typeface="+mn-cs"/>
+              </a:defRPr>
+            </a:lvl6pPr>
+            <a:lvl7pPr marL="2743200" algn="l" defTabSz="914400" rtl="0" eaLnBrk="1" latinLnBrk="0" hangingPunct="1">
+              <a:defRPr sz="1800" kern="1200">
+                <a:solidFill>
+                  <a:schemeClr val="tx1"/>
+                </a:solidFill>
+                <a:latin typeface="+mn-lt"/>
+                <a:ea typeface="+mn-ea"/>
+                <a:cs typeface="+mn-cs"/>
+              </a:defRPr>
+            </a:lvl7pPr>
+            <a:lvl8pPr marL="3200400" algn="l" defTabSz="914400" rtl="0" eaLnBrk="1" latinLnBrk="0" hangingPunct="1">
+              <a:defRPr sz="1800" kern="1200">
+                <a:solidFill>
+                  <a:schemeClr val="tx1"/>
+                </a:solidFill>
+                <a:latin typeface="+mn-lt"/>
+                <a:ea typeface="+mn-ea"/>
+                <a:cs typeface="+mn-cs"/>
+              </a:defRPr>
+            </a:lvl8pPr>
+            <a:lvl9pPr marL="3657600" algn="l" defTabSz="914400" rtl="0" eaLnBrk="1" latinLnBrk="0" hangingPunct="1">
+              <a:defRPr sz="1800" kern="1200">
+                <a:solidFill>
+                  <a:schemeClr val="tx1"/>
+                </a:solidFill>
+                <a:latin typeface="+mn-lt"/>
+                <a:ea typeface="+mn-ea"/>
+                <a:cs typeface="+mn-cs"/>
+              </a:defRPr>
+            </a:lvl9pPr>
+          </a:lstStyle>
+          <a:p>
+            <a:pPr>
+              <a:lnSpc>
+                <a:spcPct val="200000"/>
+              </a:lnSpc>
+            </a:pPr>
             <a:r>
-              <a:rPr lang="en-US" altLang="zh-CN" sz="19900">
-                <a:ln>
-                  <a:solidFill>
-                    <a:schemeClr val="bg1"/>
-                  </a:solidFill>
-                </a:ln>
-                <a:noFill/>
-                <a:latin typeface="Roboto Black" panose="02000000000000000000" charset="0"/>
+              <a:rPr lang="zh-CN" altLang="en-US" sz="1600" dirty="0">
+                <a:solidFill>
+                  <a:srgbClr val="1E83D5"/>
+                </a:solidFill>
+                <a:latin typeface="思源黑体 CN Bold" panose="020B0800000000000000" charset="-122"/>
+                <a:ea typeface="思源黑体 CN Bold" panose="020B0800000000000000" charset="-122"/>
                 <a:cs typeface="Roboto Black" panose="02000000000000000000" charset="0"/>
               </a:rPr>
-              <a:t>01</a:t>
+              <a:t>信息化时代数据安全应作为一个公司核心战略层面重点考虑的事情。数据安全不是一个技术点，而是一整套安全体系理论和</a:t>
             </a:r>
-            <a:endParaRPr lang="en-US" altLang="zh-CN" sz="19900">
-              <a:ln>
-                <a:solidFill>
-                  <a:schemeClr val="bg1"/>
-                </a:solidFill>
-              </a:ln>
-              <a:noFill/>
-              <a:latin typeface="Roboto Black" panose="02000000000000000000" charset="0"/>
-              <a:cs typeface="Roboto Black" panose="02000000000000000000" charset="0"/>
-            </a:endParaRPr>
-          </a:p>
-        </p:txBody>
-      </p:sp>
-      <p:sp>
-        <p:nvSpPr>
-          <p:cNvPr id="12" name="文本框 11"/>
-          <p:cNvSpPr txBox="1"/>
-          <p:nvPr/>
-        </p:nvSpPr>
-        <p:spPr>
-          <a:xfrm>
-            <a:off x="218440" y="3181985"/>
-            <a:ext cx="5266690" cy="1014730"/>
-          </a:xfrm>
-          <a:prstGeom prst="rect">
-            <a:avLst/>
-          </a:prstGeom>
-          <a:noFill/>
-        </p:spPr>
-        <p:txBody>
-          <a:bodyPr wrap="square" rtlCol="0">
-            <a:spAutoFit/>
-          </a:bodyPr>
-          <a:p>
-            <a:pPr algn="just"/>
             <a:r>
-              <a:rPr lang="zh-CN" altLang="en-US" sz="6000">
+              <a:rPr lang="zh-CN" altLang="en-US" sz="1600" dirty="0">
                 <a:solidFill>
                   <a:srgbClr val="1E83D5"/>
                 </a:solidFill>
                 <a:latin typeface="思源黑体 CN Bold" panose="020B0800000000000000" charset="-122"/>
                 <a:ea typeface="思源黑体 CN Bold" panose="020B0800000000000000" charset="-122"/>
+                <a:cs typeface="Roboto Black" panose="02000000000000000000" charset="0"/>
               </a:rPr>
-              <a:t>安全</a:t>
+              <a:t>框架。</a:t>
             </a:r>
-            <a:r>
-              <a:rPr lang="zh-CN" altLang="en-US" sz="6000">
-                <a:solidFill>
-                  <a:srgbClr val="1E83D5"/>
-                </a:solidFill>
-                <a:latin typeface="思源黑体 CN Bold" panose="020B0800000000000000" charset="-122"/>
-                <a:ea typeface="思源黑体 CN Bold" panose="020B0800000000000000" charset="-122"/>
-              </a:rPr>
-              <a:t>考量点</a:t>
-            </a:r>
-            <a:endParaRPr lang="zh-CN" altLang="en-US" sz="6000">
+            <a:endParaRPr lang="zh-CN" altLang="en-US" sz="1600" dirty="0">
               <a:solidFill>
                 <a:srgbClr val="1E83D5"/>
               </a:solidFill>
               <a:latin typeface="思源黑体 CN Bold" panose="020B0800000000000000" charset="-122"/>
               <a:ea typeface="思源黑体 CN Bold" panose="020B0800000000000000" charset="-122"/>
+              <a:cs typeface="Roboto Black" panose="02000000000000000000" charset="0"/>
+            </a:endParaRPr>
+          </a:p>
+          <a:p>
+            <a:pPr>
+              <a:lnSpc>
+                <a:spcPct val="200000"/>
+              </a:lnSpc>
+            </a:pPr>
+            <a:r>
+              <a:rPr lang="zh-CN" altLang="en-US" sz="1600" dirty="0">
+                <a:solidFill>
+                  <a:srgbClr val="1E83D5"/>
+                </a:solidFill>
+                <a:latin typeface="思源黑体 CN Bold" panose="020B0800000000000000" charset="-122"/>
+                <a:ea typeface="思源黑体 CN Bold" panose="020B0800000000000000" charset="-122"/>
+                <a:cs typeface="Roboto Black" panose="02000000000000000000" charset="0"/>
+              </a:rPr>
+              <a:t>通常数据安全需要考虑如下</a:t>
+            </a:r>
+            <a:r>
+              <a:rPr lang="zh-CN" altLang="en-US" sz="1600" dirty="0">
+                <a:solidFill>
+                  <a:srgbClr val="1E83D5"/>
+                </a:solidFill>
+                <a:latin typeface="思源黑体 CN Bold" panose="020B0800000000000000" charset="-122"/>
+                <a:ea typeface="思源黑体 CN Bold" panose="020B0800000000000000" charset="-122"/>
+                <a:cs typeface="Roboto Black" panose="02000000000000000000" charset="0"/>
+              </a:rPr>
+              <a:t>几大方面：</a:t>
+            </a:r>
+            <a:endParaRPr lang="zh-CN" altLang="en-US" sz="1600" dirty="0">
+              <a:solidFill>
+                <a:srgbClr val="1E83D5"/>
+              </a:solidFill>
+              <a:latin typeface="思源黑体 CN Bold" panose="020B0800000000000000" charset="-122"/>
+              <a:ea typeface="思源黑体 CN Bold" panose="020B0800000000000000" charset="-122"/>
+              <a:cs typeface="Roboto Black" panose="02000000000000000000" charset="0"/>
+            </a:endParaRPr>
+          </a:p>
+          <a:p>
+            <a:pPr marL="342900" indent="-342900">
+              <a:lnSpc>
+                <a:spcPct val="200000"/>
+              </a:lnSpc>
+              <a:buFont typeface="+mj-lt"/>
+              <a:buAutoNum type="arabicPeriod"/>
+            </a:pPr>
+            <a:r>
+              <a:rPr lang="zh-CN" altLang="en-US" sz="1600" dirty="0">
+                <a:solidFill>
+                  <a:srgbClr val="1E83D5"/>
+                </a:solidFill>
+                <a:latin typeface="思源黑体 CN Bold" panose="020B0800000000000000" charset="-122"/>
+                <a:ea typeface="思源黑体 CN Bold" panose="020B0800000000000000" charset="-122"/>
+                <a:cs typeface="Roboto Black" panose="02000000000000000000" charset="0"/>
+              </a:rPr>
+              <a:t>软件</a:t>
+            </a:r>
+            <a:r>
+              <a:rPr lang="zh-CN" altLang="en-US" sz="1600" dirty="0">
+                <a:solidFill>
+                  <a:srgbClr val="1E83D5"/>
+                </a:solidFill>
+                <a:latin typeface="思源黑体 CN Bold" panose="020B0800000000000000" charset="-122"/>
+                <a:ea typeface="思源黑体 CN Bold" panose="020B0800000000000000" charset="-122"/>
+                <a:cs typeface="Roboto Black" panose="02000000000000000000" charset="0"/>
+              </a:rPr>
+              <a:t>安全</a:t>
+            </a:r>
+            <a:endParaRPr lang="zh-CN" altLang="en-US" sz="1600" dirty="0">
+              <a:solidFill>
+                <a:srgbClr val="1E83D5"/>
+              </a:solidFill>
+              <a:latin typeface="思源黑体 CN Bold" panose="020B0800000000000000" charset="-122"/>
+              <a:ea typeface="思源黑体 CN Bold" panose="020B0800000000000000" charset="-122"/>
+              <a:cs typeface="Roboto Black" panose="02000000000000000000" charset="0"/>
+            </a:endParaRPr>
+          </a:p>
+          <a:p>
+            <a:pPr marL="342900" indent="-342900">
+              <a:lnSpc>
+                <a:spcPct val="200000"/>
+              </a:lnSpc>
+              <a:buFont typeface="+mj-lt"/>
+              <a:buAutoNum type="arabicPeriod"/>
+            </a:pPr>
+            <a:r>
+              <a:rPr lang="zh-CN" altLang="en-US" sz="1600" dirty="0">
+                <a:solidFill>
+                  <a:srgbClr val="1E83D5"/>
+                </a:solidFill>
+                <a:latin typeface="思源黑体 CN Bold" panose="020B0800000000000000" charset="-122"/>
+                <a:ea typeface="思源黑体 CN Bold" panose="020B0800000000000000" charset="-122"/>
+                <a:cs typeface="Roboto Black" panose="02000000000000000000" charset="0"/>
+              </a:rPr>
+              <a:t>数据备份</a:t>
+            </a:r>
+            <a:r>
+              <a:rPr lang="zh-CN" altLang="en-US" sz="1600" dirty="0">
+                <a:solidFill>
+                  <a:srgbClr val="1E83D5"/>
+                </a:solidFill>
+                <a:latin typeface="思源黑体 CN Bold" panose="020B0800000000000000" charset="-122"/>
+                <a:ea typeface="思源黑体 CN Bold" panose="020B0800000000000000" charset="-122"/>
+                <a:cs typeface="Roboto Black" panose="02000000000000000000" charset="0"/>
+              </a:rPr>
+              <a:t>安全</a:t>
+            </a:r>
+            <a:endParaRPr lang="zh-CN" altLang="en-US" sz="1600" dirty="0">
+              <a:solidFill>
+                <a:srgbClr val="1E83D5"/>
+              </a:solidFill>
+              <a:latin typeface="思源黑体 CN Bold" panose="020B0800000000000000" charset="-122"/>
+              <a:ea typeface="思源黑体 CN Bold" panose="020B0800000000000000" charset="-122"/>
+              <a:cs typeface="Roboto Black" panose="02000000000000000000" charset="0"/>
+            </a:endParaRPr>
+          </a:p>
+          <a:p>
+            <a:pPr marL="342900" indent="-342900">
+              <a:lnSpc>
+                <a:spcPct val="200000"/>
+              </a:lnSpc>
+              <a:buFont typeface="+mj-lt"/>
+              <a:buAutoNum type="arabicPeriod"/>
+            </a:pPr>
+            <a:r>
+              <a:rPr lang="zh-CN" altLang="en-US" sz="1600" dirty="0">
+                <a:solidFill>
+                  <a:srgbClr val="1E83D5"/>
+                </a:solidFill>
+                <a:latin typeface="思源黑体 CN Bold" panose="020B0800000000000000" charset="-122"/>
+                <a:ea typeface="思源黑体 CN Bold" panose="020B0800000000000000" charset="-122"/>
+                <a:cs typeface="Roboto Black" panose="02000000000000000000" charset="0"/>
+              </a:rPr>
+              <a:t>数据访问</a:t>
+            </a:r>
+            <a:r>
+              <a:rPr lang="zh-CN" altLang="en-US" sz="1600" dirty="0">
+                <a:solidFill>
+                  <a:srgbClr val="1E83D5"/>
+                </a:solidFill>
+                <a:latin typeface="思源黑体 CN Bold" panose="020B0800000000000000" charset="-122"/>
+                <a:ea typeface="思源黑体 CN Bold" panose="020B0800000000000000" charset="-122"/>
+                <a:cs typeface="Roboto Black" panose="02000000000000000000" charset="0"/>
+              </a:rPr>
+              <a:t>安全</a:t>
+            </a:r>
+            <a:endParaRPr lang="zh-CN" altLang="en-US" sz="1600" dirty="0">
+              <a:solidFill>
+                <a:srgbClr val="1E83D5"/>
+              </a:solidFill>
+              <a:latin typeface="思源黑体 CN Bold" panose="020B0800000000000000" charset="-122"/>
+              <a:ea typeface="思源黑体 CN Bold" panose="020B0800000000000000" charset="-122"/>
+              <a:cs typeface="Roboto Black" panose="02000000000000000000" charset="0"/>
+            </a:endParaRPr>
+          </a:p>
+          <a:p>
+            <a:pPr marL="342900" indent="-342900">
+              <a:lnSpc>
+                <a:spcPct val="200000"/>
+              </a:lnSpc>
+              <a:buFont typeface="+mj-lt"/>
+              <a:buAutoNum type="arabicPeriod"/>
+            </a:pPr>
+            <a:r>
+              <a:rPr lang="zh-CN" altLang="en-US" sz="1600" dirty="0">
+                <a:solidFill>
+                  <a:srgbClr val="1E83D5"/>
+                </a:solidFill>
+                <a:latin typeface="思源黑体 CN Bold" panose="020B0800000000000000" charset="-122"/>
+                <a:ea typeface="思源黑体 CN Bold" panose="020B0800000000000000" charset="-122"/>
+                <a:cs typeface="Roboto Black" panose="02000000000000000000" charset="0"/>
+              </a:rPr>
+              <a:t>安全</a:t>
+            </a:r>
+            <a:r>
+              <a:rPr lang="zh-CN" altLang="en-US" sz="1600" dirty="0">
+                <a:solidFill>
+                  <a:srgbClr val="1E83D5"/>
+                </a:solidFill>
+                <a:latin typeface="思源黑体 CN Bold" panose="020B0800000000000000" charset="-122"/>
+                <a:ea typeface="思源黑体 CN Bold" panose="020B0800000000000000" charset="-122"/>
+                <a:cs typeface="Roboto Black" panose="02000000000000000000" charset="0"/>
+              </a:rPr>
+              <a:t>防范</a:t>
+            </a:r>
+            <a:endParaRPr lang="zh-CN" altLang="en-US" sz="1600" dirty="0">
+              <a:solidFill>
+                <a:srgbClr val="1E83D5"/>
+              </a:solidFill>
+              <a:latin typeface="思源黑体 CN Bold" panose="020B0800000000000000" charset="-122"/>
+              <a:ea typeface="思源黑体 CN Bold" panose="020B0800000000000000" charset="-122"/>
+              <a:cs typeface="Roboto Black" panose="02000000000000000000" charset="0"/>
+            </a:endParaRPr>
+          </a:p>
+          <a:p>
+            <a:pPr marL="342900" indent="-342900">
+              <a:lnSpc>
+                <a:spcPct val="200000"/>
+              </a:lnSpc>
+              <a:buFont typeface="+mj-lt"/>
+              <a:buAutoNum type="arabicPeriod"/>
+            </a:pPr>
+            <a:r>
+              <a:rPr lang="zh-CN" altLang="en-US" sz="1600" dirty="0">
+                <a:solidFill>
+                  <a:srgbClr val="1E83D5"/>
+                </a:solidFill>
+                <a:latin typeface="思源黑体 CN Bold" panose="020B0800000000000000" charset="-122"/>
+                <a:ea typeface="思源黑体 CN Bold" panose="020B0800000000000000" charset="-122"/>
+                <a:cs typeface="Roboto Black" panose="02000000000000000000" charset="0"/>
+              </a:rPr>
+              <a:t>管理</a:t>
+            </a:r>
+            <a:r>
+              <a:rPr lang="zh-CN" altLang="en-US" sz="1600" dirty="0">
+                <a:solidFill>
+                  <a:srgbClr val="1E83D5"/>
+                </a:solidFill>
+                <a:latin typeface="思源黑体 CN Bold" panose="020B0800000000000000" charset="-122"/>
+                <a:ea typeface="思源黑体 CN Bold" panose="020B0800000000000000" charset="-122"/>
+                <a:cs typeface="Roboto Black" panose="02000000000000000000" charset="0"/>
+              </a:rPr>
+              <a:t>安全</a:t>
+            </a:r>
+            <a:endParaRPr lang="zh-CN" altLang="en-US" sz="1600" dirty="0">
+              <a:solidFill>
+                <a:srgbClr val="1E83D5"/>
+              </a:solidFill>
+              <a:latin typeface="思源黑体 CN Bold" panose="020B0800000000000000" charset="-122"/>
+              <a:ea typeface="思源黑体 CN Bold" panose="020B0800000000000000" charset="-122"/>
+              <a:cs typeface="Roboto Black" panose="02000000000000000000" charset="0"/>
             </a:endParaRPr>
           </a:p>
         </p:txBody>
       </p:sp>
-      <p:pic>
-        <p:nvPicPr>
-          <p:cNvPr id="25" name="图片 24" descr="343435383135323b333733333032353bcec4b5b5"/>
-          <p:cNvPicPr>
-            <a:picLocks noChangeAspect="1"/>
-          </p:cNvPicPr>
-          <p:nvPr/>
-        </p:nvPicPr>
-        <p:blipFill>
-          <a:blip r:embed="rId1">
-            <a:extLst>
-              <a:ext uri="{96DAC541-7B7A-43D3-8B79-37D633B846F1}">
-                <asvg:svgBlip xmlns:asvg="http://schemas.microsoft.com/office/drawing/2016/SVG/main" r:embed="rId2"/>
-              </a:ext>
-            </a:extLst>
-          </a:blip>
-          <a:stretch>
-            <a:fillRect/>
-          </a:stretch>
-        </p:blipFill>
-        <p:spPr>
-          <a:xfrm>
-            <a:off x="1860550" y="2167890"/>
-            <a:ext cx="737235" cy="667385"/>
-          </a:xfrm>
-          <a:prstGeom prst="rect">
-            <a:avLst/>
-          </a:prstGeom>
-        </p:spPr>
-      </p:pic>
     </p:spTree>
     <p:custDataLst>
-      <p:tags r:id="rId3"/>
+      <p:tags r:id="rId2"/>
     </p:custDataLst>
   </p:cSld>
   <p:clrMapOvr>
@@ -11074,14 +14912,14 @@
             <a:p>
               <a:pPr algn="just"/>
               <a:r>
-                <a:rPr lang="zh-CN" altLang="en-US" sz="4400">
+                <a:rPr lang="en-US" altLang="zh-CN" sz="4400">
                   <a:solidFill>
                     <a:srgbClr val="1E83D5"/>
                   </a:solidFill>
                   <a:latin typeface="思源黑体 CN Bold" panose="020B0800000000000000" charset="-122"/>
                   <a:ea typeface="思源黑体 CN Bold" panose="020B0800000000000000" charset="-122"/>
                 </a:rPr>
-                <a:t>安全考量</a:t>
+                <a:t> </a:t>
               </a:r>
               <a:r>
                 <a:rPr lang="zh-CN" altLang="en-US" sz="4400">
@@ -11091,7 +14929,27 @@
                   <a:latin typeface="思源黑体 CN Bold" panose="020B0800000000000000" charset="-122"/>
                   <a:ea typeface="思源黑体 CN Bold" panose="020B0800000000000000" charset="-122"/>
                 </a:rPr>
-                <a:t>点</a:t>
+                <a:t>概</a:t>
+              </a:r>
+              <a:r>
+                <a:rPr lang="en-US" altLang="zh-CN" sz="4400">
+                  <a:solidFill>
+                    <a:srgbClr val="1E83D5"/>
+                  </a:solidFill>
+                  <a:latin typeface="思源黑体 CN Bold" panose="020B0800000000000000" charset="-122"/>
+                  <a:ea typeface="思源黑体 CN Bold" panose="020B0800000000000000" charset="-122"/>
+                </a:rPr>
+                <a:t>   </a:t>
+              </a:r>
+              <a:r>
+                <a:rPr lang="zh-CN" altLang="en-US" sz="4400">
+                  <a:solidFill>
+                    <a:srgbClr val="1E83D5"/>
+                  </a:solidFill>
+                  <a:latin typeface="思源黑体 CN Bold" panose="020B0800000000000000" charset="-122"/>
+                  <a:ea typeface="思源黑体 CN Bold" panose="020B0800000000000000" charset="-122"/>
+                </a:rPr>
+                <a:t>论</a:t>
               </a:r>
               <a:endParaRPr lang="zh-CN" altLang="en-US" sz="4400">
                 <a:solidFill>
@@ -11177,6 +15035,160 @@
           </a:prstGeom>
         </p:spPr>
       </p:pic>
+      <p:sp>
+        <p:nvSpPr>
+          <p:cNvPr id="56" name="文本框 44"/>
+          <p:cNvSpPr txBox="1"/>
+          <p:nvPr/>
+        </p:nvSpPr>
+        <p:spPr>
+          <a:xfrm>
+            <a:off x="5445125" y="2715895"/>
+            <a:ext cx="5845175" cy="1568450"/>
+          </a:xfrm>
+          <a:prstGeom prst="rect">
+            <a:avLst/>
+          </a:prstGeom>
+          <a:noFill/>
+        </p:spPr>
+        <p:txBody>
+          <a:bodyPr wrap="square" rtlCol="0">
+            <a:spAutoFit/>
+          </a:bodyPr>
+          <a:lstStyle>
+            <a:defPPr>
+              <a:defRPr lang="zh-CN"/>
+            </a:defPPr>
+            <a:lvl1pPr marL="0" algn="l" defTabSz="914400" rtl="0" eaLnBrk="1" latinLnBrk="0" hangingPunct="1">
+              <a:defRPr sz="1800" kern="1200">
+                <a:solidFill>
+                  <a:schemeClr val="tx1"/>
+                </a:solidFill>
+                <a:latin typeface="+mn-lt"/>
+                <a:ea typeface="+mn-ea"/>
+                <a:cs typeface="+mn-cs"/>
+              </a:defRPr>
+            </a:lvl1pPr>
+            <a:lvl2pPr marL="457200" algn="l" defTabSz="914400" rtl="0" eaLnBrk="1" latinLnBrk="0" hangingPunct="1">
+              <a:defRPr sz="1800" kern="1200">
+                <a:solidFill>
+                  <a:schemeClr val="tx1"/>
+                </a:solidFill>
+                <a:latin typeface="+mn-lt"/>
+                <a:ea typeface="+mn-ea"/>
+                <a:cs typeface="+mn-cs"/>
+              </a:defRPr>
+            </a:lvl2pPr>
+            <a:lvl3pPr marL="914400" algn="l" defTabSz="914400" rtl="0" eaLnBrk="1" latinLnBrk="0" hangingPunct="1">
+              <a:defRPr sz="1800" kern="1200">
+                <a:solidFill>
+                  <a:schemeClr val="tx1"/>
+                </a:solidFill>
+                <a:latin typeface="+mn-lt"/>
+                <a:ea typeface="+mn-ea"/>
+                <a:cs typeface="+mn-cs"/>
+              </a:defRPr>
+            </a:lvl3pPr>
+            <a:lvl4pPr marL="1371600" algn="l" defTabSz="914400" rtl="0" eaLnBrk="1" latinLnBrk="0" hangingPunct="1">
+              <a:defRPr sz="1800" kern="1200">
+                <a:solidFill>
+                  <a:schemeClr val="tx1"/>
+                </a:solidFill>
+                <a:latin typeface="+mn-lt"/>
+                <a:ea typeface="+mn-ea"/>
+                <a:cs typeface="+mn-cs"/>
+              </a:defRPr>
+            </a:lvl4pPr>
+            <a:lvl5pPr marL="1828800" algn="l" defTabSz="914400" rtl="0" eaLnBrk="1" latinLnBrk="0" hangingPunct="1">
+              <a:defRPr sz="1800" kern="1200">
+                <a:solidFill>
+                  <a:schemeClr val="tx1"/>
+                </a:solidFill>
+                <a:latin typeface="+mn-lt"/>
+                <a:ea typeface="+mn-ea"/>
+                <a:cs typeface="+mn-cs"/>
+              </a:defRPr>
+            </a:lvl5pPr>
+            <a:lvl6pPr marL="2286000" algn="l" defTabSz="914400" rtl="0" eaLnBrk="1" latinLnBrk="0" hangingPunct="1">
+              <a:defRPr sz="1800" kern="1200">
+                <a:solidFill>
+                  <a:schemeClr val="tx1"/>
+                </a:solidFill>
+                <a:latin typeface="+mn-lt"/>
+                <a:ea typeface="+mn-ea"/>
+                <a:cs typeface="+mn-cs"/>
+              </a:defRPr>
+            </a:lvl6pPr>
+            <a:lvl7pPr marL="2743200" algn="l" defTabSz="914400" rtl="0" eaLnBrk="1" latinLnBrk="0" hangingPunct="1">
+              <a:defRPr sz="1800" kern="1200">
+                <a:solidFill>
+                  <a:schemeClr val="tx1"/>
+                </a:solidFill>
+                <a:latin typeface="+mn-lt"/>
+                <a:ea typeface="+mn-ea"/>
+                <a:cs typeface="+mn-cs"/>
+              </a:defRPr>
+            </a:lvl7pPr>
+            <a:lvl8pPr marL="3200400" algn="l" defTabSz="914400" rtl="0" eaLnBrk="1" latinLnBrk="0" hangingPunct="1">
+              <a:defRPr sz="1800" kern="1200">
+                <a:solidFill>
+                  <a:schemeClr val="tx1"/>
+                </a:solidFill>
+                <a:latin typeface="+mn-lt"/>
+                <a:ea typeface="+mn-ea"/>
+                <a:cs typeface="+mn-cs"/>
+              </a:defRPr>
+            </a:lvl8pPr>
+            <a:lvl9pPr marL="3657600" algn="l" defTabSz="914400" rtl="0" eaLnBrk="1" latinLnBrk="0" hangingPunct="1">
+              <a:defRPr sz="1800" kern="1200">
+                <a:solidFill>
+                  <a:schemeClr val="tx1"/>
+                </a:solidFill>
+                <a:latin typeface="+mn-lt"/>
+                <a:ea typeface="+mn-ea"/>
+                <a:cs typeface="+mn-cs"/>
+              </a:defRPr>
+            </a:lvl9pPr>
+          </a:lstStyle>
+          <a:p>
+            <a:pPr>
+              <a:lnSpc>
+                <a:spcPct val="150000"/>
+              </a:lnSpc>
+            </a:pPr>
+            <a:r>
+              <a:rPr lang="zh-CN" altLang="en-US" sz="1600" dirty="0">
+                <a:solidFill>
+                  <a:srgbClr val="1E83D5"/>
+                </a:solidFill>
+                <a:latin typeface="思源黑体 CN Bold" panose="020B0800000000000000" charset="-122"/>
+                <a:ea typeface="思源黑体 CN Bold" panose="020B0800000000000000" charset="-122"/>
+                <a:cs typeface="Roboto Black" panose="02000000000000000000" charset="0"/>
+              </a:rPr>
+              <a:t>软件安全指的是我们选择的操作系统、数据库、中间件、开发框架、公有云提供商的产品。对应版本是否存在安全漏洞、是否能及时通过升级修复已知漏洞、服务器和操作系统是否经过可信认证</a:t>
+            </a:r>
+            <a:r>
+              <a:rPr lang="zh-CN" altLang="en-US" sz="1600" dirty="0">
+                <a:solidFill>
+                  <a:srgbClr val="1E83D5"/>
+                </a:solidFill>
+                <a:latin typeface="思源黑体 CN Bold" panose="020B0800000000000000" charset="-122"/>
+                <a:ea typeface="思源黑体 CN Bold" panose="020B0800000000000000" charset="-122"/>
+                <a:cs typeface="Roboto Black" panose="02000000000000000000" charset="0"/>
+              </a:rPr>
+              <a:t>等。</a:t>
+            </a:r>
+            <a:endParaRPr lang="zh-CN" altLang="en-US" sz="1600" dirty="0">
+              <a:solidFill>
+                <a:srgbClr val="1E83D5"/>
+              </a:solidFill>
+              <a:latin typeface="思源黑体 CN Bold" panose="020B0800000000000000" charset="-122"/>
+              <a:ea typeface="思源黑体 CN Bold" panose="020B0800000000000000" charset="-122"/>
+              <a:cs typeface="Roboto Black" panose="02000000000000000000" charset="0"/>
+            </a:endParaRPr>
+          </a:p>
+        </p:txBody>
+      </p:sp>
       <p:grpSp>
         <p:nvGrpSpPr>
           <p:cNvPr id="53" name="组合 52"/>
@@ -11311,7 +15323,17 @@
                 <a:latin typeface="思源黑体 CN Bold" panose="020B0800000000000000" charset="-122"/>
                 <a:ea typeface="思源黑体 CN Bold" panose="020B0800000000000000" charset="-122"/>
               </a:rPr>
-              <a:t>考量点一</a:t>
+              <a:t>软件</a:t>
+            </a:r>
+            <a:r>
+              <a:rPr lang="zh-CN" altLang="en-US" sz="2400">
+                <a:solidFill>
+                  <a:schemeClr val="bg1"/>
+                </a:solidFill>
+                <a:latin typeface="思源黑体 CN Bold" panose="020B0800000000000000" charset="-122"/>
+                <a:ea typeface="思源黑体 CN Bold" panose="020B0800000000000000" charset="-122"/>
+              </a:rPr>
+              <a:t>安全</a:t>
             </a:r>
             <a:endParaRPr lang="zh-CN" altLang="en-US" sz="2400">
               <a:solidFill>
@@ -11319,290 +15341,6 @@
               </a:solidFill>
               <a:latin typeface="思源黑体 CN Bold" panose="020B0800000000000000" charset="-122"/>
               <a:ea typeface="思源黑体 CN Bold" panose="020B0800000000000000" charset="-122"/>
-            </a:endParaRPr>
-          </a:p>
-        </p:txBody>
-      </p:sp>
-      <p:sp>
-        <p:nvSpPr>
-          <p:cNvPr id="55" name="文本框"/>
-          <p:cNvSpPr txBox="1"/>
-          <p:nvPr/>
-        </p:nvSpPr>
-        <p:spPr>
-          <a:xfrm>
-            <a:off x="6333490" y="2000250"/>
-            <a:ext cx="4528820" cy="398780"/>
-          </a:xfrm>
-          <a:prstGeom prst="rect">
-            <a:avLst/>
-          </a:prstGeom>
-          <a:noFill/>
-        </p:spPr>
-        <p:txBody>
-          <a:bodyPr vert="horz" wrap="square" rtlCol="0">
-            <a:spAutoFit/>
-          </a:bodyPr>
-          <a:lstStyle>
-            <a:defPPr>
-              <a:defRPr lang="zh-CN"/>
-            </a:defPPr>
-            <a:lvl1pPr marL="0" algn="l" defTabSz="914400" rtl="0" eaLnBrk="1" latinLnBrk="0" hangingPunct="1">
-              <a:defRPr sz="1800" kern="1200">
-                <a:solidFill>
-                  <a:schemeClr val="tx1"/>
-                </a:solidFill>
-                <a:latin typeface="+mn-lt"/>
-                <a:ea typeface="+mn-ea"/>
-                <a:cs typeface="+mn-cs"/>
-              </a:defRPr>
-            </a:lvl1pPr>
-            <a:lvl2pPr marL="457200" algn="l" defTabSz="914400" rtl="0" eaLnBrk="1" latinLnBrk="0" hangingPunct="1">
-              <a:defRPr sz="1800" kern="1200">
-                <a:solidFill>
-                  <a:schemeClr val="tx1"/>
-                </a:solidFill>
-                <a:latin typeface="+mn-lt"/>
-                <a:ea typeface="+mn-ea"/>
-                <a:cs typeface="+mn-cs"/>
-              </a:defRPr>
-            </a:lvl2pPr>
-            <a:lvl3pPr marL="914400" algn="l" defTabSz="914400" rtl="0" eaLnBrk="1" latinLnBrk="0" hangingPunct="1">
-              <a:defRPr sz="1800" kern="1200">
-                <a:solidFill>
-                  <a:schemeClr val="tx1"/>
-                </a:solidFill>
-                <a:latin typeface="+mn-lt"/>
-                <a:ea typeface="+mn-ea"/>
-                <a:cs typeface="+mn-cs"/>
-              </a:defRPr>
-            </a:lvl3pPr>
-            <a:lvl4pPr marL="1371600" algn="l" defTabSz="914400" rtl="0" eaLnBrk="1" latinLnBrk="0" hangingPunct="1">
-              <a:defRPr sz="1800" kern="1200">
-                <a:solidFill>
-                  <a:schemeClr val="tx1"/>
-                </a:solidFill>
-                <a:latin typeface="+mn-lt"/>
-                <a:ea typeface="+mn-ea"/>
-                <a:cs typeface="+mn-cs"/>
-              </a:defRPr>
-            </a:lvl4pPr>
-            <a:lvl5pPr marL="1828800" algn="l" defTabSz="914400" rtl="0" eaLnBrk="1" latinLnBrk="0" hangingPunct="1">
-              <a:defRPr sz="1800" kern="1200">
-                <a:solidFill>
-                  <a:schemeClr val="tx1"/>
-                </a:solidFill>
-                <a:latin typeface="+mn-lt"/>
-                <a:ea typeface="+mn-ea"/>
-                <a:cs typeface="+mn-cs"/>
-              </a:defRPr>
-            </a:lvl5pPr>
-            <a:lvl6pPr marL="2286000" algn="l" defTabSz="914400" rtl="0" eaLnBrk="1" latinLnBrk="0" hangingPunct="1">
-              <a:defRPr sz="1800" kern="1200">
-                <a:solidFill>
-                  <a:schemeClr val="tx1"/>
-                </a:solidFill>
-                <a:latin typeface="+mn-lt"/>
-                <a:ea typeface="+mn-ea"/>
-                <a:cs typeface="+mn-cs"/>
-              </a:defRPr>
-            </a:lvl6pPr>
-            <a:lvl7pPr marL="2743200" algn="l" defTabSz="914400" rtl="0" eaLnBrk="1" latinLnBrk="0" hangingPunct="1">
-              <a:defRPr sz="1800" kern="1200">
-                <a:solidFill>
-                  <a:schemeClr val="tx1"/>
-                </a:solidFill>
-                <a:latin typeface="+mn-lt"/>
-                <a:ea typeface="+mn-ea"/>
-                <a:cs typeface="+mn-cs"/>
-              </a:defRPr>
-            </a:lvl7pPr>
-            <a:lvl8pPr marL="3200400" algn="l" defTabSz="914400" rtl="0" eaLnBrk="1" latinLnBrk="0" hangingPunct="1">
-              <a:defRPr sz="1800" kern="1200">
-                <a:solidFill>
-                  <a:schemeClr val="tx1"/>
-                </a:solidFill>
-                <a:latin typeface="+mn-lt"/>
-                <a:ea typeface="+mn-ea"/>
-                <a:cs typeface="+mn-cs"/>
-              </a:defRPr>
-            </a:lvl8pPr>
-            <a:lvl9pPr marL="3657600" algn="l" defTabSz="914400" rtl="0" eaLnBrk="1" latinLnBrk="0" hangingPunct="1">
-              <a:defRPr sz="1800" kern="1200">
-                <a:solidFill>
-                  <a:schemeClr val="tx1"/>
-                </a:solidFill>
-                <a:latin typeface="+mn-lt"/>
-                <a:ea typeface="+mn-ea"/>
-                <a:cs typeface="+mn-cs"/>
-              </a:defRPr>
-            </a:lvl9pPr>
-          </a:lstStyle>
-          <a:p>
-            <a:pPr algn="l"/>
-            <a:r>
-              <a:rPr lang="zh-CN" altLang="en-US" sz="2000" dirty="0">
-                <a:solidFill>
-                  <a:srgbClr val="1E83D5"/>
-                </a:solidFill>
-                <a:effectLst/>
-                <a:latin typeface="思源黑体 CN Bold" panose="020B0800000000000000" charset="-122"/>
-                <a:ea typeface="思源黑体 CN Bold" panose="020B0800000000000000" charset="-122"/>
-                <a:cs typeface="思源黑体 CN Bold" panose="020B0800000000000000" charset="-122"/>
-              </a:rPr>
-              <a:t>Token机制</a:t>
-            </a:r>
-            <a:endParaRPr lang="zh-CN" altLang="en-US" sz="2000" dirty="0">
-              <a:solidFill>
-                <a:srgbClr val="1E83D5"/>
-              </a:solidFill>
-              <a:effectLst/>
-              <a:latin typeface="思源黑体 CN Bold" panose="020B0800000000000000" charset="-122"/>
-              <a:ea typeface="思源黑体 CN Bold" panose="020B0800000000000000" charset="-122"/>
-              <a:cs typeface="思源黑体 CN Bold" panose="020B0800000000000000" charset="-122"/>
-            </a:endParaRPr>
-          </a:p>
-        </p:txBody>
-      </p:sp>
-      <p:sp>
-        <p:nvSpPr>
-          <p:cNvPr id="56" name="文本框 44"/>
-          <p:cNvSpPr txBox="1"/>
-          <p:nvPr/>
-        </p:nvSpPr>
-        <p:spPr>
-          <a:xfrm>
-            <a:off x="6333490" y="2387600"/>
-            <a:ext cx="4745990" cy="3046095"/>
-          </a:xfrm>
-          <a:prstGeom prst="rect">
-            <a:avLst/>
-          </a:prstGeom>
-          <a:noFill/>
-        </p:spPr>
-        <p:txBody>
-          <a:bodyPr wrap="square" rtlCol="0">
-            <a:spAutoFit/>
-          </a:bodyPr>
-          <a:lstStyle>
-            <a:defPPr>
-              <a:defRPr lang="zh-CN"/>
-            </a:defPPr>
-            <a:lvl1pPr marL="0" algn="l" defTabSz="914400" rtl="0" eaLnBrk="1" latinLnBrk="0" hangingPunct="1">
-              <a:defRPr sz="1800" kern="1200">
-                <a:solidFill>
-                  <a:schemeClr val="tx1"/>
-                </a:solidFill>
-                <a:latin typeface="+mn-lt"/>
-                <a:ea typeface="+mn-ea"/>
-                <a:cs typeface="+mn-cs"/>
-              </a:defRPr>
-            </a:lvl1pPr>
-            <a:lvl2pPr marL="457200" algn="l" defTabSz="914400" rtl="0" eaLnBrk="1" latinLnBrk="0" hangingPunct="1">
-              <a:defRPr sz="1800" kern="1200">
-                <a:solidFill>
-                  <a:schemeClr val="tx1"/>
-                </a:solidFill>
-                <a:latin typeface="+mn-lt"/>
-                <a:ea typeface="+mn-ea"/>
-                <a:cs typeface="+mn-cs"/>
-              </a:defRPr>
-            </a:lvl2pPr>
-            <a:lvl3pPr marL="914400" algn="l" defTabSz="914400" rtl="0" eaLnBrk="1" latinLnBrk="0" hangingPunct="1">
-              <a:defRPr sz="1800" kern="1200">
-                <a:solidFill>
-                  <a:schemeClr val="tx1"/>
-                </a:solidFill>
-                <a:latin typeface="+mn-lt"/>
-                <a:ea typeface="+mn-ea"/>
-                <a:cs typeface="+mn-cs"/>
-              </a:defRPr>
-            </a:lvl3pPr>
-            <a:lvl4pPr marL="1371600" algn="l" defTabSz="914400" rtl="0" eaLnBrk="1" latinLnBrk="0" hangingPunct="1">
-              <a:defRPr sz="1800" kern="1200">
-                <a:solidFill>
-                  <a:schemeClr val="tx1"/>
-                </a:solidFill>
-                <a:latin typeface="+mn-lt"/>
-                <a:ea typeface="+mn-ea"/>
-                <a:cs typeface="+mn-cs"/>
-              </a:defRPr>
-            </a:lvl4pPr>
-            <a:lvl5pPr marL="1828800" algn="l" defTabSz="914400" rtl="0" eaLnBrk="1" latinLnBrk="0" hangingPunct="1">
-              <a:defRPr sz="1800" kern="1200">
-                <a:solidFill>
-                  <a:schemeClr val="tx1"/>
-                </a:solidFill>
-                <a:latin typeface="+mn-lt"/>
-                <a:ea typeface="+mn-ea"/>
-                <a:cs typeface="+mn-cs"/>
-              </a:defRPr>
-            </a:lvl5pPr>
-            <a:lvl6pPr marL="2286000" algn="l" defTabSz="914400" rtl="0" eaLnBrk="1" latinLnBrk="0" hangingPunct="1">
-              <a:defRPr sz="1800" kern="1200">
-                <a:solidFill>
-                  <a:schemeClr val="tx1"/>
-                </a:solidFill>
-                <a:latin typeface="+mn-lt"/>
-                <a:ea typeface="+mn-ea"/>
-                <a:cs typeface="+mn-cs"/>
-              </a:defRPr>
-            </a:lvl6pPr>
-            <a:lvl7pPr marL="2743200" algn="l" defTabSz="914400" rtl="0" eaLnBrk="1" latinLnBrk="0" hangingPunct="1">
-              <a:defRPr sz="1800" kern="1200">
-                <a:solidFill>
-                  <a:schemeClr val="tx1"/>
-                </a:solidFill>
-                <a:latin typeface="+mn-lt"/>
-                <a:ea typeface="+mn-ea"/>
-                <a:cs typeface="+mn-cs"/>
-              </a:defRPr>
-            </a:lvl7pPr>
-            <a:lvl8pPr marL="3200400" algn="l" defTabSz="914400" rtl="0" eaLnBrk="1" latinLnBrk="0" hangingPunct="1">
-              <a:defRPr sz="1800" kern="1200">
-                <a:solidFill>
-                  <a:schemeClr val="tx1"/>
-                </a:solidFill>
-                <a:latin typeface="+mn-lt"/>
-                <a:ea typeface="+mn-ea"/>
-                <a:cs typeface="+mn-cs"/>
-              </a:defRPr>
-            </a:lvl8pPr>
-            <a:lvl9pPr marL="3657600" algn="l" defTabSz="914400" rtl="0" eaLnBrk="1" latinLnBrk="0" hangingPunct="1">
-              <a:defRPr sz="1800" kern="1200">
-                <a:solidFill>
-                  <a:schemeClr val="tx1"/>
-                </a:solidFill>
-                <a:latin typeface="+mn-lt"/>
-                <a:ea typeface="+mn-ea"/>
-                <a:cs typeface="+mn-cs"/>
-              </a:defRPr>
-            </a:lvl9pPr>
-          </a:lstStyle>
-          <a:p>
-            <a:pPr>
-              <a:lnSpc>
-                <a:spcPct val="150000"/>
-              </a:lnSpc>
-            </a:pPr>
-            <a:r>
-              <a:rPr lang="zh-CN" altLang="en-US" sz="1600" dirty="0">
-                <a:solidFill>
-                  <a:srgbClr val="1E83D5"/>
-                </a:solidFill>
-                <a:latin typeface="思源黑体 CN Bold" panose="020B0800000000000000" charset="-122"/>
-                <a:ea typeface="思源黑体 CN Bold" panose="020B0800000000000000" charset="-122"/>
-                <a:cs typeface="Roboto Black" panose="02000000000000000000" charset="0"/>
-              </a:rPr>
-              <a:t>开放接口时最基本需要考虑到接口不应该被别人随意访问，而我也不能随意访问到其他用户的数据，从而保证用户与用户之间的数据隔离。这个时候我们就有必要引入Token机制了。具体的做法： 在用户成功登录时，系统可以返回客户端一个Token，后续客户端调用服务端的接口，都需要带上Token，而服务端需要校验客户端Token的合法性。Token不一致的情况下，服务端需要拦截该请求。</a:t>
-            </a:r>
-            <a:endParaRPr lang="zh-CN" altLang="en-US" sz="1600" dirty="0">
-              <a:solidFill>
-                <a:srgbClr val="1E83D5"/>
-              </a:solidFill>
-              <a:latin typeface="思源黑体 CN Bold" panose="020B0800000000000000" charset="-122"/>
-              <a:ea typeface="思源黑体 CN Bold" panose="020B0800000000000000" charset="-122"/>
-              <a:cs typeface="Roboto Black" panose="02000000000000000000" charset="0"/>
             </a:endParaRPr>
           </a:p>
         </p:txBody>
@@ -11636,7 +15374,7 @@
         </p:nvGrpSpPr>
         <p:grpSpPr>
           <a:xfrm>
-            <a:off x="2309495" y="530860"/>
+            <a:off x="2309495" y="542290"/>
             <a:ext cx="7476490" cy="768350"/>
             <a:chOff x="3709" y="957"/>
             <a:chExt cx="11774" cy="1210"/>
@@ -11713,14 +15451,14 @@
             <a:p>
               <a:pPr algn="just"/>
               <a:r>
-                <a:rPr lang="zh-CN" altLang="en-US" sz="4400">
+                <a:rPr lang="en-US" altLang="zh-CN" sz="4400">
                   <a:solidFill>
                     <a:srgbClr val="1E83D5"/>
                   </a:solidFill>
                   <a:latin typeface="思源黑体 CN Bold" panose="020B0800000000000000" charset="-122"/>
                   <a:ea typeface="思源黑体 CN Bold" panose="020B0800000000000000" charset="-122"/>
                 </a:rPr>
-                <a:t>安全考量</a:t>
+                <a:t> </a:t>
               </a:r>
               <a:r>
                 <a:rPr lang="zh-CN" altLang="en-US" sz="4400">
@@ -11730,7 +15468,27 @@
                   <a:latin typeface="思源黑体 CN Bold" panose="020B0800000000000000" charset="-122"/>
                   <a:ea typeface="思源黑体 CN Bold" panose="020B0800000000000000" charset="-122"/>
                 </a:rPr>
-                <a:t>点</a:t>
+                <a:t>概</a:t>
+              </a:r>
+              <a:r>
+                <a:rPr lang="en-US" altLang="zh-CN" sz="4400">
+                  <a:solidFill>
+                    <a:srgbClr val="1E83D5"/>
+                  </a:solidFill>
+                  <a:latin typeface="思源黑体 CN Bold" panose="020B0800000000000000" charset="-122"/>
+                  <a:ea typeface="思源黑体 CN Bold" panose="020B0800000000000000" charset="-122"/>
+                </a:rPr>
+                <a:t>   </a:t>
+              </a:r>
+              <a:r>
+                <a:rPr lang="zh-CN" altLang="en-US" sz="4400">
+                  <a:solidFill>
+                    <a:srgbClr val="1E83D5"/>
+                  </a:solidFill>
+                  <a:latin typeface="思源黑体 CN Bold" panose="020B0800000000000000" charset="-122"/>
+                  <a:ea typeface="思源黑体 CN Bold" panose="020B0800000000000000" charset="-122"/>
+                </a:rPr>
+                <a:t>论</a:t>
               </a:r>
               <a:endParaRPr lang="zh-CN" altLang="en-US" sz="4400">
                 <a:solidFill>
@@ -11816,6 +15574,160 @@
           </a:prstGeom>
         </p:spPr>
       </p:pic>
+      <p:sp>
+        <p:nvSpPr>
+          <p:cNvPr id="56" name="文本框 44"/>
+          <p:cNvSpPr txBox="1"/>
+          <p:nvPr/>
+        </p:nvSpPr>
+        <p:spPr>
+          <a:xfrm>
+            <a:off x="5339080" y="2668905"/>
+            <a:ext cx="5998210" cy="829945"/>
+          </a:xfrm>
+          <a:prstGeom prst="rect">
+            <a:avLst/>
+          </a:prstGeom>
+          <a:noFill/>
+        </p:spPr>
+        <p:txBody>
+          <a:bodyPr wrap="square" rtlCol="0">
+            <a:spAutoFit/>
+          </a:bodyPr>
+          <a:lstStyle>
+            <a:defPPr>
+              <a:defRPr lang="zh-CN"/>
+            </a:defPPr>
+            <a:lvl1pPr marL="0" algn="l" defTabSz="914400" rtl="0" eaLnBrk="1" latinLnBrk="0" hangingPunct="1">
+              <a:defRPr sz="1800" kern="1200">
+                <a:solidFill>
+                  <a:schemeClr val="tx1"/>
+                </a:solidFill>
+                <a:latin typeface="+mn-lt"/>
+                <a:ea typeface="+mn-ea"/>
+                <a:cs typeface="+mn-cs"/>
+              </a:defRPr>
+            </a:lvl1pPr>
+            <a:lvl2pPr marL="457200" algn="l" defTabSz="914400" rtl="0" eaLnBrk="1" latinLnBrk="0" hangingPunct="1">
+              <a:defRPr sz="1800" kern="1200">
+                <a:solidFill>
+                  <a:schemeClr val="tx1"/>
+                </a:solidFill>
+                <a:latin typeface="+mn-lt"/>
+                <a:ea typeface="+mn-ea"/>
+                <a:cs typeface="+mn-cs"/>
+              </a:defRPr>
+            </a:lvl2pPr>
+            <a:lvl3pPr marL="914400" algn="l" defTabSz="914400" rtl="0" eaLnBrk="1" latinLnBrk="0" hangingPunct="1">
+              <a:defRPr sz="1800" kern="1200">
+                <a:solidFill>
+                  <a:schemeClr val="tx1"/>
+                </a:solidFill>
+                <a:latin typeface="+mn-lt"/>
+                <a:ea typeface="+mn-ea"/>
+                <a:cs typeface="+mn-cs"/>
+              </a:defRPr>
+            </a:lvl3pPr>
+            <a:lvl4pPr marL="1371600" algn="l" defTabSz="914400" rtl="0" eaLnBrk="1" latinLnBrk="0" hangingPunct="1">
+              <a:defRPr sz="1800" kern="1200">
+                <a:solidFill>
+                  <a:schemeClr val="tx1"/>
+                </a:solidFill>
+                <a:latin typeface="+mn-lt"/>
+                <a:ea typeface="+mn-ea"/>
+                <a:cs typeface="+mn-cs"/>
+              </a:defRPr>
+            </a:lvl4pPr>
+            <a:lvl5pPr marL="1828800" algn="l" defTabSz="914400" rtl="0" eaLnBrk="1" latinLnBrk="0" hangingPunct="1">
+              <a:defRPr sz="1800" kern="1200">
+                <a:solidFill>
+                  <a:schemeClr val="tx1"/>
+                </a:solidFill>
+                <a:latin typeface="+mn-lt"/>
+                <a:ea typeface="+mn-ea"/>
+                <a:cs typeface="+mn-cs"/>
+              </a:defRPr>
+            </a:lvl5pPr>
+            <a:lvl6pPr marL="2286000" algn="l" defTabSz="914400" rtl="0" eaLnBrk="1" latinLnBrk="0" hangingPunct="1">
+              <a:defRPr sz="1800" kern="1200">
+                <a:solidFill>
+                  <a:schemeClr val="tx1"/>
+                </a:solidFill>
+                <a:latin typeface="+mn-lt"/>
+                <a:ea typeface="+mn-ea"/>
+                <a:cs typeface="+mn-cs"/>
+              </a:defRPr>
+            </a:lvl6pPr>
+            <a:lvl7pPr marL="2743200" algn="l" defTabSz="914400" rtl="0" eaLnBrk="1" latinLnBrk="0" hangingPunct="1">
+              <a:defRPr sz="1800" kern="1200">
+                <a:solidFill>
+                  <a:schemeClr val="tx1"/>
+                </a:solidFill>
+                <a:latin typeface="+mn-lt"/>
+                <a:ea typeface="+mn-ea"/>
+                <a:cs typeface="+mn-cs"/>
+              </a:defRPr>
+            </a:lvl7pPr>
+            <a:lvl8pPr marL="3200400" algn="l" defTabSz="914400" rtl="0" eaLnBrk="1" latinLnBrk="0" hangingPunct="1">
+              <a:defRPr sz="1800" kern="1200">
+                <a:solidFill>
+                  <a:schemeClr val="tx1"/>
+                </a:solidFill>
+                <a:latin typeface="+mn-lt"/>
+                <a:ea typeface="+mn-ea"/>
+                <a:cs typeface="+mn-cs"/>
+              </a:defRPr>
+            </a:lvl8pPr>
+            <a:lvl9pPr marL="3657600" algn="l" defTabSz="914400" rtl="0" eaLnBrk="1" latinLnBrk="0" hangingPunct="1">
+              <a:defRPr sz="1800" kern="1200">
+                <a:solidFill>
+                  <a:schemeClr val="tx1"/>
+                </a:solidFill>
+                <a:latin typeface="+mn-lt"/>
+                <a:ea typeface="+mn-ea"/>
+                <a:cs typeface="+mn-cs"/>
+              </a:defRPr>
+            </a:lvl9pPr>
+          </a:lstStyle>
+          <a:p>
+            <a:pPr>
+              <a:lnSpc>
+                <a:spcPct val="150000"/>
+              </a:lnSpc>
+            </a:pPr>
+            <a:r>
+              <a:rPr lang="zh-CN" altLang="en-US" sz="1600" dirty="0">
+                <a:solidFill>
+                  <a:srgbClr val="1E83D5"/>
+                </a:solidFill>
+                <a:latin typeface="思源黑体 CN Bold" panose="020B0800000000000000" charset="-122"/>
+                <a:ea typeface="思源黑体 CN Bold" panose="020B0800000000000000" charset="-122"/>
+                <a:cs typeface="Roboto Black" panose="02000000000000000000" charset="0"/>
+              </a:rPr>
+              <a:t>数据备份是指生产数据是否能够及时有效的做好备份，所备份的内容是否能否快速、准确、完整的被</a:t>
+            </a:r>
+            <a:r>
+              <a:rPr lang="zh-CN" altLang="en-US" sz="1600" dirty="0">
+                <a:solidFill>
+                  <a:srgbClr val="1E83D5"/>
+                </a:solidFill>
+                <a:latin typeface="思源黑体 CN Bold" panose="020B0800000000000000" charset="-122"/>
+                <a:ea typeface="思源黑体 CN Bold" panose="020B0800000000000000" charset="-122"/>
+                <a:cs typeface="Roboto Black" panose="02000000000000000000" charset="0"/>
+              </a:rPr>
+              <a:t>恢复。</a:t>
+            </a:r>
+            <a:endParaRPr lang="zh-CN" altLang="en-US" sz="1600" dirty="0">
+              <a:solidFill>
+                <a:srgbClr val="1E83D5"/>
+              </a:solidFill>
+              <a:latin typeface="思源黑体 CN Bold" panose="020B0800000000000000" charset="-122"/>
+              <a:ea typeface="思源黑体 CN Bold" panose="020B0800000000000000" charset="-122"/>
+              <a:cs typeface="Roboto Black" panose="02000000000000000000" charset="0"/>
+            </a:endParaRPr>
+          </a:p>
+        </p:txBody>
+      </p:sp>
       <p:grpSp>
         <p:nvGrpSpPr>
           <p:cNvPr id="53" name="组合 52"/>
@@ -11950,7 +15862,7 @@
                 <a:latin typeface="思源黑体 CN Bold" panose="020B0800000000000000" charset="-122"/>
                 <a:ea typeface="思源黑体 CN Bold" panose="020B0800000000000000" charset="-122"/>
               </a:rPr>
-              <a:t>考量点</a:t>
+              <a:t>数据</a:t>
             </a:r>
             <a:r>
               <a:rPr lang="zh-CN" altLang="en-US" sz="2400">
@@ -11960,7 +15872,7 @@
                 <a:latin typeface="思源黑体 CN Bold" panose="020B0800000000000000" charset="-122"/>
                 <a:ea typeface="思源黑体 CN Bold" panose="020B0800000000000000" charset="-122"/>
               </a:rPr>
-              <a:t>二</a:t>
+              <a:t>备份</a:t>
             </a:r>
             <a:endParaRPr lang="zh-CN" altLang="en-US" sz="2400">
               <a:solidFill>
@@ -11968,290 +15880,6 @@
               </a:solidFill>
               <a:latin typeface="思源黑体 CN Bold" panose="020B0800000000000000" charset="-122"/>
               <a:ea typeface="思源黑体 CN Bold" panose="020B0800000000000000" charset="-122"/>
-            </a:endParaRPr>
-          </a:p>
-        </p:txBody>
-      </p:sp>
-      <p:sp>
-        <p:nvSpPr>
-          <p:cNvPr id="55" name="文本框"/>
-          <p:cNvSpPr txBox="1"/>
-          <p:nvPr/>
-        </p:nvSpPr>
-        <p:spPr>
-          <a:xfrm>
-            <a:off x="6333490" y="2000250"/>
-            <a:ext cx="4528820" cy="398780"/>
-          </a:xfrm>
-          <a:prstGeom prst="rect">
-            <a:avLst/>
-          </a:prstGeom>
-          <a:noFill/>
-        </p:spPr>
-        <p:txBody>
-          <a:bodyPr vert="horz" wrap="square" rtlCol="0">
-            <a:spAutoFit/>
-          </a:bodyPr>
-          <a:lstStyle>
-            <a:defPPr>
-              <a:defRPr lang="zh-CN"/>
-            </a:defPPr>
-            <a:lvl1pPr marL="0" algn="l" defTabSz="914400" rtl="0" eaLnBrk="1" latinLnBrk="0" hangingPunct="1">
-              <a:defRPr sz="1800" kern="1200">
-                <a:solidFill>
-                  <a:schemeClr val="tx1"/>
-                </a:solidFill>
-                <a:latin typeface="+mn-lt"/>
-                <a:ea typeface="+mn-ea"/>
-                <a:cs typeface="+mn-cs"/>
-              </a:defRPr>
-            </a:lvl1pPr>
-            <a:lvl2pPr marL="457200" algn="l" defTabSz="914400" rtl="0" eaLnBrk="1" latinLnBrk="0" hangingPunct="1">
-              <a:defRPr sz="1800" kern="1200">
-                <a:solidFill>
-                  <a:schemeClr val="tx1"/>
-                </a:solidFill>
-                <a:latin typeface="+mn-lt"/>
-                <a:ea typeface="+mn-ea"/>
-                <a:cs typeface="+mn-cs"/>
-              </a:defRPr>
-            </a:lvl2pPr>
-            <a:lvl3pPr marL="914400" algn="l" defTabSz="914400" rtl="0" eaLnBrk="1" latinLnBrk="0" hangingPunct="1">
-              <a:defRPr sz="1800" kern="1200">
-                <a:solidFill>
-                  <a:schemeClr val="tx1"/>
-                </a:solidFill>
-                <a:latin typeface="+mn-lt"/>
-                <a:ea typeface="+mn-ea"/>
-                <a:cs typeface="+mn-cs"/>
-              </a:defRPr>
-            </a:lvl3pPr>
-            <a:lvl4pPr marL="1371600" algn="l" defTabSz="914400" rtl="0" eaLnBrk="1" latinLnBrk="0" hangingPunct="1">
-              <a:defRPr sz="1800" kern="1200">
-                <a:solidFill>
-                  <a:schemeClr val="tx1"/>
-                </a:solidFill>
-                <a:latin typeface="+mn-lt"/>
-                <a:ea typeface="+mn-ea"/>
-                <a:cs typeface="+mn-cs"/>
-              </a:defRPr>
-            </a:lvl4pPr>
-            <a:lvl5pPr marL="1828800" algn="l" defTabSz="914400" rtl="0" eaLnBrk="1" latinLnBrk="0" hangingPunct="1">
-              <a:defRPr sz="1800" kern="1200">
-                <a:solidFill>
-                  <a:schemeClr val="tx1"/>
-                </a:solidFill>
-                <a:latin typeface="+mn-lt"/>
-                <a:ea typeface="+mn-ea"/>
-                <a:cs typeface="+mn-cs"/>
-              </a:defRPr>
-            </a:lvl5pPr>
-            <a:lvl6pPr marL="2286000" algn="l" defTabSz="914400" rtl="0" eaLnBrk="1" latinLnBrk="0" hangingPunct="1">
-              <a:defRPr sz="1800" kern="1200">
-                <a:solidFill>
-                  <a:schemeClr val="tx1"/>
-                </a:solidFill>
-                <a:latin typeface="+mn-lt"/>
-                <a:ea typeface="+mn-ea"/>
-                <a:cs typeface="+mn-cs"/>
-              </a:defRPr>
-            </a:lvl6pPr>
-            <a:lvl7pPr marL="2743200" algn="l" defTabSz="914400" rtl="0" eaLnBrk="1" latinLnBrk="0" hangingPunct="1">
-              <a:defRPr sz="1800" kern="1200">
-                <a:solidFill>
-                  <a:schemeClr val="tx1"/>
-                </a:solidFill>
-                <a:latin typeface="+mn-lt"/>
-                <a:ea typeface="+mn-ea"/>
-                <a:cs typeface="+mn-cs"/>
-              </a:defRPr>
-            </a:lvl7pPr>
-            <a:lvl8pPr marL="3200400" algn="l" defTabSz="914400" rtl="0" eaLnBrk="1" latinLnBrk="0" hangingPunct="1">
-              <a:defRPr sz="1800" kern="1200">
-                <a:solidFill>
-                  <a:schemeClr val="tx1"/>
-                </a:solidFill>
-                <a:latin typeface="+mn-lt"/>
-                <a:ea typeface="+mn-ea"/>
-                <a:cs typeface="+mn-cs"/>
-              </a:defRPr>
-            </a:lvl8pPr>
-            <a:lvl9pPr marL="3657600" algn="l" defTabSz="914400" rtl="0" eaLnBrk="1" latinLnBrk="0" hangingPunct="1">
-              <a:defRPr sz="1800" kern="1200">
-                <a:solidFill>
-                  <a:schemeClr val="tx1"/>
-                </a:solidFill>
-                <a:latin typeface="+mn-lt"/>
-                <a:ea typeface="+mn-ea"/>
-                <a:cs typeface="+mn-cs"/>
-              </a:defRPr>
-            </a:lvl9pPr>
-          </a:lstStyle>
-          <a:p>
-            <a:pPr algn="l"/>
-            <a:r>
-              <a:rPr lang="zh-CN" altLang="en-US" sz="2000" dirty="0">
-                <a:solidFill>
-                  <a:srgbClr val="1E83D5"/>
-                </a:solidFill>
-                <a:effectLst/>
-                <a:latin typeface="思源黑体 CN Bold" panose="020B0800000000000000" charset="-122"/>
-                <a:ea typeface="思源黑体 CN Bold" panose="020B0800000000000000" charset="-122"/>
-                <a:cs typeface="思源黑体 CN Bold" panose="020B0800000000000000" charset="-122"/>
-              </a:rPr>
-              <a:t>对数据进行校验</a:t>
-            </a:r>
-            <a:endParaRPr lang="zh-CN" altLang="en-US" sz="2000" dirty="0">
-              <a:solidFill>
-                <a:srgbClr val="1E83D5"/>
-              </a:solidFill>
-              <a:effectLst/>
-              <a:latin typeface="思源黑体 CN Bold" panose="020B0800000000000000" charset="-122"/>
-              <a:ea typeface="思源黑体 CN Bold" panose="020B0800000000000000" charset="-122"/>
-              <a:cs typeface="思源黑体 CN Bold" panose="020B0800000000000000" charset="-122"/>
-            </a:endParaRPr>
-          </a:p>
-        </p:txBody>
-      </p:sp>
-      <p:sp>
-        <p:nvSpPr>
-          <p:cNvPr id="56" name="文本框 44"/>
-          <p:cNvSpPr txBox="1"/>
-          <p:nvPr/>
-        </p:nvSpPr>
-        <p:spPr>
-          <a:xfrm>
-            <a:off x="6333490" y="2387600"/>
-            <a:ext cx="4745990" cy="3415030"/>
-          </a:xfrm>
-          <a:prstGeom prst="rect">
-            <a:avLst/>
-          </a:prstGeom>
-          <a:noFill/>
-        </p:spPr>
-        <p:txBody>
-          <a:bodyPr wrap="square" rtlCol="0">
-            <a:spAutoFit/>
-          </a:bodyPr>
-          <a:lstStyle>
-            <a:defPPr>
-              <a:defRPr lang="zh-CN"/>
-            </a:defPPr>
-            <a:lvl1pPr marL="0" algn="l" defTabSz="914400" rtl="0" eaLnBrk="1" latinLnBrk="0" hangingPunct="1">
-              <a:defRPr sz="1800" kern="1200">
-                <a:solidFill>
-                  <a:schemeClr val="tx1"/>
-                </a:solidFill>
-                <a:latin typeface="+mn-lt"/>
-                <a:ea typeface="+mn-ea"/>
-                <a:cs typeface="+mn-cs"/>
-              </a:defRPr>
-            </a:lvl1pPr>
-            <a:lvl2pPr marL="457200" algn="l" defTabSz="914400" rtl="0" eaLnBrk="1" latinLnBrk="0" hangingPunct="1">
-              <a:defRPr sz="1800" kern="1200">
-                <a:solidFill>
-                  <a:schemeClr val="tx1"/>
-                </a:solidFill>
-                <a:latin typeface="+mn-lt"/>
-                <a:ea typeface="+mn-ea"/>
-                <a:cs typeface="+mn-cs"/>
-              </a:defRPr>
-            </a:lvl2pPr>
-            <a:lvl3pPr marL="914400" algn="l" defTabSz="914400" rtl="0" eaLnBrk="1" latinLnBrk="0" hangingPunct="1">
-              <a:defRPr sz="1800" kern="1200">
-                <a:solidFill>
-                  <a:schemeClr val="tx1"/>
-                </a:solidFill>
-                <a:latin typeface="+mn-lt"/>
-                <a:ea typeface="+mn-ea"/>
-                <a:cs typeface="+mn-cs"/>
-              </a:defRPr>
-            </a:lvl3pPr>
-            <a:lvl4pPr marL="1371600" algn="l" defTabSz="914400" rtl="0" eaLnBrk="1" latinLnBrk="0" hangingPunct="1">
-              <a:defRPr sz="1800" kern="1200">
-                <a:solidFill>
-                  <a:schemeClr val="tx1"/>
-                </a:solidFill>
-                <a:latin typeface="+mn-lt"/>
-                <a:ea typeface="+mn-ea"/>
-                <a:cs typeface="+mn-cs"/>
-              </a:defRPr>
-            </a:lvl4pPr>
-            <a:lvl5pPr marL="1828800" algn="l" defTabSz="914400" rtl="0" eaLnBrk="1" latinLnBrk="0" hangingPunct="1">
-              <a:defRPr sz="1800" kern="1200">
-                <a:solidFill>
-                  <a:schemeClr val="tx1"/>
-                </a:solidFill>
-                <a:latin typeface="+mn-lt"/>
-                <a:ea typeface="+mn-ea"/>
-                <a:cs typeface="+mn-cs"/>
-              </a:defRPr>
-            </a:lvl5pPr>
-            <a:lvl6pPr marL="2286000" algn="l" defTabSz="914400" rtl="0" eaLnBrk="1" latinLnBrk="0" hangingPunct="1">
-              <a:defRPr sz="1800" kern="1200">
-                <a:solidFill>
-                  <a:schemeClr val="tx1"/>
-                </a:solidFill>
-                <a:latin typeface="+mn-lt"/>
-                <a:ea typeface="+mn-ea"/>
-                <a:cs typeface="+mn-cs"/>
-              </a:defRPr>
-            </a:lvl6pPr>
-            <a:lvl7pPr marL="2743200" algn="l" defTabSz="914400" rtl="0" eaLnBrk="1" latinLnBrk="0" hangingPunct="1">
-              <a:defRPr sz="1800" kern="1200">
-                <a:solidFill>
-                  <a:schemeClr val="tx1"/>
-                </a:solidFill>
-                <a:latin typeface="+mn-lt"/>
-                <a:ea typeface="+mn-ea"/>
-                <a:cs typeface="+mn-cs"/>
-              </a:defRPr>
-            </a:lvl7pPr>
-            <a:lvl8pPr marL="3200400" algn="l" defTabSz="914400" rtl="0" eaLnBrk="1" latinLnBrk="0" hangingPunct="1">
-              <a:defRPr sz="1800" kern="1200">
-                <a:solidFill>
-                  <a:schemeClr val="tx1"/>
-                </a:solidFill>
-                <a:latin typeface="+mn-lt"/>
-                <a:ea typeface="+mn-ea"/>
-                <a:cs typeface="+mn-cs"/>
-              </a:defRPr>
-            </a:lvl8pPr>
-            <a:lvl9pPr marL="3657600" algn="l" defTabSz="914400" rtl="0" eaLnBrk="1" latinLnBrk="0" hangingPunct="1">
-              <a:defRPr sz="1800" kern="1200">
-                <a:solidFill>
-                  <a:schemeClr val="tx1"/>
-                </a:solidFill>
-                <a:latin typeface="+mn-lt"/>
-                <a:ea typeface="+mn-ea"/>
-                <a:cs typeface="+mn-cs"/>
-              </a:defRPr>
-            </a:lvl9pPr>
-          </a:lstStyle>
-          <a:p>
-            <a:pPr>
-              <a:lnSpc>
-                <a:spcPct val="150000"/>
-              </a:lnSpc>
-            </a:pPr>
-            <a:r>
-              <a:rPr lang="zh-CN" altLang="en-US" sz="1600" dirty="0">
-                <a:solidFill>
-                  <a:srgbClr val="1E83D5"/>
-                </a:solidFill>
-                <a:latin typeface="思源黑体 CN Bold" panose="020B0800000000000000" charset="-122"/>
-                <a:ea typeface="思源黑体 CN Bold" panose="020B0800000000000000" charset="-122"/>
-                <a:cs typeface="Roboto Black" panose="02000000000000000000" charset="0"/>
-              </a:rPr>
-              <a:t>服务端从某种层面来说需要验证接受到数据是否和客户端发来的数据是否一致，要验证数据在传输过程中有没有被注入攻击。这时候客户端和服务端就有必要做签名和验签。具体做法： 客户端对所有请求服务端接口参数做加密生成签名，并将签名作为请求参数一并传到服务端，服务端接受到请求同时要做验签的操作，对称加密对请求参数生成签名，并与客户端传过来的签名进行比对，如签名不一致，服务端需要拦截该请求</a:t>
-            </a:r>
-            <a:endParaRPr lang="zh-CN" altLang="en-US" sz="1600" dirty="0">
-              <a:solidFill>
-                <a:srgbClr val="1E83D5"/>
-              </a:solidFill>
-              <a:latin typeface="思源黑体 CN Bold" panose="020B0800000000000000" charset="-122"/>
-              <a:ea typeface="思源黑体 CN Bold" panose="020B0800000000000000" charset="-122"/>
-              <a:cs typeface="Roboto Black" panose="02000000000000000000" charset="0"/>
             </a:endParaRPr>
           </a:p>
         </p:txBody>
@@ -12362,14 +15990,14 @@
             <a:p>
               <a:pPr algn="just"/>
               <a:r>
-                <a:rPr lang="zh-CN" altLang="en-US" sz="4400">
+                <a:rPr lang="en-US" altLang="zh-CN" sz="4400">
                   <a:solidFill>
                     <a:srgbClr val="1E83D5"/>
                   </a:solidFill>
                   <a:latin typeface="思源黑体 CN Bold" panose="020B0800000000000000" charset="-122"/>
                   <a:ea typeface="思源黑体 CN Bold" panose="020B0800000000000000" charset="-122"/>
                 </a:rPr>
-                <a:t>安全考量</a:t>
+                <a:t> </a:t>
               </a:r>
               <a:r>
                 <a:rPr lang="zh-CN" altLang="en-US" sz="4400">
@@ -12379,7 +16007,27 @@
                   <a:latin typeface="思源黑体 CN Bold" panose="020B0800000000000000" charset="-122"/>
                   <a:ea typeface="思源黑体 CN Bold" panose="020B0800000000000000" charset="-122"/>
                 </a:rPr>
-                <a:t>点</a:t>
+                <a:t>概</a:t>
+              </a:r>
+              <a:r>
+                <a:rPr lang="en-US" altLang="zh-CN" sz="4400">
+                  <a:solidFill>
+                    <a:srgbClr val="1E83D5"/>
+                  </a:solidFill>
+                  <a:latin typeface="思源黑体 CN Bold" panose="020B0800000000000000" charset="-122"/>
+                  <a:ea typeface="思源黑体 CN Bold" panose="020B0800000000000000" charset="-122"/>
+                </a:rPr>
+                <a:t>   </a:t>
+              </a:r>
+              <a:r>
+                <a:rPr lang="zh-CN" altLang="en-US" sz="4400">
+                  <a:solidFill>
+                    <a:srgbClr val="1E83D5"/>
+                  </a:solidFill>
+                  <a:latin typeface="思源黑体 CN Bold" panose="020B0800000000000000" charset="-122"/>
+                  <a:ea typeface="思源黑体 CN Bold" panose="020B0800000000000000" charset="-122"/>
+                </a:rPr>
+                <a:t>论</a:t>
               </a:r>
               <a:endParaRPr lang="zh-CN" altLang="en-US" sz="4400">
                 <a:solidFill>
@@ -12465,6 +16113,197 @@
           </a:prstGeom>
         </p:spPr>
       </p:pic>
+      <p:sp>
+        <p:nvSpPr>
+          <p:cNvPr id="56" name="文本框 44"/>
+          <p:cNvSpPr txBox="1"/>
+          <p:nvPr/>
+        </p:nvSpPr>
+        <p:spPr>
+          <a:xfrm>
+            <a:off x="5327015" y="2715895"/>
+            <a:ext cx="5998210" cy="1568450"/>
+          </a:xfrm>
+          <a:prstGeom prst="rect">
+            <a:avLst/>
+          </a:prstGeom>
+          <a:noFill/>
+        </p:spPr>
+        <p:txBody>
+          <a:bodyPr wrap="square" rtlCol="0">
+            <a:spAutoFit/>
+          </a:bodyPr>
+          <a:lstStyle>
+            <a:defPPr>
+              <a:defRPr lang="zh-CN"/>
+            </a:defPPr>
+            <a:lvl1pPr marL="0" algn="l" defTabSz="914400" rtl="0" eaLnBrk="1" latinLnBrk="0" hangingPunct="1">
+              <a:defRPr sz="1800" kern="1200">
+                <a:solidFill>
+                  <a:schemeClr val="tx1"/>
+                </a:solidFill>
+                <a:latin typeface="+mn-lt"/>
+                <a:ea typeface="+mn-ea"/>
+                <a:cs typeface="+mn-cs"/>
+              </a:defRPr>
+            </a:lvl1pPr>
+            <a:lvl2pPr marL="457200" algn="l" defTabSz="914400" rtl="0" eaLnBrk="1" latinLnBrk="0" hangingPunct="1">
+              <a:defRPr sz="1800" kern="1200">
+                <a:solidFill>
+                  <a:schemeClr val="tx1"/>
+                </a:solidFill>
+                <a:latin typeface="+mn-lt"/>
+                <a:ea typeface="+mn-ea"/>
+                <a:cs typeface="+mn-cs"/>
+              </a:defRPr>
+            </a:lvl2pPr>
+            <a:lvl3pPr marL="914400" algn="l" defTabSz="914400" rtl="0" eaLnBrk="1" latinLnBrk="0" hangingPunct="1">
+              <a:defRPr sz="1800" kern="1200">
+                <a:solidFill>
+                  <a:schemeClr val="tx1"/>
+                </a:solidFill>
+                <a:latin typeface="+mn-lt"/>
+                <a:ea typeface="+mn-ea"/>
+                <a:cs typeface="+mn-cs"/>
+              </a:defRPr>
+            </a:lvl3pPr>
+            <a:lvl4pPr marL="1371600" algn="l" defTabSz="914400" rtl="0" eaLnBrk="1" latinLnBrk="0" hangingPunct="1">
+              <a:defRPr sz="1800" kern="1200">
+                <a:solidFill>
+                  <a:schemeClr val="tx1"/>
+                </a:solidFill>
+                <a:latin typeface="+mn-lt"/>
+                <a:ea typeface="+mn-ea"/>
+                <a:cs typeface="+mn-cs"/>
+              </a:defRPr>
+            </a:lvl4pPr>
+            <a:lvl5pPr marL="1828800" algn="l" defTabSz="914400" rtl="0" eaLnBrk="1" latinLnBrk="0" hangingPunct="1">
+              <a:defRPr sz="1800" kern="1200">
+                <a:solidFill>
+                  <a:schemeClr val="tx1"/>
+                </a:solidFill>
+                <a:latin typeface="+mn-lt"/>
+                <a:ea typeface="+mn-ea"/>
+                <a:cs typeface="+mn-cs"/>
+              </a:defRPr>
+            </a:lvl5pPr>
+            <a:lvl6pPr marL="2286000" algn="l" defTabSz="914400" rtl="0" eaLnBrk="1" latinLnBrk="0" hangingPunct="1">
+              <a:defRPr sz="1800" kern="1200">
+                <a:solidFill>
+                  <a:schemeClr val="tx1"/>
+                </a:solidFill>
+                <a:latin typeface="+mn-lt"/>
+                <a:ea typeface="+mn-ea"/>
+                <a:cs typeface="+mn-cs"/>
+              </a:defRPr>
+            </a:lvl6pPr>
+            <a:lvl7pPr marL="2743200" algn="l" defTabSz="914400" rtl="0" eaLnBrk="1" latinLnBrk="0" hangingPunct="1">
+              <a:defRPr sz="1800" kern="1200">
+                <a:solidFill>
+                  <a:schemeClr val="tx1"/>
+                </a:solidFill>
+                <a:latin typeface="+mn-lt"/>
+                <a:ea typeface="+mn-ea"/>
+                <a:cs typeface="+mn-cs"/>
+              </a:defRPr>
+            </a:lvl7pPr>
+            <a:lvl8pPr marL="3200400" algn="l" defTabSz="914400" rtl="0" eaLnBrk="1" latinLnBrk="0" hangingPunct="1">
+              <a:defRPr sz="1800" kern="1200">
+                <a:solidFill>
+                  <a:schemeClr val="tx1"/>
+                </a:solidFill>
+                <a:latin typeface="+mn-lt"/>
+                <a:ea typeface="+mn-ea"/>
+                <a:cs typeface="+mn-cs"/>
+              </a:defRPr>
+            </a:lvl8pPr>
+            <a:lvl9pPr marL="3657600" algn="l" defTabSz="914400" rtl="0" eaLnBrk="1" latinLnBrk="0" hangingPunct="1">
+              <a:defRPr sz="1800" kern="1200">
+                <a:solidFill>
+                  <a:schemeClr val="tx1"/>
+                </a:solidFill>
+                <a:latin typeface="+mn-lt"/>
+                <a:ea typeface="+mn-ea"/>
+                <a:cs typeface="+mn-cs"/>
+              </a:defRPr>
+            </a:lvl9pPr>
+          </a:lstStyle>
+          <a:p>
+            <a:pPr>
+              <a:lnSpc>
+                <a:spcPct val="150000"/>
+              </a:lnSpc>
+            </a:pPr>
+            <a:r>
+              <a:rPr lang="zh-CN" altLang="en-US" sz="1600" dirty="0">
+                <a:solidFill>
+                  <a:srgbClr val="1E83D5"/>
+                </a:solidFill>
+                <a:latin typeface="思源黑体 CN Bold" panose="020B0800000000000000" charset="-122"/>
+                <a:ea typeface="思源黑体 CN Bold" panose="020B0800000000000000" charset="-122"/>
+                <a:cs typeface="Roboto Black" panose="02000000000000000000" charset="0"/>
+              </a:rPr>
+              <a:t>数据访问安全是指用户访问来源、访问方式是否安全可控。各个业务系统是否提供了安全访问控制、访问分析和</a:t>
+            </a:r>
+            <a:r>
+              <a:rPr lang="zh-CN" altLang="en-US" sz="1600" dirty="0">
+                <a:solidFill>
+                  <a:srgbClr val="1E83D5"/>
+                </a:solidFill>
+                <a:latin typeface="思源黑体 CN Bold" panose="020B0800000000000000" charset="-122"/>
+                <a:ea typeface="思源黑体 CN Bold" panose="020B0800000000000000" charset="-122"/>
+                <a:cs typeface="Roboto Black" panose="02000000000000000000" charset="0"/>
+              </a:rPr>
+              <a:t>管理。</a:t>
+            </a:r>
+            <a:endParaRPr lang="zh-CN" altLang="en-US" sz="1600" dirty="0">
+              <a:solidFill>
+                <a:srgbClr val="1E83D5"/>
+              </a:solidFill>
+              <a:latin typeface="思源黑体 CN Bold" panose="020B0800000000000000" charset="-122"/>
+              <a:ea typeface="思源黑体 CN Bold" panose="020B0800000000000000" charset="-122"/>
+              <a:cs typeface="Roboto Black" panose="02000000000000000000" charset="0"/>
+            </a:endParaRPr>
+          </a:p>
+          <a:p>
+            <a:pPr>
+              <a:lnSpc>
+                <a:spcPct val="150000"/>
+              </a:lnSpc>
+            </a:pPr>
+            <a:r>
+              <a:rPr lang="zh-CN" altLang="en-US" sz="1600" dirty="0">
+                <a:solidFill>
+                  <a:srgbClr val="1E83D5"/>
+                </a:solidFill>
+                <a:latin typeface="思源黑体 CN Bold" panose="020B0800000000000000" charset="-122"/>
+                <a:ea typeface="思源黑体 CN Bold" panose="020B0800000000000000" charset="-122"/>
+                <a:cs typeface="Roboto Black" panose="02000000000000000000" charset="0"/>
+              </a:rPr>
+              <a:t>业务系统是否提供正确的鉴权、权限管理、资源和网络隔离、来源约束</a:t>
+            </a:r>
+            <a:r>
+              <a:rPr lang="zh-CN" altLang="en-US" sz="1600" dirty="0">
+                <a:solidFill>
+                  <a:srgbClr val="1E83D5"/>
+                </a:solidFill>
+                <a:latin typeface="思源黑体 CN Bold" panose="020B0800000000000000" charset="-122"/>
+                <a:ea typeface="思源黑体 CN Bold" panose="020B0800000000000000" charset="-122"/>
+                <a:cs typeface="Roboto Black" panose="02000000000000000000" charset="0"/>
+              </a:rPr>
+              <a:t>机制。</a:t>
+            </a:r>
+            <a:endParaRPr lang="zh-CN" altLang="en-US" sz="1600" dirty="0">
+              <a:solidFill>
+                <a:srgbClr val="1E83D5"/>
+              </a:solidFill>
+              <a:latin typeface="思源黑体 CN Bold" panose="020B0800000000000000" charset="-122"/>
+              <a:ea typeface="思源黑体 CN Bold" panose="020B0800000000000000" charset="-122"/>
+              <a:cs typeface="Roboto Black" panose="02000000000000000000" charset="0"/>
+            </a:endParaRPr>
+          </a:p>
+        </p:txBody>
+      </p:sp>
       <p:grpSp>
         <p:nvGrpSpPr>
           <p:cNvPr id="53" name="组合 52"/>
@@ -12599,7 +16438,7 @@
                 <a:latin typeface="思源黑体 CN Bold" panose="020B0800000000000000" charset="-122"/>
                 <a:ea typeface="思源黑体 CN Bold" panose="020B0800000000000000" charset="-122"/>
               </a:rPr>
-              <a:t>考量点</a:t>
+              <a:t>数据</a:t>
             </a:r>
             <a:r>
               <a:rPr lang="zh-CN" altLang="en-US" sz="2400">
@@ -12609,7 +16448,7 @@
                 <a:latin typeface="思源黑体 CN Bold" panose="020B0800000000000000" charset="-122"/>
                 <a:ea typeface="思源黑体 CN Bold" panose="020B0800000000000000" charset="-122"/>
               </a:rPr>
-              <a:t>三</a:t>
+              <a:t>访问</a:t>
             </a:r>
             <a:endParaRPr lang="zh-CN" altLang="en-US" sz="2400">
               <a:solidFill>
@@ -12617,290 +16456,6 @@
               </a:solidFill>
               <a:latin typeface="思源黑体 CN Bold" panose="020B0800000000000000" charset="-122"/>
               <a:ea typeface="思源黑体 CN Bold" panose="020B0800000000000000" charset="-122"/>
-            </a:endParaRPr>
-          </a:p>
-        </p:txBody>
-      </p:sp>
-      <p:sp>
-        <p:nvSpPr>
-          <p:cNvPr id="55" name="文本框"/>
-          <p:cNvSpPr txBox="1"/>
-          <p:nvPr/>
-        </p:nvSpPr>
-        <p:spPr>
-          <a:xfrm>
-            <a:off x="6333490" y="2000250"/>
-            <a:ext cx="4528820" cy="398780"/>
-          </a:xfrm>
-          <a:prstGeom prst="rect">
-            <a:avLst/>
-          </a:prstGeom>
-          <a:noFill/>
-        </p:spPr>
-        <p:txBody>
-          <a:bodyPr vert="horz" wrap="square" rtlCol="0">
-            <a:spAutoFit/>
-          </a:bodyPr>
-          <a:lstStyle>
-            <a:defPPr>
-              <a:defRPr lang="zh-CN"/>
-            </a:defPPr>
-            <a:lvl1pPr marL="0" algn="l" defTabSz="914400" rtl="0" eaLnBrk="1" latinLnBrk="0" hangingPunct="1">
-              <a:defRPr sz="1800" kern="1200">
-                <a:solidFill>
-                  <a:schemeClr val="tx1"/>
-                </a:solidFill>
-                <a:latin typeface="+mn-lt"/>
-                <a:ea typeface="+mn-ea"/>
-                <a:cs typeface="+mn-cs"/>
-              </a:defRPr>
-            </a:lvl1pPr>
-            <a:lvl2pPr marL="457200" algn="l" defTabSz="914400" rtl="0" eaLnBrk="1" latinLnBrk="0" hangingPunct="1">
-              <a:defRPr sz="1800" kern="1200">
-                <a:solidFill>
-                  <a:schemeClr val="tx1"/>
-                </a:solidFill>
-                <a:latin typeface="+mn-lt"/>
-                <a:ea typeface="+mn-ea"/>
-                <a:cs typeface="+mn-cs"/>
-              </a:defRPr>
-            </a:lvl2pPr>
-            <a:lvl3pPr marL="914400" algn="l" defTabSz="914400" rtl="0" eaLnBrk="1" latinLnBrk="0" hangingPunct="1">
-              <a:defRPr sz="1800" kern="1200">
-                <a:solidFill>
-                  <a:schemeClr val="tx1"/>
-                </a:solidFill>
-                <a:latin typeface="+mn-lt"/>
-                <a:ea typeface="+mn-ea"/>
-                <a:cs typeface="+mn-cs"/>
-              </a:defRPr>
-            </a:lvl3pPr>
-            <a:lvl4pPr marL="1371600" algn="l" defTabSz="914400" rtl="0" eaLnBrk="1" latinLnBrk="0" hangingPunct="1">
-              <a:defRPr sz="1800" kern="1200">
-                <a:solidFill>
-                  <a:schemeClr val="tx1"/>
-                </a:solidFill>
-                <a:latin typeface="+mn-lt"/>
-                <a:ea typeface="+mn-ea"/>
-                <a:cs typeface="+mn-cs"/>
-              </a:defRPr>
-            </a:lvl4pPr>
-            <a:lvl5pPr marL="1828800" algn="l" defTabSz="914400" rtl="0" eaLnBrk="1" latinLnBrk="0" hangingPunct="1">
-              <a:defRPr sz="1800" kern="1200">
-                <a:solidFill>
-                  <a:schemeClr val="tx1"/>
-                </a:solidFill>
-                <a:latin typeface="+mn-lt"/>
-                <a:ea typeface="+mn-ea"/>
-                <a:cs typeface="+mn-cs"/>
-              </a:defRPr>
-            </a:lvl5pPr>
-            <a:lvl6pPr marL="2286000" algn="l" defTabSz="914400" rtl="0" eaLnBrk="1" latinLnBrk="0" hangingPunct="1">
-              <a:defRPr sz="1800" kern="1200">
-                <a:solidFill>
-                  <a:schemeClr val="tx1"/>
-                </a:solidFill>
-                <a:latin typeface="+mn-lt"/>
-                <a:ea typeface="+mn-ea"/>
-                <a:cs typeface="+mn-cs"/>
-              </a:defRPr>
-            </a:lvl6pPr>
-            <a:lvl7pPr marL="2743200" algn="l" defTabSz="914400" rtl="0" eaLnBrk="1" latinLnBrk="0" hangingPunct="1">
-              <a:defRPr sz="1800" kern="1200">
-                <a:solidFill>
-                  <a:schemeClr val="tx1"/>
-                </a:solidFill>
-                <a:latin typeface="+mn-lt"/>
-                <a:ea typeface="+mn-ea"/>
-                <a:cs typeface="+mn-cs"/>
-              </a:defRPr>
-            </a:lvl7pPr>
-            <a:lvl8pPr marL="3200400" algn="l" defTabSz="914400" rtl="0" eaLnBrk="1" latinLnBrk="0" hangingPunct="1">
-              <a:defRPr sz="1800" kern="1200">
-                <a:solidFill>
-                  <a:schemeClr val="tx1"/>
-                </a:solidFill>
-                <a:latin typeface="+mn-lt"/>
-                <a:ea typeface="+mn-ea"/>
-                <a:cs typeface="+mn-cs"/>
-              </a:defRPr>
-            </a:lvl8pPr>
-            <a:lvl9pPr marL="3657600" algn="l" defTabSz="914400" rtl="0" eaLnBrk="1" latinLnBrk="0" hangingPunct="1">
-              <a:defRPr sz="1800" kern="1200">
-                <a:solidFill>
-                  <a:schemeClr val="tx1"/>
-                </a:solidFill>
-                <a:latin typeface="+mn-lt"/>
-                <a:ea typeface="+mn-ea"/>
-                <a:cs typeface="+mn-cs"/>
-              </a:defRPr>
-            </a:lvl9pPr>
-          </a:lstStyle>
-          <a:p>
-            <a:pPr algn="l"/>
-            <a:r>
-              <a:rPr lang="zh-CN" altLang="en-US" sz="2000" dirty="0">
-                <a:solidFill>
-                  <a:srgbClr val="1E83D5"/>
-                </a:solidFill>
-                <a:effectLst/>
-                <a:latin typeface="思源黑体 CN Bold" panose="020B0800000000000000" charset="-122"/>
-                <a:ea typeface="思源黑体 CN Bold" panose="020B0800000000000000" charset="-122"/>
-                <a:cs typeface="思源黑体 CN Bold" panose="020B0800000000000000" charset="-122"/>
-              </a:rPr>
-              <a:t>过载保护</a:t>
-            </a:r>
-            <a:endParaRPr lang="zh-CN" altLang="en-US" sz="2000" dirty="0">
-              <a:solidFill>
-                <a:srgbClr val="1E83D5"/>
-              </a:solidFill>
-              <a:effectLst/>
-              <a:latin typeface="思源黑体 CN Bold" panose="020B0800000000000000" charset="-122"/>
-              <a:ea typeface="思源黑体 CN Bold" panose="020B0800000000000000" charset="-122"/>
-              <a:cs typeface="思源黑体 CN Bold" panose="020B0800000000000000" charset="-122"/>
-            </a:endParaRPr>
-          </a:p>
-        </p:txBody>
-      </p:sp>
-      <p:sp>
-        <p:nvSpPr>
-          <p:cNvPr id="56" name="文本框 44"/>
-          <p:cNvSpPr txBox="1"/>
-          <p:nvPr/>
-        </p:nvSpPr>
-        <p:spPr>
-          <a:xfrm>
-            <a:off x="6333490" y="2387600"/>
-            <a:ext cx="4745990" cy="1198880"/>
-          </a:xfrm>
-          <a:prstGeom prst="rect">
-            <a:avLst/>
-          </a:prstGeom>
-          <a:noFill/>
-        </p:spPr>
-        <p:txBody>
-          <a:bodyPr wrap="square" rtlCol="0">
-            <a:spAutoFit/>
-          </a:bodyPr>
-          <a:lstStyle>
-            <a:defPPr>
-              <a:defRPr lang="zh-CN"/>
-            </a:defPPr>
-            <a:lvl1pPr marL="0" algn="l" defTabSz="914400" rtl="0" eaLnBrk="1" latinLnBrk="0" hangingPunct="1">
-              <a:defRPr sz="1800" kern="1200">
-                <a:solidFill>
-                  <a:schemeClr val="tx1"/>
-                </a:solidFill>
-                <a:latin typeface="+mn-lt"/>
-                <a:ea typeface="+mn-ea"/>
-                <a:cs typeface="+mn-cs"/>
-              </a:defRPr>
-            </a:lvl1pPr>
-            <a:lvl2pPr marL="457200" algn="l" defTabSz="914400" rtl="0" eaLnBrk="1" latinLnBrk="0" hangingPunct="1">
-              <a:defRPr sz="1800" kern="1200">
-                <a:solidFill>
-                  <a:schemeClr val="tx1"/>
-                </a:solidFill>
-                <a:latin typeface="+mn-lt"/>
-                <a:ea typeface="+mn-ea"/>
-                <a:cs typeface="+mn-cs"/>
-              </a:defRPr>
-            </a:lvl2pPr>
-            <a:lvl3pPr marL="914400" algn="l" defTabSz="914400" rtl="0" eaLnBrk="1" latinLnBrk="0" hangingPunct="1">
-              <a:defRPr sz="1800" kern="1200">
-                <a:solidFill>
-                  <a:schemeClr val="tx1"/>
-                </a:solidFill>
-                <a:latin typeface="+mn-lt"/>
-                <a:ea typeface="+mn-ea"/>
-                <a:cs typeface="+mn-cs"/>
-              </a:defRPr>
-            </a:lvl3pPr>
-            <a:lvl4pPr marL="1371600" algn="l" defTabSz="914400" rtl="0" eaLnBrk="1" latinLnBrk="0" hangingPunct="1">
-              <a:defRPr sz="1800" kern="1200">
-                <a:solidFill>
-                  <a:schemeClr val="tx1"/>
-                </a:solidFill>
-                <a:latin typeface="+mn-lt"/>
-                <a:ea typeface="+mn-ea"/>
-                <a:cs typeface="+mn-cs"/>
-              </a:defRPr>
-            </a:lvl4pPr>
-            <a:lvl5pPr marL="1828800" algn="l" defTabSz="914400" rtl="0" eaLnBrk="1" latinLnBrk="0" hangingPunct="1">
-              <a:defRPr sz="1800" kern="1200">
-                <a:solidFill>
-                  <a:schemeClr val="tx1"/>
-                </a:solidFill>
-                <a:latin typeface="+mn-lt"/>
-                <a:ea typeface="+mn-ea"/>
-                <a:cs typeface="+mn-cs"/>
-              </a:defRPr>
-            </a:lvl5pPr>
-            <a:lvl6pPr marL="2286000" algn="l" defTabSz="914400" rtl="0" eaLnBrk="1" latinLnBrk="0" hangingPunct="1">
-              <a:defRPr sz="1800" kern="1200">
-                <a:solidFill>
-                  <a:schemeClr val="tx1"/>
-                </a:solidFill>
-                <a:latin typeface="+mn-lt"/>
-                <a:ea typeface="+mn-ea"/>
-                <a:cs typeface="+mn-cs"/>
-              </a:defRPr>
-            </a:lvl6pPr>
-            <a:lvl7pPr marL="2743200" algn="l" defTabSz="914400" rtl="0" eaLnBrk="1" latinLnBrk="0" hangingPunct="1">
-              <a:defRPr sz="1800" kern="1200">
-                <a:solidFill>
-                  <a:schemeClr val="tx1"/>
-                </a:solidFill>
-                <a:latin typeface="+mn-lt"/>
-                <a:ea typeface="+mn-ea"/>
-                <a:cs typeface="+mn-cs"/>
-              </a:defRPr>
-            </a:lvl7pPr>
-            <a:lvl8pPr marL="3200400" algn="l" defTabSz="914400" rtl="0" eaLnBrk="1" latinLnBrk="0" hangingPunct="1">
-              <a:defRPr sz="1800" kern="1200">
-                <a:solidFill>
-                  <a:schemeClr val="tx1"/>
-                </a:solidFill>
-                <a:latin typeface="+mn-lt"/>
-                <a:ea typeface="+mn-ea"/>
-                <a:cs typeface="+mn-cs"/>
-              </a:defRPr>
-            </a:lvl8pPr>
-            <a:lvl9pPr marL="3657600" algn="l" defTabSz="914400" rtl="0" eaLnBrk="1" latinLnBrk="0" hangingPunct="1">
-              <a:defRPr sz="1800" kern="1200">
-                <a:solidFill>
-                  <a:schemeClr val="tx1"/>
-                </a:solidFill>
-                <a:latin typeface="+mn-lt"/>
-                <a:ea typeface="+mn-ea"/>
-                <a:cs typeface="+mn-cs"/>
-              </a:defRPr>
-            </a:lvl9pPr>
-          </a:lstStyle>
-          <a:p>
-            <a:pPr>
-              <a:lnSpc>
-                <a:spcPct val="150000"/>
-              </a:lnSpc>
-            </a:pPr>
-            <a:r>
-              <a:rPr lang="zh-CN" altLang="en-US" sz="1600" dirty="0">
-                <a:solidFill>
-                  <a:srgbClr val="1E83D5"/>
-                </a:solidFill>
-                <a:latin typeface="思源黑体 CN Bold" panose="020B0800000000000000" charset="-122"/>
-                <a:ea typeface="思源黑体 CN Bold" panose="020B0800000000000000" charset="-122"/>
-                <a:cs typeface="Roboto Black" panose="02000000000000000000" charset="0"/>
-              </a:rPr>
-              <a:t>服务端仍然需要识别一些恶意请求，防止接口被一些丧心病狂的人玩坏。对接口访问频率设置一定阈值，对超过阈值的请求进行屏蔽及预警。</a:t>
-            </a:r>
-            <a:endParaRPr lang="zh-CN" altLang="en-US" sz="1600" dirty="0">
-              <a:solidFill>
-                <a:srgbClr val="1E83D5"/>
-              </a:solidFill>
-              <a:latin typeface="思源黑体 CN Bold" panose="020B0800000000000000" charset="-122"/>
-              <a:ea typeface="思源黑体 CN Bold" panose="020B0800000000000000" charset="-122"/>
-              <a:cs typeface="Roboto Black" panose="02000000000000000000" charset="0"/>
             </a:endParaRPr>
           </a:p>
         </p:txBody>
@@ -13011,14 +16566,14 @@
             <a:p>
               <a:pPr algn="just"/>
               <a:r>
-                <a:rPr lang="zh-CN" altLang="en-US" sz="4400">
+                <a:rPr lang="en-US" altLang="zh-CN" sz="4400">
                   <a:solidFill>
                     <a:srgbClr val="1E83D5"/>
                   </a:solidFill>
                   <a:latin typeface="思源黑体 CN Bold" panose="020B0800000000000000" charset="-122"/>
                   <a:ea typeface="思源黑体 CN Bold" panose="020B0800000000000000" charset="-122"/>
                 </a:rPr>
-                <a:t>安全考量</a:t>
+                <a:t> </a:t>
               </a:r>
               <a:r>
                 <a:rPr lang="zh-CN" altLang="en-US" sz="4400">
@@ -13028,7 +16583,27 @@
                   <a:latin typeface="思源黑体 CN Bold" panose="020B0800000000000000" charset="-122"/>
                   <a:ea typeface="思源黑体 CN Bold" panose="020B0800000000000000" charset="-122"/>
                 </a:rPr>
-                <a:t>点</a:t>
+                <a:t>概</a:t>
+              </a:r>
+              <a:r>
+                <a:rPr lang="en-US" altLang="zh-CN" sz="4400">
+                  <a:solidFill>
+                    <a:srgbClr val="1E83D5"/>
+                  </a:solidFill>
+                  <a:latin typeface="思源黑体 CN Bold" panose="020B0800000000000000" charset="-122"/>
+                  <a:ea typeface="思源黑体 CN Bold" panose="020B0800000000000000" charset="-122"/>
+                </a:rPr>
+                <a:t>   </a:t>
+              </a:r>
+              <a:r>
+                <a:rPr lang="zh-CN" altLang="en-US" sz="4400">
+                  <a:solidFill>
+                    <a:srgbClr val="1E83D5"/>
+                  </a:solidFill>
+                  <a:latin typeface="思源黑体 CN Bold" panose="020B0800000000000000" charset="-122"/>
+                  <a:ea typeface="思源黑体 CN Bold" panose="020B0800000000000000" charset="-122"/>
+                </a:rPr>
+                <a:t>论</a:t>
               </a:r>
               <a:endParaRPr lang="zh-CN" altLang="en-US" sz="4400">
                 <a:solidFill>
@@ -13114,6 +16689,197 @@
           </a:prstGeom>
         </p:spPr>
       </p:pic>
+      <p:sp>
+        <p:nvSpPr>
+          <p:cNvPr id="56" name="文本框 44"/>
+          <p:cNvSpPr txBox="1"/>
+          <p:nvPr/>
+        </p:nvSpPr>
+        <p:spPr>
+          <a:xfrm>
+            <a:off x="5292090" y="2809240"/>
+            <a:ext cx="5998210" cy="1198880"/>
+          </a:xfrm>
+          <a:prstGeom prst="rect">
+            <a:avLst/>
+          </a:prstGeom>
+          <a:noFill/>
+        </p:spPr>
+        <p:txBody>
+          <a:bodyPr wrap="square" rtlCol="0">
+            <a:spAutoFit/>
+          </a:bodyPr>
+          <a:lstStyle>
+            <a:defPPr>
+              <a:defRPr lang="zh-CN"/>
+            </a:defPPr>
+            <a:lvl1pPr marL="0" algn="l" defTabSz="914400" rtl="0" eaLnBrk="1" latinLnBrk="0" hangingPunct="1">
+              <a:defRPr sz="1800" kern="1200">
+                <a:solidFill>
+                  <a:schemeClr val="tx1"/>
+                </a:solidFill>
+                <a:latin typeface="+mn-lt"/>
+                <a:ea typeface="+mn-ea"/>
+                <a:cs typeface="+mn-cs"/>
+              </a:defRPr>
+            </a:lvl1pPr>
+            <a:lvl2pPr marL="457200" algn="l" defTabSz="914400" rtl="0" eaLnBrk="1" latinLnBrk="0" hangingPunct="1">
+              <a:defRPr sz="1800" kern="1200">
+                <a:solidFill>
+                  <a:schemeClr val="tx1"/>
+                </a:solidFill>
+                <a:latin typeface="+mn-lt"/>
+                <a:ea typeface="+mn-ea"/>
+                <a:cs typeface="+mn-cs"/>
+              </a:defRPr>
+            </a:lvl2pPr>
+            <a:lvl3pPr marL="914400" algn="l" defTabSz="914400" rtl="0" eaLnBrk="1" latinLnBrk="0" hangingPunct="1">
+              <a:defRPr sz="1800" kern="1200">
+                <a:solidFill>
+                  <a:schemeClr val="tx1"/>
+                </a:solidFill>
+                <a:latin typeface="+mn-lt"/>
+                <a:ea typeface="+mn-ea"/>
+                <a:cs typeface="+mn-cs"/>
+              </a:defRPr>
+            </a:lvl3pPr>
+            <a:lvl4pPr marL="1371600" algn="l" defTabSz="914400" rtl="0" eaLnBrk="1" latinLnBrk="0" hangingPunct="1">
+              <a:defRPr sz="1800" kern="1200">
+                <a:solidFill>
+                  <a:schemeClr val="tx1"/>
+                </a:solidFill>
+                <a:latin typeface="+mn-lt"/>
+                <a:ea typeface="+mn-ea"/>
+                <a:cs typeface="+mn-cs"/>
+              </a:defRPr>
+            </a:lvl4pPr>
+            <a:lvl5pPr marL="1828800" algn="l" defTabSz="914400" rtl="0" eaLnBrk="1" latinLnBrk="0" hangingPunct="1">
+              <a:defRPr sz="1800" kern="1200">
+                <a:solidFill>
+                  <a:schemeClr val="tx1"/>
+                </a:solidFill>
+                <a:latin typeface="+mn-lt"/>
+                <a:ea typeface="+mn-ea"/>
+                <a:cs typeface="+mn-cs"/>
+              </a:defRPr>
+            </a:lvl5pPr>
+            <a:lvl6pPr marL="2286000" algn="l" defTabSz="914400" rtl="0" eaLnBrk="1" latinLnBrk="0" hangingPunct="1">
+              <a:defRPr sz="1800" kern="1200">
+                <a:solidFill>
+                  <a:schemeClr val="tx1"/>
+                </a:solidFill>
+                <a:latin typeface="+mn-lt"/>
+                <a:ea typeface="+mn-ea"/>
+                <a:cs typeface="+mn-cs"/>
+              </a:defRPr>
+            </a:lvl6pPr>
+            <a:lvl7pPr marL="2743200" algn="l" defTabSz="914400" rtl="0" eaLnBrk="1" latinLnBrk="0" hangingPunct="1">
+              <a:defRPr sz="1800" kern="1200">
+                <a:solidFill>
+                  <a:schemeClr val="tx1"/>
+                </a:solidFill>
+                <a:latin typeface="+mn-lt"/>
+                <a:ea typeface="+mn-ea"/>
+                <a:cs typeface="+mn-cs"/>
+              </a:defRPr>
+            </a:lvl7pPr>
+            <a:lvl8pPr marL="3200400" algn="l" defTabSz="914400" rtl="0" eaLnBrk="1" latinLnBrk="0" hangingPunct="1">
+              <a:defRPr sz="1800" kern="1200">
+                <a:solidFill>
+                  <a:schemeClr val="tx1"/>
+                </a:solidFill>
+                <a:latin typeface="+mn-lt"/>
+                <a:ea typeface="+mn-ea"/>
+                <a:cs typeface="+mn-cs"/>
+              </a:defRPr>
+            </a:lvl8pPr>
+            <a:lvl9pPr marL="3657600" algn="l" defTabSz="914400" rtl="0" eaLnBrk="1" latinLnBrk="0" hangingPunct="1">
+              <a:defRPr sz="1800" kern="1200">
+                <a:solidFill>
+                  <a:schemeClr val="tx1"/>
+                </a:solidFill>
+                <a:latin typeface="+mn-lt"/>
+                <a:ea typeface="+mn-ea"/>
+                <a:cs typeface="+mn-cs"/>
+              </a:defRPr>
+            </a:lvl9pPr>
+          </a:lstStyle>
+          <a:p>
+            <a:pPr>
+              <a:lnSpc>
+                <a:spcPct val="150000"/>
+              </a:lnSpc>
+            </a:pPr>
+            <a:r>
+              <a:rPr lang="zh-CN" altLang="en-US" sz="1600" dirty="0">
+                <a:solidFill>
+                  <a:srgbClr val="1E83D5"/>
+                </a:solidFill>
+                <a:latin typeface="思源黑体 CN Bold" panose="020B0800000000000000" charset="-122"/>
+                <a:ea typeface="思源黑体 CN Bold" panose="020B0800000000000000" charset="-122"/>
+                <a:cs typeface="Roboto Black" panose="02000000000000000000" charset="0"/>
+              </a:rPr>
+              <a:t>安全方法是指通过主动的安全手段对业务系统通讯、数据传输等进行增强、监控、防护、屏蔽或</a:t>
+            </a:r>
+            <a:r>
+              <a:rPr lang="zh-CN" altLang="en-US" sz="1600" dirty="0">
+                <a:solidFill>
+                  <a:srgbClr val="1E83D5"/>
+                </a:solidFill>
+                <a:latin typeface="思源黑体 CN Bold" panose="020B0800000000000000" charset="-122"/>
+                <a:ea typeface="思源黑体 CN Bold" panose="020B0800000000000000" charset="-122"/>
+                <a:cs typeface="Roboto Black" panose="02000000000000000000" charset="0"/>
+              </a:rPr>
+              <a:t>阻断。</a:t>
+            </a:r>
+            <a:endParaRPr lang="zh-CN" altLang="en-US" sz="1600" dirty="0">
+              <a:solidFill>
+                <a:srgbClr val="1E83D5"/>
+              </a:solidFill>
+              <a:latin typeface="思源黑体 CN Bold" panose="020B0800000000000000" charset="-122"/>
+              <a:ea typeface="思源黑体 CN Bold" panose="020B0800000000000000" charset="-122"/>
+              <a:cs typeface="Roboto Black" panose="02000000000000000000" charset="0"/>
+            </a:endParaRPr>
+          </a:p>
+          <a:p>
+            <a:pPr>
+              <a:lnSpc>
+                <a:spcPct val="150000"/>
+              </a:lnSpc>
+            </a:pPr>
+            <a:r>
+              <a:rPr lang="zh-CN" altLang="en-US" sz="1600" dirty="0">
+                <a:solidFill>
+                  <a:srgbClr val="1E83D5"/>
+                </a:solidFill>
+                <a:latin typeface="思源黑体 CN Bold" panose="020B0800000000000000" charset="-122"/>
+                <a:ea typeface="思源黑体 CN Bold" panose="020B0800000000000000" charset="-122"/>
+                <a:cs typeface="Roboto Black" panose="02000000000000000000" charset="0"/>
+              </a:rPr>
+              <a:t>是否提供业务数据审计功能，数据防火墙熔断功能</a:t>
+            </a:r>
+            <a:r>
+              <a:rPr lang="zh-CN" altLang="en-US" sz="1600" dirty="0">
+                <a:solidFill>
+                  <a:srgbClr val="1E83D5"/>
+                </a:solidFill>
+                <a:latin typeface="思源黑体 CN Bold" panose="020B0800000000000000" charset="-122"/>
+                <a:ea typeface="思源黑体 CN Bold" panose="020B0800000000000000" charset="-122"/>
+                <a:cs typeface="Roboto Black" panose="02000000000000000000" charset="0"/>
+              </a:rPr>
+              <a:t>等。</a:t>
+            </a:r>
+            <a:endParaRPr lang="zh-CN" altLang="en-US" sz="1600" dirty="0">
+              <a:solidFill>
+                <a:srgbClr val="1E83D5"/>
+              </a:solidFill>
+              <a:latin typeface="思源黑体 CN Bold" panose="020B0800000000000000" charset="-122"/>
+              <a:ea typeface="思源黑体 CN Bold" panose="020B0800000000000000" charset="-122"/>
+              <a:cs typeface="Roboto Black" panose="02000000000000000000" charset="0"/>
+            </a:endParaRPr>
+          </a:p>
+        </p:txBody>
+      </p:sp>
       <p:grpSp>
         <p:nvGrpSpPr>
           <p:cNvPr id="53" name="组合 52"/>
@@ -13248,7 +17014,7 @@
                 <a:latin typeface="思源黑体 CN Bold" panose="020B0800000000000000" charset="-122"/>
                 <a:ea typeface="思源黑体 CN Bold" panose="020B0800000000000000" charset="-122"/>
               </a:rPr>
-              <a:t>考量点</a:t>
+              <a:t>安全</a:t>
             </a:r>
             <a:r>
               <a:rPr lang="zh-CN" altLang="en-US" sz="2400">
@@ -13258,7 +17024,7 @@
                 <a:latin typeface="思源黑体 CN Bold" panose="020B0800000000000000" charset="-122"/>
                 <a:ea typeface="思源黑体 CN Bold" panose="020B0800000000000000" charset="-122"/>
               </a:rPr>
-              <a:t>四</a:t>
+              <a:t>防范</a:t>
             </a:r>
             <a:endParaRPr lang="zh-CN" altLang="en-US" sz="2400">
               <a:solidFill>
@@ -13266,290 +17032,6 @@
               </a:solidFill>
               <a:latin typeface="思源黑体 CN Bold" panose="020B0800000000000000" charset="-122"/>
               <a:ea typeface="思源黑体 CN Bold" panose="020B0800000000000000" charset="-122"/>
-            </a:endParaRPr>
-          </a:p>
-        </p:txBody>
-      </p:sp>
-      <p:sp>
-        <p:nvSpPr>
-          <p:cNvPr id="55" name="文本框"/>
-          <p:cNvSpPr txBox="1"/>
-          <p:nvPr/>
-        </p:nvSpPr>
-        <p:spPr>
-          <a:xfrm>
-            <a:off x="6333490" y="2000250"/>
-            <a:ext cx="4528820" cy="398780"/>
-          </a:xfrm>
-          <a:prstGeom prst="rect">
-            <a:avLst/>
-          </a:prstGeom>
-          <a:noFill/>
-        </p:spPr>
-        <p:txBody>
-          <a:bodyPr vert="horz" wrap="square" rtlCol="0">
-            <a:spAutoFit/>
-          </a:bodyPr>
-          <a:lstStyle>
-            <a:defPPr>
-              <a:defRPr lang="zh-CN"/>
-            </a:defPPr>
-            <a:lvl1pPr marL="0" algn="l" defTabSz="914400" rtl="0" eaLnBrk="1" latinLnBrk="0" hangingPunct="1">
-              <a:defRPr sz="1800" kern="1200">
-                <a:solidFill>
-                  <a:schemeClr val="tx1"/>
-                </a:solidFill>
-                <a:latin typeface="+mn-lt"/>
-                <a:ea typeface="+mn-ea"/>
-                <a:cs typeface="+mn-cs"/>
-              </a:defRPr>
-            </a:lvl1pPr>
-            <a:lvl2pPr marL="457200" algn="l" defTabSz="914400" rtl="0" eaLnBrk="1" latinLnBrk="0" hangingPunct="1">
-              <a:defRPr sz="1800" kern="1200">
-                <a:solidFill>
-                  <a:schemeClr val="tx1"/>
-                </a:solidFill>
-                <a:latin typeface="+mn-lt"/>
-                <a:ea typeface="+mn-ea"/>
-                <a:cs typeface="+mn-cs"/>
-              </a:defRPr>
-            </a:lvl2pPr>
-            <a:lvl3pPr marL="914400" algn="l" defTabSz="914400" rtl="0" eaLnBrk="1" latinLnBrk="0" hangingPunct="1">
-              <a:defRPr sz="1800" kern="1200">
-                <a:solidFill>
-                  <a:schemeClr val="tx1"/>
-                </a:solidFill>
-                <a:latin typeface="+mn-lt"/>
-                <a:ea typeface="+mn-ea"/>
-                <a:cs typeface="+mn-cs"/>
-              </a:defRPr>
-            </a:lvl3pPr>
-            <a:lvl4pPr marL="1371600" algn="l" defTabSz="914400" rtl="0" eaLnBrk="1" latinLnBrk="0" hangingPunct="1">
-              <a:defRPr sz="1800" kern="1200">
-                <a:solidFill>
-                  <a:schemeClr val="tx1"/>
-                </a:solidFill>
-                <a:latin typeface="+mn-lt"/>
-                <a:ea typeface="+mn-ea"/>
-                <a:cs typeface="+mn-cs"/>
-              </a:defRPr>
-            </a:lvl4pPr>
-            <a:lvl5pPr marL="1828800" algn="l" defTabSz="914400" rtl="0" eaLnBrk="1" latinLnBrk="0" hangingPunct="1">
-              <a:defRPr sz="1800" kern="1200">
-                <a:solidFill>
-                  <a:schemeClr val="tx1"/>
-                </a:solidFill>
-                <a:latin typeface="+mn-lt"/>
-                <a:ea typeface="+mn-ea"/>
-                <a:cs typeface="+mn-cs"/>
-              </a:defRPr>
-            </a:lvl5pPr>
-            <a:lvl6pPr marL="2286000" algn="l" defTabSz="914400" rtl="0" eaLnBrk="1" latinLnBrk="0" hangingPunct="1">
-              <a:defRPr sz="1800" kern="1200">
-                <a:solidFill>
-                  <a:schemeClr val="tx1"/>
-                </a:solidFill>
-                <a:latin typeface="+mn-lt"/>
-                <a:ea typeface="+mn-ea"/>
-                <a:cs typeface="+mn-cs"/>
-              </a:defRPr>
-            </a:lvl6pPr>
-            <a:lvl7pPr marL="2743200" algn="l" defTabSz="914400" rtl="0" eaLnBrk="1" latinLnBrk="0" hangingPunct="1">
-              <a:defRPr sz="1800" kern="1200">
-                <a:solidFill>
-                  <a:schemeClr val="tx1"/>
-                </a:solidFill>
-                <a:latin typeface="+mn-lt"/>
-                <a:ea typeface="+mn-ea"/>
-                <a:cs typeface="+mn-cs"/>
-              </a:defRPr>
-            </a:lvl7pPr>
-            <a:lvl8pPr marL="3200400" algn="l" defTabSz="914400" rtl="0" eaLnBrk="1" latinLnBrk="0" hangingPunct="1">
-              <a:defRPr sz="1800" kern="1200">
-                <a:solidFill>
-                  <a:schemeClr val="tx1"/>
-                </a:solidFill>
-                <a:latin typeface="+mn-lt"/>
-                <a:ea typeface="+mn-ea"/>
-                <a:cs typeface="+mn-cs"/>
-              </a:defRPr>
-            </a:lvl8pPr>
-            <a:lvl9pPr marL="3657600" algn="l" defTabSz="914400" rtl="0" eaLnBrk="1" latinLnBrk="0" hangingPunct="1">
-              <a:defRPr sz="1800" kern="1200">
-                <a:solidFill>
-                  <a:schemeClr val="tx1"/>
-                </a:solidFill>
-                <a:latin typeface="+mn-lt"/>
-                <a:ea typeface="+mn-ea"/>
-                <a:cs typeface="+mn-cs"/>
-              </a:defRPr>
-            </a:lvl9pPr>
-          </a:lstStyle>
-          <a:p>
-            <a:pPr algn="l"/>
-            <a:r>
-              <a:rPr lang="zh-CN" altLang="en-US" sz="2000" dirty="0">
-                <a:solidFill>
-                  <a:srgbClr val="1E83D5"/>
-                </a:solidFill>
-                <a:effectLst/>
-                <a:latin typeface="思源黑体 CN Bold" panose="020B0800000000000000" charset="-122"/>
-                <a:ea typeface="思源黑体 CN Bold" panose="020B0800000000000000" charset="-122"/>
-                <a:cs typeface="思源黑体 CN Bold" panose="020B0800000000000000" charset="-122"/>
-              </a:rPr>
-              <a:t>异常封装</a:t>
-            </a:r>
-            <a:endParaRPr lang="zh-CN" altLang="en-US" sz="2000" dirty="0">
-              <a:solidFill>
-                <a:srgbClr val="1E83D5"/>
-              </a:solidFill>
-              <a:effectLst/>
-              <a:latin typeface="思源黑体 CN Bold" panose="020B0800000000000000" charset="-122"/>
-              <a:ea typeface="思源黑体 CN Bold" panose="020B0800000000000000" charset="-122"/>
-              <a:cs typeface="思源黑体 CN Bold" panose="020B0800000000000000" charset="-122"/>
-            </a:endParaRPr>
-          </a:p>
-        </p:txBody>
-      </p:sp>
-      <p:sp>
-        <p:nvSpPr>
-          <p:cNvPr id="56" name="文本框 44"/>
-          <p:cNvSpPr txBox="1"/>
-          <p:nvPr/>
-        </p:nvSpPr>
-        <p:spPr>
-          <a:xfrm>
-            <a:off x="6333490" y="2387600"/>
-            <a:ext cx="4745990" cy="1198880"/>
-          </a:xfrm>
-          <a:prstGeom prst="rect">
-            <a:avLst/>
-          </a:prstGeom>
-          <a:noFill/>
-        </p:spPr>
-        <p:txBody>
-          <a:bodyPr wrap="square" rtlCol="0">
-            <a:spAutoFit/>
-          </a:bodyPr>
-          <a:lstStyle>
-            <a:defPPr>
-              <a:defRPr lang="zh-CN"/>
-            </a:defPPr>
-            <a:lvl1pPr marL="0" algn="l" defTabSz="914400" rtl="0" eaLnBrk="1" latinLnBrk="0" hangingPunct="1">
-              <a:defRPr sz="1800" kern="1200">
-                <a:solidFill>
-                  <a:schemeClr val="tx1"/>
-                </a:solidFill>
-                <a:latin typeface="+mn-lt"/>
-                <a:ea typeface="+mn-ea"/>
-                <a:cs typeface="+mn-cs"/>
-              </a:defRPr>
-            </a:lvl1pPr>
-            <a:lvl2pPr marL="457200" algn="l" defTabSz="914400" rtl="0" eaLnBrk="1" latinLnBrk="0" hangingPunct="1">
-              <a:defRPr sz="1800" kern="1200">
-                <a:solidFill>
-                  <a:schemeClr val="tx1"/>
-                </a:solidFill>
-                <a:latin typeface="+mn-lt"/>
-                <a:ea typeface="+mn-ea"/>
-                <a:cs typeface="+mn-cs"/>
-              </a:defRPr>
-            </a:lvl2pPr>
-            <a:lvl3pPr marL="914400" algn="l" defTabSz="914400" rtl="0" eaLnBrk="1" latinLnBrk="0" hangingPunct="1">
-              <a:defRPr sz="1800" kern="1200">
-                <a:solidFill>
-                  <a:schemeClr val="tx1"/>
-                </a:solidFill>
-                <a:latin typeface="+mn-lt"/>
-                <a:ea typeface="+mn-ea"/>
-                <a:cs typeface="+mn-cs"/>
-              </a:defRPr>
-            </a:lvl3pPr>
-            <a:lvl4pPr marL="1371600" algn="l" defTabSz="914400" rtl="0" eaLnBrk="1" latinLnBrk="0" hangingPunct="1">
-              <a:defRPr sz="1800" kern="1200">
-                <a:solidFill>
-                  <a:schemeClr val="tx1"/>
-                </a:solidFill>
-                <a:latin typeface="+mn-lt"/>
-                <a:ea typeface="+mn-ea"/>
-                <a:cs typeface="+mn-cs"/>
-              </a:defRPr>
-            </a:lvl4pPr>
-            <a:lvl5pPr marL="1828800" algn="l" defTabSz="914400" rtl="0" eaLnBrk="1" latinLnBrk="0" hangingPunct="1">
-              <a:defRPr sz="1800" kern="1200">
-                <a:solidFill>
-                  <a:schemeClr val="tx1"/>
-                </a:solidFill>
-                <a:latin typeface="+mn-lt"/>
-                <a:ea typeface="+mn-ea"/>
-                <a:cs typeface="+mn-cs"/>
-              </a:defRPr>
-            </a:lvl5pPr>
-            <a:lvl6pPr marL="2286000" algn="l" defTabSz="914400" rtl="0" eaLnBrk="1" latinLnBrk="0" hangingPunct="1">
-              <a:defRPr sz="1800" kern="1200">
-                <a:solidFill>
-                  <a:schemeClr val="tx1"/>
-                </a:solidFill>
-                <a:latin typeface="+mn-lt"/>
-                <a:ea typeface="+mn-ea"/>
-                <a:cs typeface="+mn-cs"/>
-              </a:defRPr>
-            </a:lvl6pPr>
-            <a:lvl7pPr marL="2743200" algn="l" defTabSz="914400" rtl="0" eaLnBrk="1" latinLnBrk="0" hangingPunct="1">
-              <a:defRPr sz="1800" kern="1200">
-                <a:solidFill>
-                  <a:schemeClr val="tx1"/>
-                </a:solidFill>
-                <a:latin typeface="+mn-lt"/>
-                <a:ea typeface="+mn-ea"/>
-                <a:cs typeface="+mn-cs"/>
-              </a:defRPr>
-            </a:lvl7pPr>
-            <a:lvl8pPr marL="3200400" algn="l" defTabSz="914400" rtl="0" eaLnBrk="1" latinLnBrk="0" hangingPunct="1">
-              <a:defRPr sz="1800" kern="1200">
-                <a:solidFill>
-                  <a:schemeClr val="tx1"/>
-                </a:solidFill>
-                <a:latin typeface="+mn-lt"/>
-                <a:ea typeface="+mn-ea"/>
-                <a:cs typeface="+mn-cs"/>
-              </a:defRPr>
-            </a:lvl8pPr>
-            <a:lvl9pPr marL="3657600" algn="l" defTabSz="914400" rtl="0" eaLnBrk="1" latinLnBrk="0" hangingPunct="1">
-              <a:defRPr sz="1800" kern="1200">
-                <a:solidFill>
-                  <a:schemeClr val="tx1"/>
-                </a:solidFill>
-                <a:latin typeface="+mn-lt"/>
-                <a:ea typeface="+mn-ea"/>
-                <a:cs typeface="+mn-cs"/>
-              </a:defRPr>
-            </a:lvl9pPr>
-          </a:lstStyle>
-          <a:p>
-            <a:pPr>
-              <a:lnSpc>
-                <a:spcPct val="150000"/>
-              </a:lnSpc>
-            </a:pPr>
-            <a:r>
-              <a:rPr lang="zh-CN" altLang="en-US" sz="1600" dirty="0">
-                <a:solidFill>
-                  <a:srgbClr val="1E83D5"/>
-                </a:solidFill>
-                <a:latin typeface="思源黑体 CN Bold" panose="020B0800000000000000" charset="-122"/>
-                <a:ea typeface="思源黑体 CN Bold" panose="020B0800000000000000" charset="-122"/>
-                <a:cs typeface="Roboto Black" panose="02000000000000000000" charset="0"/>
-              </a:rPr>
-              <a:t>服务端需要构建异常统一处理框架，将服务可能出现的异常做统一封装，返回固定的code与msg，防止程序堆栈信息暴露。</a:t>
-            </a:r>
-            <a:endParaRPr lang="zh-CN" altLang="en-US" sz="1600" dirty="0">
-              <a:solidFill>
-                <a:srgbClr val="1E83D5"/>
-              </a:solidFill>
-              <a:latin typeface="思源黑体 CN Bold" panose="020B0800000000000000" charset="-122"/>
-              <a:ea typeface="思源黑体 CN Bold" panose="020B0800000000000000" charset="-122"/>
-              <a:cs typeface="Roboto Black" panose="02000000000000000000" charset="0"/>
             </a:endParaRPr>
           </a:p>
         </p:txBody>
@@ -13660,14 +17142,14 @@
             <a:p>
               <a:pPr algn="just"/>
               <a:r>
-                <a:rPr lang="zh-CN" altLang="en-US" sz="4400">
+                <a:rPr lang="en-US" altLang="zh-CN" sz="4400">
                   <a:solidFill>
                     <a:srgbClr val="1E83D5"/>
                   </a:solidFill>
                   <a:latin typeface="思源黑体 CN Bold" panose="020B0800000000000000" charset="-122"/>
                   <a:ea typeface="思源黑体 CN Bold" panose="020B0800000000000000" charset="-122"/>
                 </a:rPr>
-                <a:t>安全考量</a:t>
+                <a:t> </a:t>
               </a:r>
               <a:r>
                 <a:rPr lang="zh-CN" altLang="en-US" sz="4400">
@@ -13677,7 +17159,27 @@
                   <a:latin typeface="思源黑体 CN Bold" panose="020B0800000000000000" charset="-122"/>
                   <a:ea typeface="思源黑体 CN Bold" panose="020B0800000000000000" charset="-122"/>
                 </a:rPr>
-                <a:t>点</a:t>
+                <a:t>概</a:t>
+              </a:r>
+              <a:r>
+                <a:rPr lang="en-US" altLang="zh-CN" sz="4400">
+                  <a:solidFill>
+                    <a:srgbClr val="1E83D5"/>
+                  </a:solidFill>
+                  <a:latin typeface="思源黑体 CN Bold" panose="020B0800000000000000" charset="-122"/>
+                  <a:ea typeface="思源黑体 CN Bold" panose="020B0800000000000000" charset="-122"/>
+                </a:rPr>
+                <a:t>   </a:t>
+              </a:r>
+              <a:r>
+                <a:rPr lang="zh-CN" altLang="en-US" sz="4400">
+                  <a:solidFill>
+                    <a:srgbClr val="1E83D5"/>
+                  </a:solidFill>
+                  <a:latin typeface="思源黑体 CN Bold" panose="020B0800000000000000" charset="-122"/>
+                  <a:ea typeface="思源黑体 CN Bold" panose="020B0800000000000000" charset="-122"/>
+                </a:rPr>
+                <a:t>论</a:t>
               </a:r>
               <a:endParaRPr lang="zh-CN" altLang="en-US" sz="4400">
                 <a:solidFill>
@@ -13763,6 +17265,271 @@
           </a:prstGeom>
         </p:spPr>
       </p:pic>
+      <p:sp>
+        <p:nvSpPr>
+          <p:cNvPr id="56" name="文本框 44"/>
+          <p:cNvSpPr txBox="1"/>
+          <p:nvPr/>
+        </p:nvSpPr>
+        <p:spPr>
+          <a:xfrm>
+            <a:off x="5315585" y="2738755"/>
+            <a:ext cx="5998210" cy="1938020"/>
+          </a:xfrm>
+          <a:prstGeom prst="rect">
+            <a:avLst/>
+          </a:prstGeom>
+          <a:noFill/>
+        </p:spPr>
+        <p:txBody>
+          <a:bodyPr wrap="square" rtlCol="0">
+            <a:spAutoFit/>
+          </a:bodyPr>
+          <a:lstStyle>
+            <a:defPPr>
+              <a:defRPr lang="zh-CN"/>
+            </a:defPPr>
+            <a:lvl1pPr marL="0" algn="l" defTabSz="914400" rtl="0" eaLnBrk="1" latinLnBrk="0" hangingPunct="1">
+              <a:defRPr sz="1800" kern="1200">
+                <a:solidFill>
+                  <a:schemeClr val="tx1"/>
+                </a:solidFill>
+                <a:latin typeface="+mn-lt"/>
+                <a:ea typeface="+mn-ea"/>
+                <a:cs typeface="+mn-cs"/>
+              </a:defRPr>
+            </a:lvl1pPr>
+            <a:lvl2pPr marL="457200" algn="l" defTabSz="914400" rtl="0" eaLnBrk="1" latinLnBrk="0" hangingPunct="1">
+              <a:defRPr sz="1800" kern="1200">
+                <a:solidFill>
+                  <a:schemeClr val="tx1"/>
+                </a:solidFill>
+                <a:latin typeface="+mn-lt"/>
+                <a:ea typeface="+mn-ea"/>
+                <a:cs typeface="+mn-cs"/>
+              </a:defRPr>
+            </a:lvl2pPr>
+            <a:lvl3pPr marL="914400" algn="l" defTabSz="914400" rtl="0" eaLnBrk="1" latinLnBrk="0" hangingPunct="1">
+              <a:defRPr sz="1800" kern="1200">
+                <a:solidFill>
+                  <a:schemeClr val="tx1"/>
+                </a:solidFill>
+                <a:latin typeface="+mn-lt"/>
+                <a:ea typeface="+mn-ea"/>
+                <a:cs typeface="+mn-cs"/>
+              </a:defRPr>
+            </a:lvl3pPr>
+            <a:lvl4pPr marL="1371600" algn="l" defTabSz="914400" rtl="0" eaLnBrk="1" latinLnBrk="0" hangingPunct="1">
+              <a:defRPr sz="1800" kern="1200">
+                <a:solidFill>
+                  <a:schemeClr val="tx1"/>
+                </a:solidFill>
+                <a:latin typeface="+mn-lt"/>
+                <a:ea typeface="+mn-ea"/>
+                <a:cs typeface="+mn-cs"/>
+              </a:defRPr>
+            </a:lvl4pPr>
+            <a:lvl5pPr marL="1828800" algn="l" defTabSz="914400" rtl="0" eaLnBrk="1" latinLnBrk="0" hangingPunct="1">
+              <a:defRPr sz="1800" kern="1200">
+                <a:solidFill>
+                  <a:schemeClr val="tx1"/>
+                </a:solidFill>
+                <a:latin typeface="+mn-lt"/>
+                <a:ea typeface="+mn-ea"/>
+                <a:cs typeface="+mn-cs"/>
+              </a:defRPr>
+            </a:lvl5pPr>
+            <a:lvl6pPr marL="2286000" algn="l" defTabSz="914400" rtl="0" eaLnBrk="1" latinLnBrk="0" hangingPunct="1">
+              <a:defRPr sz="1800" kern="1200">
+                <a:solidFill>
+                  <a:schemeClr val="tx1"/>
+                </a:solidFill>
+                <a:latin typeface="+mn-lt"/>
+                <a:ea typeface="+mn-ea"/>
+                <a:cs typeface="+mn-cs"/>
+              </a:defRPr>
+            </a:lvl6pPr>
+            <a:lvl7pPr marL="2743200" algn="l" defTabSz="914400" rtl="0" eaLnBrk="1" latinLnBrk="0" hangingPunct="1">
+              <a:defRPr sz="1800" kern="1200">
+                <a:solidFill>
+                  <a:schemeClr val="tx1"/>
+                </a:solidFill>
+                <a:latin typeface="+mn-lt"/>
+                <a:ea typeface="+mn-ea"/>
+                <a:cs typeface="+mn-cs"/>
+              </a:defRPr>
+            </a:lvl7pPr>
+            <a:lvl8pPr marL="3200400" algn="l" defTabSz="914400" rtl="0" eaLnBrk="1" latinLnBrk="0" hangingPunct="1">
+              <a:defRPr sz="1800" kern="1200">
+                <a:solidFill>
+                  <a:schemeClr val="tx1"/>
+                </a:solidFill>
+                <a:latin typeface="+mn-lt"/>
+                <a:ea typeface="+mn-ea"/>
+                <a:cs typeface="+mn-cs"/>
+              </a:defRPr>
+            </a:lvl8pPr>
+            <a:lvl9pPr marL="3657600" algn="l" defTabSz="914400" rtl="0" eaLnBrk="1" latinLnBrk="0" hangingPunct="1">
+              <a:defRPr sz="1800" kern="1200">
+                <a:solidFill>
+                  <a:schemeClr val="tx1"/>
+                </a:solidFill>
+                <a:latin typeface="+mn-lt"/>
+                <a:ea typeface="+mn-ea"/>
+                <a:cs typeface="+mn-cs"/>
+              </a:defRPr>
+            </a:lvl9pPr>
+          </a:lstStyle>
+          <a:p>
+            <a:pPr>
+              <a:lnSpc>
+                <a:spcPct val="150000"/>
+              </a:lnSpc>
+            </a:pPr>
+            <a:r>
+              <a:rPr lang="zh-CN" altLang="en-US" sz="1600" dirty="0">
+                <a:solidFill>
+                  <a:srgbClr val="1E83D5"/>
+                </a:solidFill>
+                <a:latin typeface="思源黑体 CN Bold" panose="020B0800000000000000" charset="-122"/>
+                <a:ea typeface="思源黑体 CN Bold" panose="020B0800000000000000" charset="-122"/>
+                <a:cs typeface="Roboto Black" panose="02000000000000000000" charset="0"/>
+              </a:rPr>
+              <a:t>管理安全主要针对的对象是</a:t>
+            </a:r>
+            <a:r>
+              <a:rPr lang="zh-CN" altLang="en-US" sz="1600" dirty="0">
+                <a:solidFill>
+                  <a:srgbClr val="1E83D5"/>
+                </a:solidFill>
+                <a:latin typeface="思源黑体 CN Bold" panose="020B0800000000000000" charset="-122"/>
+                <a:ea typeface="思源黑体 CN Bold" panose="020B0800000000000000" charset="-122"/>
+                <a:cs typeface="Roboto Black" panose="02000000000000000000" charset="0"/>
+              </a:rPr>
+              <a:t>人。</a:t>
+            </a:r>
+            <a:endParaRPr lang="zh-CN" altLang="en-US" sz="1600" dirty="0">
+              <a:solidFill>
+                <a:srgbClr val="1E83D5"/>
+              </a:solidFill>
+              <a:latin typeface="思源黑体 CN Bold" panose="020B0800000000000000" charset="-122"/>
+              <a:ea typeface="思源黑体 CN Bold" panose="020B0800000000000000" charset="-122"/>
+              <a:cs typeface="Roboto Black" panose="02000000000000000000" charset="0"/>
+            </a:endParaRPr>
+          </a:p>
+          <a:p>
+            <a:pPr>
+              <a:lnSpc>
+                <a:spcPct val="150000"/>
+              </a:lnSpc>
+            </a:pPr>
+            <a:r>
+              <a:rPr lang="zh-CN" altLang="en-US" sz="1600" dirty="0">
+                <a:solidFill>
+                  <a:srgbClr val="1E83D5"/>
+                </a:solidFill>
+                <a:latin typeface="思源黑体 CN Bold" panose="020B0800000000000000" charset="-122"/>
+                <a:ea typeface="思源黑体 CN Bold" panose="020B0800000000000000" charset="-122"/>
+                <a:cs typeface="Roboto Black" panose="02000000000000000000" charset="0"/>
+              </a:rPr>
+              <a:t>是否通过管理、规章的方式约束人的权限和</a:t>
+            </a:r>
+            <a:r>
+              <a:rPr lang="zh-CN" altLang="en-US" sz="1600" dirty="0">
+                <a:solidFill>
+                  <a:srgbClr val="1E83D5"/>
+                </a:solidFill>
+                <a:latin typeface="思源黑体 CN Bold" panose="020B0800000000000000" charset="-122"/>
+                <a:ea typeface="思源黑体 CN Bold" panose="020B0800000000000000" charset="-122"/>
+                <a:cs typeface="Roboto Black" panose="02000000000000000000" charset="0"/>
+              </a:rPr>
+              <a:t>行为。</a:t>
+            </a:r>
+            <a:endParaRPr lang="zh-CN" altLang="en-US" sz="1600" dirty="0">
+              <a:solidFill>
+                <a:srgbClr val="1E83D5"/>
+              </a:solidFill>
+              <a:latin typeface="思源黑体 CN Bold" panose="020B0800000000000000" charset="-122"/>
+              <a:ea typeface="思源黑体 CN Bold" panose="020B0800000000000000" charset="-122"/>
+              <a:cs typeface="Roboto Black" panose="02000000000000000000" charset="0"/>
+            </a:endParaRPr>
+          </a:p>
+          <a:p>
+            <a:pPr>
+              <a:lnSpc>
+                <a:spcPct val="150000"/>
+              </a:lnSpc>
+            </a:pPr>
+            <a:r>
+              <a:rPr lang="zh-CN" altLang="en-US" sz="1600" dirty="0">
+                <a:solidFill>
+                  <a:srgbClr val="1E83D5"/>
+                </a:solidFill>
+                <a:latin typeface="思源黑体 CN Bold" panose="020B0800000000000000" charset="-122"/>
+                <a:ea typeface="思源黑体 CN Bold" panose="020B0800000000000000" charset="-122"/>
+                <a:cs typeface="Roboto Black" panose="02000000000000000000" charset="0"/>
+              </a:rPr>
+              <a:t>所有认为操作的业务系统是否具有行为审计、行为阻断、权限控制的</a:t>
+            </a:r>
+            <a:r>
+              <a:rPr lang="zh-CN" altLang="en-US" sz="1600" dirty="0">
+                <a:solidFill>
+                  <a:srgbClr val="1E83D5"/>
+                </a:solidFill>
+                <a:latin typeface="思源黑体 CN Bold" panose="020B0800000000000000" charset="-122"/>
+                <a:ea typeface="思源黑体 CN Bold" panose="020B0800000000000000" charset="-122"/>
+                <a:cs typeface="Roboto Black" panose="02000000000000000000" charset="0"/>
+              </a:rPr>
+              <a:t>机制。</a:t>
+            </a:r>
+            <a:endParaRPr lang="zh-CN" altLang="en-US" sz="1600" dirty="0">
+              <a:solidFill>
+                <a:srgbClr val="1E83D5"/>
+              </a:solidFill>
+              <a:latin typeface="思源黑体 CN Bold" panose="020B0800000000000000" charset="-122"/>
+              <a:ea typeface="思源黑体 CN Bold" panose="020B0800000000000000" charset="-122"/>
+              <a:cs typeface="Roboto Black" panose="02000000000000000000" charset="0"/>
+            </a:endParaRPr>
+          </a:p>
+          <a:p>
+            <a:pPr>
+              <a:lnSpc>
+                <a:spcPct val="150000"/>
+              </a:lnSpc>
+            </a:pPr>
+            <a:r>
+              <a:rPr lang="zh-CN" altLang="en-US" sz="1600" dirty="0">
+                <a:solidFill>
+                  <a:srgbClr val="1E83D5"/>
+                </a:solidFill>
+                <a:latin typeface="思源黑体 CN Bold" panose="020B0800000000000000" charset="-122"/>
+                <a:ea typeface="思源黑体 CN Bold" panose="020B0800000000000000" charset="-122"/>
+                <a:cs typeface="Roboto Black" panose="02000000000000000000" charset="0"/>
+              </a:rPr>
+              <a:t>是否定时对涉密人员进行安全培训，提高安全</a:t>
+            </a:r>
+            <a:r>
+              <a:rPr lang="zh-CN" altLang="en-US" sz="1600" dirty="0">
+                <a:solidFill>
+                  <a:srgbClr val="1E83D5"/>
+                </a:solidFill>
+                <a:latin typeface="思源黑体 CN Bold" panose="020B0800000000000000" charset="-122"/>
+                <a:ea typeface="思源黑体 CN Bold" panose="020B0800000000000000" charset="-122"/>
+                <a:cs typeface="Roboto Black" panose="02000000000000000000" charset="0"/>
+              </a:rPr>
+              <a:t>意识。</a:t>
+            </a:r>
+            <a:endParaRPr lang="zh-CN" altLang="en-US" sz="1600" dirty="0">
+              <a:solidFill>
+                <a:srgbClr val="1E83D5"/>
+              </a:solidFill>
+              <a:latin typeface="思源黑体 CN Bold" panose="020B0800000000000000" charset="-122"/>
+              <a:ea typeface="思源黑体 CN Bold" panose="020B0800000000000000" charset="-122"/>
+              <a:cs typeface="Roboto Black" panose="02000000000000000000" charset="0"/>
+            </a:endParaRPr>
+          </a:p>
+        </p:txBody>
+      </p:sp>
       <p:grpSp>
         <p:nvGrpSpPr>
           <p:cNvPr id="53" name="组合 52"/>
@@ -13897,7 +17664,7 @@
                 <a:latin typeface="思源黑体 CN Bold" panose="020B0800000000000000" charset="-122"/>
                 <a:ea typeface="思源黑体 CN Bold" panose="020B0800000000000000" charset="-122"/>
               </a:rPr>
-              <a:t>考量点</a:t>
+              <a:t>管理</a:t>
             </a:r>
             <a:r>
               <a:rPr lang="zh-CN" altLang="en-US" sz="2400">
@@ -13907,7 +17674,7 @@
                 <a:latin typeface="思源黑体 CN Bold" panose="020B0800000000000000" charset="-122"/>
                 <a:ea typeface="思源黑体 CN Bold" panose="020B0800000000000000" charset="-122"/>
               </a:rPr>
-              <a:t>五</a:t>
+              <a:t>安全</a:t>
             </a:r>
             <a:endParaRPr lang="zh-CN" altLang="en-US" sz="2400">
               <a:solidFill>
@@ -13915,305 +17682,6 @@
               </a:solidFill>
               <a:latin typeface="思源黑体 CN Bold" panose="020B0800000000000000" charset="-122"/>
               <a:ea typeface="思源黑体 CN Bold" panose="020B0800000000000000" charset="-122"/>
-            </a:endParaRPr>
-          </a:p>
-        </p:txBody>
-      </p:sp>
-      <p:sp>
-        <p:nvSpPr>
-          <p:cNvPr id="55" name="文本框"/>
-          <p:cNvSpPr txBox="1"/>
-          <p:nvPr/>
-        </p:nvSpPr>
-        <p:spPr>
-          <a:xfrm>
-            <a:off x="6333490" y="2000250"/>
-            <a:ext cx="4528820" cy="398780"/>
-          </a:xfrm>
-          <a:prstGeom prst="rect">
-            <a:avLst/>
-          </a:prstGeom>
-          <a:noFill/>
-        </p:spPr>
-        <p:txBody>
-          <a:bodyPr vert="horz" wrap="square" rtlCol="0">
-            <a:spAutoFit/>
-          </a:bodyPr>
-          <a:lstStyle>
-            <a:defPPr>
-              <a:defRPr lang="zh-CN"/>
-            </a:defPPr>
-            <a:lvl1pPr marL="0" algn="l" defTabSz="914400" rtl="0" eaLnBrk="1" latinLnBrk="0" hangingPunct="1">
-              <a:defRPr sz="1800" kern="1200">
-                <a:solidFill>
-                  <a:schemeClr val="tx1"/>
-                </a:solidFill>
-                <a:latin typeface="+mn-lt"/>
-                <a:ea typeface="+mn-ea"/>
-                <a:cs typeface="+mn-cs"/>
-              </a:defRPr>
-            </a:lvl1pPr>
-            <a:lvl2pPr marL="457200" algn="l" defTabSz="914400" rtl="0" eaLnBrk="1" latinLnBrk="0" hangingPunct="1">
-              <a:defRPr sz="1800" kern="1200">
-                <a:solidFill>
-                  <a:schemeClr val="tx1"/>
-                </a:solidFill>
-                <a:latin typeface="+mn-lt"/>
-                <a:ea typeface="+mn-ea"/>
-                <a:cs typeface="+mn-cs"/>
-              </a:defRPr>
-            </a:lvl2pPr>
-            <a:lvl3pPr marL="914400" algn="l" defTabSz="914400" rtl="0" eaLnBrk="1" latinLnBrk="0" hangingPunct="1">
-              <a:defRPr sz="1800" kern="1200">
-                <a:solidFill>
-                  <a:schemeClr val="tx1"/>
-                </a:solidFill>
-                <a:latin typeface="+mn-lt"/>
-                <a:ea typeface="+mn-ea"/>
-                <a:cs typeface="+mn-cs"/>
-              </a:defRPr>
-            </a:lvl3pPr>
-            <a:lvl4pPr marL="1371600" algn="l" defTabSz="914400" rtl="0" eaLnBrk="1" latinLnBrk="0" hangingPunct="1">
-              <a:defRPr sz="1800" kern="1200">
-                <a:solidFill>
-                  <a:schemeClr val="tx1"/>
-                </a:solidFill>
-                <a:latin typeface="+mn-lt"/>
-                <a:ea typeface="+mn-ea"/>
-                <a:cs typeface="+mn-cs"/>
-              </a:defRPr>
-            </a:lvl4pPr>
-            <a:lvl5pPr marL="1828800" algn="l" defTabSz="914400" rtl="0" eaLnBrk="1" latinLnBrk="0" hangingPunct="1">
-              <a:defRPr sz="1800" kern="1200">
-                <a:solidFill>
-                  <a:schemeClr val="tx1"/>
-                </a:solidFill>
-                <a:latin typeface="+mn-lt"/>
-                <a:ea typeface="+mn-ea"/>
-                <a:cs typeface="+mn-cs"/>
-              </a:defRPr>
-            </a:lvl5pPr>
-            <a:lvl6pPr marL="2286000" algn="l" defTabSz="914400" rtl="0" eaLnBrk="1" latinLnBrk="0" hangingPunct="1">
-              <a:defRPr sz="1800" kern="1200">
-                <a:solidFill>
-                  <a:schemeClr val="tx1"/>
-                </a:solidFill>
-                <a:latin typeface="+mn-lt"/>
-                <a:ea typeface="+mn-ea"/>
-                <a:cs typeface="+mn-cs"/>
-              </a:defRPr>
-            </a:lvl6pPr>
-            <a:lvl7pPr marL="2743200" algn="l" defTabSz="914400" rtl="0" eaLnBrk="1" latinLnBrk="0" hangingPunct="1">
-              <a:defRPr sz="1800" kern="1200">
-                <a:solidFill>
-                  <a:schemeClr val="tx1"/>
-                </a:solidFill>
-                <a:latin typeface="+mn-lt"/>
-                <a:ea typeface="+mn-ea"/>
-                <a:cs typeface="+mn-cs"/>
-              </a:defRPr>
-            </a:lvl7pPr>
-            <a:lvl8pPr marL="3200400" algn="l" defTabSz="914400" rtl="0" eaLnBrk="1" latinLnBrk="0" hangingPunct="1">
-              <a:defRPr sz="1800" kern="1200">
-                <a:solidFill>
-                  <a:schemeClr val="tx1"/>
-                </a:solidFill>
-                <a:latin typeface="+mn-lt"/>
-                <a:ea typeface="+mn-ea"/>
-                <a:cs typeface="+mn-cs"/>
-              </a:defRPr>
-            </a:lvl8pPr>
-            <a:lvl9pPr marL="3657600" algn="l" defTabSz="914400" rtl="0" eaLnBrk="1" latinLnBrk="0" hangingPunct="1">
-              <a:defRPr sz="1800" kern="1200">
-                <a:solidFill>
-                  <a:schemeClr val="tx1"/>
-                </a:solidFill>
-                <a:latin typeface="+mn-lt"/>
-                <a:ea typeface="+mn-ea"/>
-                <a:cs typeface="+mn-cs"/>
-              </a:defRPr>
-            </a:lvl9pPr>
-          </a:lstStyle>
-          <a:p>
-            <a:pPr algn="l"/>
-            <a:r>
-              <a:rPr lang="zh-CN" altLang="en-US" sz="2000" dirty="0">
-                <a:solidFill>
-                  <a:srgbClr val="1E83D5"/>
-                </a:solidFill>
-                <a:effectLst/>
-                <a:latin typeface="思源黑体 CN Bold" panose="020B0800000000000000" charset="-122"/>
-                <a:ea typeface="思源黑体 CN Bold" panose="020B0800000000000000" charset="-122"/>
-                <a:cs typeface="思源黑体 CN Bold" panose="020B0800000000000000" charset="-122"/>
-              </a:rPr>
-              <a:t>启用HTTPS</a:t>
-            </a:r>
-            <a:endParaRPr lang="zh-CN" altLang="en-US" sz="2000" dirty="0">
-              <a:solidFill>
-                <a:srgbClr val="1E83D5"/>
-              </a:solidFill>
-              <a:effectLst/>
-              <a:latin typeface="思源黑体 CN Bold" panose="020B0800000000000000" charset="-122"/>
-              <a:ea typeface="思源黑体 CN Bold" panose="020B0800000000000000" charset="-122"/>
-              <a:cs typeface="思源黑体 CN Bold" panose="020B0800000000000000" charset="-122"/>
-            </a:endParaRPr>
-          </a:p>
-        </p:txBody>
-      </p:sp>
-      <p:sp>
-        <p:nvSpPr>
-          <p:cNvPr id="56" name="文本框 44"/>
-          <p:cNvSpPr txBox="1"/>
-          <p:nvPr/>
-        </p:nvSpPr>
-        <p:spPr>
-          <a:xfrm>
-            <a:off x="6333490" y="2387600"/>
-            <a:ext cx="4745990" cy="1938020"/>
-          </a:xfrm>
-          <a:prstGeom prst="rect">
-            <a:avLst/>
-          </a:prstGeom>
-          <a:noFill/>
-        </p:spPr>
-        <p:txBody>
-          <a:bodyPr wrap="square" rtlCol="0">
-            <a:spAutoFit/>
-          </a:bodyPr>
-          <a:lstStyle>
-            <a:defPPr>
-              <a:defRPr lang="zh-CN"/>
-            </a:defPPr>
-            <a:lvl1pPr marL="0" algn="l" defTabSz="914400" rtl="0" eaLnBrk="1" latinLnBrk="0" hangingPunct="1">
-              <a:defRPr sz="1800" kern="1200">
-                <a:solidFill>
-                  <a:schemeClr val="tx1"/>
-                </a:solidFill>
-                <a:latin typeface="+mn-lt"/>
-                <a:ea typeface="+mn-ea"/>
-                <a:cs typeface="+mn-cs"/>
-              </a:defRPr>
-            </a:lvl1pPr>
-            <a:lvl2pPr marL="457200" algn="l" defTabSz="914400" rtl="0" eaLnBrk="1" latinLnBrk="0" hangingPunct="1">
-              <a:defRPr sz="1800" kern="1200">
-                <a:solidFill>
-                  <a:schemeClr val="tx1"/>
-                </a:solidFill>
-                <a:latin typeface="+mn-lt"/>
-                <a:ea typeface="+mn-ea"/>
-                <a:cs typeface="+mn-cs"/>
-              </a:defRPr>
-            </a:lvl2pPr>
-            <a:lvl3pPr marL="914400" algn="l" defTabSz="914400" rtl="0" eaLnBrk="1" latinLnBrk="0" hangingPunct="1">
-              <a:defRPr sz="1800" kern="1200">
-                <a:solidFill>
-                  <a:schemeClr val="tx1"/>
-                </a:solidFill>
-                <a:latin typeface="+mn-lt"/>
-                <a:ea typeface="+mn-ea"/>
-                <a:cs typeface="+mn-cs"/>
-              </a:defRPr>
-            </a:lvl3pPr>
-            <a:lvl4pPr marL="1371600" algn="l" defTabSz="914400" rtl="0" eaLnBrk="1" latinLnBrk="0" hangingPunct="1">
-              <a:defRPr sz="1800" kern="1200">
-                <a:solidFill>
-                  <a:schemeClr val="tx1"/>
-                </a:solidFill>
-                <a:latin typeface="+mn-lt"/>
-                <a:ea typeface="+mn-ea"/>
-                <a:cs typeface="+mn-cs"/>
-              </a:defRPr>
-            </a:lvl4pPr>
-            <a:lvl5pPr marL="1828800" algn="l" defTabSz="914400" rtl="0" eaLnBrk="1" latinLnBrk="0" hangingPunct="1">
-              <a:defRPr sz="1800" kern="1200">
-                <a:solidFill>
-                  <a:schemeClr val="tx1"/>
-                </a:solidFill>
-                <a:latin typeface="+mn-lt"/>
-                <a:ea typeface="+mn-ea"/>
-                <a:cs typeface="+mn-cs"/>
-              </a:defRPr>
-            </a:lvl5pPr>
-            <a:lvl6pPr marL="2286000" algn="l" defTabSz="914400" rtl="0" eaLnBrk="1" latinLnBrk="0" hangingPunct="1">
-              <a:defRPr sz="1800" kern="1200">
-                <a:solidFill>
-                  <a:schemeClr val="tx1"/>
-                </a:solidFill>
-                <a:latin typeface="+mn-lt"/>
-                <a:ea typeface="+mn-ea"/>
-                <a:cs typeface="+mn-cs"/>
-              </a:defRPr>
-            </a:lvl6pPr>
-            <a:lvl7pPr marL="2743200" algn="l" defTabSz="914400" rtl="0" eaLnBrk="1" latinLnBrk="0" hangingPunct="1">
-              <a:defRPr sz="1800" kern="1200">
-                <a:solidFill>
-                  <a:schemeClr val="tx1"/>
-                </a:solidFill>
-                <a:latin typeface="+mn-lt"/>
-                <a:ea typeface="+mn-ea"/>
-                <a:cs typeface="+mn-cs"/>
-              </a:defRPr>
-            </a:lvl7pPr>
-            <a:lvl8pPr marL="3200400" algn="l" defTabSz="914400" rtl="0" eaLnBrk="1" latinLnBrk="0" hangingPunct="1">
-              <a:defRPr sz="1800" kern="1200">
-                <a:solidFill>
-                  <a:schemeClr val="tx1"/>
-                </a:solidFill>
-                <a:latin typeface="+mn-lt"/>
-                <a:ea typeface="+mn-ea"/>
-                <a:cs typeface="+mn-cs"/>
-              </a:defRPr>
-            </a:lvl8pPr>
-            <a:lvl9pPr marL="3657600" algn="l" defTabSz="914400" rtl="0" eaLnBrk="1" latinLnBrk="0" hangingPunct="1">
-              <a:defRPr sz="1800" kern="1200">
-                <a:solidFill>
-                  <a:schemeClr val="tx1"/>
-                </a:solidFill>
-                <a:latin typeface="+mn-lt"/>
-                <a:ea typeface="+mn-ea"/>
-                <a:cs typeface="+mn-cs"/>
-              </a:defRPr>
-            </a:lvl9pPr>
-          </a:lstStyle>
-          <a:p>
-            <a:pPr>
-              <a:lnSpc>
-                <a:spcPct val="150000"/>
-              </a:lnSpc>
-            </a:pPr>
-            <a:r>
-              <a:rPr lang="zh-CN" altLang="en-US" sz="1600" dirty="0">
-                <a:solidFill>
-                  <a:srgbClr val="1E83D5"/>
-                </a:solidFill>
-                <a:latin typeface="思源黑体 CN Bold" panose="020B0800000000000000" charset="-122"/>
-                <a:ea typeface="思源黑体 CN Bold" panose="020B0800000000000000" charset="-122"/>
-                <a:cs typeface="Roboto Black" panose="02000000000000000000" charset="0"/>
-              </a:rPr>
-              <a:t>HTTPS能够有效防止中间人攻击，有效保证接口不被劫持，对数据窃取篡改做了安全防范。但HTTP升级HTTPS会带来更多的握手，而握手中的运算会带来更多的性能消耗。这也是不得不考虑的问题。</a:t>
-            </a:r>
-            <a:endParaRPr lang="zh-CN" altLang="en-US" sz="1600" dirty="0">
-              <a:solidFill>
-                <a:srgbClr val="1E83D5"/>
-              </a:solidFill>
-              <a:latin typeface="思源黑体 CN Bold" panose="020B0800000000000000" charset="-122"/>
-              <a:ea typeface="思源黑体 CN Bold" panose="020B0800000000000000" charset="-122"/>
-              <a:cs typeface="Roboto Black" panose="02000000000000000000" charset="0"/>
-            </a:endParaRPr>
-          </a:p>
-          <a:p>
-            <a:pPr>
-              <a:lnSpc>
-                <a:spcPct val="150000"/>
-              </a:lnSpc>
-            </a:pPr>
-            <a:endParaRPr lang="zh-CN" altLang="en-US" sz="1600" dirty="0">
-              <a:solidFill>
-                <a:srgbClr val="1E83D5"/>
-              </a:solidFill>
-              <a:latin typeface="思源黑体 CN Bold" panose="020B0800000000000000" charset="-122"/>
-              <a:ea typeface="思源黑体 CN Bold" panose="020B0800000000000000" charset="-122"/>
-              <a:cs typeface="Roboto Black" panose="02000000000000000000" charset="0"/>
             </a:endParaRPr>
           </a:p>
         </p:txBody>
@@ -14248,7 +17716,7 @@
         <p:spPr>
           <a:xfrm>
             <a:off x="6428105" y="1866900"/>
-            <a:ext cx="3498850" cy="3153410"/>
+            <a:ext cx="3162300" cy="3153410"/>
           </a:xfrm>
           <a:prstGeom prst="rect">
             <a:avLst/>
@@ -14271,7 +17739,7 @@
                 <a:latin typeface="Roboto Black" panose="02000000000000000000" charset="0"/>
                 <a:cs typeface="Roboto Black" panose="02000000000000000000" charset="0"/>
               </a:rPr>
-              <a:t>02</a:t>
+              <a:t>01</a:t>
             </a:r>
             <a:endParaRPr lang="en-US" altLang="zh-CN" sz="19900">
               <a:ln>
@@ -14294,7 +17762,7 @@
         </p:nvSpPr>
         <p:spPr>
           <a:xfrm>
-            <a:off x="546735" y="3199130"/>
+            <a:off x="218440" y="3181985"/>
             <a:ext cx="5266690" cy="1014730"/>
           </a:xfrm>
           <a:prstGeom prst="rect">
@@ -14316,7 +17784,7 @@
                 <a:latin typeface="思源黑体 CN Bold" panose="020B0800000000000000" charset="-122"/>
                 <a:ea typeface="思源黑体 CN Bold" panose="020B0800000000000000" charset="-122"/>
               </a:rPr>
-              <a:t>签名的</a:t>
+              <a:t>安全</a:t>
             </a:r>
             <a:r>
               <a:rPr lang="zh-CN" altLang="en-US" sz="6000">
@@ -14326,7 +17794,7 @@
                 <a:latin typeface="思源黑体 CN Bold" panose="020B0800000000000000" charset="-122"/>
                 <a:ea typeface="思源黑体 CN Bold" panose="020B0800000000000000" charset="-122"/>
               </a:rPr>
-              <a:t>设计</a:t>
+              <a:t>考量点</a:t>
             </a:r>
             <a:endParaRPr lang="zh-CN" altLang="en-US" sz="6000">
               <a:solidFill>
@@ -14439,6 +17907,67 @@
 
 <file path=ppt/tags/tag104.xml><?xml version="1.0" encoding="utf-8"?>
 <p:tagLst xmlns:p="http://schemas.openxmlformats.org/presentationml/2006/main">
+  <p:tag name="KSO_WM_BEAUTIFY_FLAG" val="#wm#"/>
+  <p:tag name="KSO_WM_TEMPLATE_CATEGORY" val="custom"/>
+  <p:tag name="KSO_WM_TEMPLATE_INDEX" val="20205176"/>
+</p:tagLst>
+</file>
+
+<file path=ppt/tags/tag105.xml><?xml version="1.0" encoding="utf-8"?>
+<p:tagLst xmlns:p="http://schemas.openxmlformats.org/presentationml/2006/main">
+  <p:tag name="KSO_WM_BEAUTIFY_FLAG" val="#wm#"/>
+  <p:tag name="KSO_WM_TEMPLATE_CATEGORY" val="custom"/>
+  <p:tag name="KSO_WM_TEMPLATE_INDEX" val="20205176"/>
+</p:tagLst>
+</file>
+
+<file path=ppt/tags/tag106.xml><?xml version="1.0" encoding="utf-8"?>
+<p:tagLst xmlns:p="http://schemas.openxmlformats.org/presentationml/2006/main">
+  <p:tag name="KSO_WM_BEAUTIFY_FLAG" val="#wm#"/>
+  <p:tag name="KSO_WM_TEMPLATE_CATEGORY" val="custom"/>
+  <p:tag name="KSO_WM_TEMPLATE_INDEX" val="20205176"/>
+</p:tagLst>
+</file>
+
+<file path=ppt/tags/tag107.xml><?xml version="1.0" encoding="utf-8"?>
+<p:tagLst xmlns:p="http://schemas.openxmlformats.org/presentationml/2006/main">
+  <p:tag name="KSO_WM_BEAUTIFY_FLAG" val="#wm#"/>
+  <p:tag name="KSO_WM_TEMPLATE_CATEGORY" val="custom"/>
+  <p:tag name="KSO_WM_TEMPLATE_INDEX" val="20205176"/>
+</p:tagLst>
+</file>
+
+<file path=ppt/tags/tag108.xml><?xml version="1.0" encoding="utf-8"?>
+<p:tagLst xmlns:p="http://schemas.openxmlformats.org/presentationml/2006/main">
+  <p:tag name="KSO_WM_BEAUTIFY_FLAG" val="#wm#"/>
+  <p:tag name="KSO_WM_TEMPLATE_CATEGORY" val="custom"/>
+  <p:tag name="KSO_WM_TEMPLATE_INDEX" val="20205176"/>
+</p:tagLst>
+</file>
+
+<file path=ppt/tags/tag109.xml><?xml version="1.0" encoding="utf-8"?>
+<p:tagLst xmlns:p="http://schemas.openxmlformats.org/presentationml/2006/main">
+  <p:tag name="KSO_WM_BEAUTIFY_FLAG" val="#wm#"/>
+  <p:tag name="KSO_WM_TEMPLATE_CATEGORY" val="custom"/>
+  <p:tag name="KSO_WM_TEMPLATE_INDEX" val="20205176"/>
+</p:tagLst>
+</file>
+
+<file path=ppt/tags/tag11.xml><?xml version="1.0" encoding="utf-8"?>
+<p:tagLst xmlns:p="http://schemas.openxmlformats.org/presentationml/2006/main">
+  <p:tag name="KSO_WM_UNIT_HIGHLIGHT" val="0"/>
+  <p:tag name="KSO_WM_UNIT_COMPATIBLE" val="0"/>
+  <p:tag name="KSO_WM_UNIT_DIAGRAM_ISNUMVISUAL" val="0"/>
+  <p:tag name="KSO_WM_UNIT_DIAGRAM_ISREFERUNIT" val="0"/>
+  <p:tag name="KSO_WM_UNIT_ID" val="_6**"/>
+  <p:tag name="KSO_WM_UNIT_LAYERLEVEL" val="1"/>
+  <p:tag name="KSO_WM_TAG_VERSION" val="1.0"/>
+  <p:tag name="KSO_WM_BEAUTIFY_FLAG" val="#wm#"/>
+</p:tagLst>
+</file>
+
+<file path=ppt/tags/tag110.xml><?xml version="1.0" encoding="utf-8"?>
+<p:tagLst xmlns:p="http://schemas.openxmlformats.org/presentationml/2006/main">
   <p:tag name="KSO_WM_SLIDE_ID" val="custom20205176_1"/>
   <p:tag name="KSO_WM_TEMPLATE_SUBCATEGORY" val="19"/>
   <p:tag name="KSO_WM_TEMPLATE_MASTER_TYPE" val="0"/>
@@ -14458,22 +17987,9 @@
 </p:tagLst>
 </file>
 
-<file path=ppt/tags/tag105.xml><?xml version="1.0" encoding="utf-8"?>
+<file path=ppt/tags/tag111.xml><?xml version="1.0" encoding="utf-8"?>
 <p:tagLst xmlns:p="http://schemas.openxmlformats.org/presentationml/2006/main">
   <p:tag name="COMMONDATA" val="eyJoZGlkIjoiOGZhZWNiY2ExY2E2MzdhNDY4YjU1NmE5NzU5ZTQ4YTIifQ=="/>
-</p:tagLst>
-</file>
-
-<file path=ppt/tags/tag11.xml><?xml version="1.0" encoding="utf-8"?>
-<p:tagLst xmlns:p="http://schemas.openxmlformats.org/presentationml/2006/main">
-  <p:tag name="KSO_WM_UNIT_HIGHLIGHT" val="0"/>
-  <p:tag name="KSO_WM_UNIT_COMPATIBLE" val="0"/>
-  <p:tag name="KSO_WM_UNIT_DIAGRAM_ISNUMVISUAL" val="0"/>
-  <p:tag name="KSO_WM_UNIT_DIAGRAM_ISREFERUNIT" val="0"/>
-  <p:tag name="KSO_WM_UNIT_ID" val="_6**"/>
-  <p:tag name="KSO_WM_UNIT_LAYERLEVEL" val="1"/>
-  <p:tag name="KSO_WM_TAG_VERSION" val="1.0"/>
-  <p:tag name="KSO_WM_BEAUTIFY_FLAG" val="#wm#"/>
 </p:tagLst>
 </file>
 
